--- a/poster/poster_ml.pptx
+++ b/poster/poster_ml.pptx
@@ -344,7 +344,7 @@
             <a:fld id="{79C131B7-05CA-4AEE-9267-6D0ED4DC84F3}" type="slidenum">
               <a:rPr lang="en-US" smtClean="0"/>
               <a:pPr/>
-              <a:t>‹N°›</a:t>
+              <a:t>‹#›</a:t>
             </a:fld>
             <a:endParaRPr lang="en-US"/>
           </a:p>
@@ -605,7 +605,7 @@
             <a:fld id="{26A1A87D-CAF7-4BDC-A0D3-C0DBEDE81619}" type="slidenum">
               <a:rPr lang="en-US" smtClean="0"/>
               <a:pPr/>
-              <a:t>‹N°›</a:t>
+              <a:t>‹#›</a:t>
             </a:fld>
             <a:endParaRPr lang="en-US" dirty="0"/>
           </a:p>
@@ -712,6 +712,91 @@
     </a:lvl9pPr>
   </p:notesStyle>
 </p:notesMaster>
+</file>
+
+<file path=ppt/notesSlides/notesSlide1.xml><?xml version="1.0" encoding="utf-8"?>
+<p:notes xmlns:a="http://schemas.openxmlformats.org/drawingml/2006/main" xmlns:r="http://schemas.openxmlformats.org/officeDocument/2006/relationships" xmlns:p="http://schemas.openxmlformats.org/presentationml/2006/main">
+  <p:cSld>
+    <p:spTree>
+      <p:nvGrpSpPr>
+        <p:cNvPr id="1" name=""/>
+        <p:cNvGrpSpPr/>
+        <p:nvPr/>
+      </p:nvGrpSpPr>
+      <p:grpSpPr>
+        <a:xfrm>
+          <a:off x="0" y="0"/>
+          <a:ext cx="0" cy="0"/>
+          <a:chOff x="0" y="0"/>
+          <a:chExt cx="0" cy="0"/>
+        </a:xfrm>
+      </p:grpSpPr>
+      <p:sp>
+        <p:nvSpPr>
+          <p:cNvPr id="2" name="Slide Image Placeholder 1"/>
+          <p:cNvSpPr>
+            <a:spLocks noGrp="1" noRot="1" noChangeAspect="1"/>
+          </p:cNvSpPr>
+          <p:nvPr>
+            <p:ph type="sldImg"/>
+          </p:nvPr>
+        </p:nvSpPr>
+        <p:spPr/>
+      </p:sp>
+      <p:sp>
+        <p:nvSpPr>
+          <p:cNvPr id="3" name="Notes Placeholder 2"/>
+          <p:cNvSpPr>
+            <a:spLocks noGrp="1"/>
+          </p:cNvSpPr>
+          <p:nvPr>
+            <p:ph type="body" idx="1"/>
+          </p:nvPr>
+        </p:nvSpPr>
+        <p:spPr/>
+        <p:txBody>
+          <a:bodyPr/>
+          <a:lstStyle/>
+          <a:p>
+            <a:endParaRPr lang="en-US" dirty="0"/>
+          </a:p>
+        </p:txBody>
+      </p:sp>
+      <p:sp>
+        <p:nvSpPr>
+          <p:cNvPr id="4" name="Slide Number Placeholder 3"/>
+          <p:cNvSpPr>
+            <a:spLocks noGrp="1"/>
+          </p:cNvSpPr>
+          <p:nvPr>
+            <p:ph type="sldNum" sz="quarter" idx="10"/>
+          </p:nvPr>
+        </p:nvSpPr>
+        <p:spPr/>
+        <p:txBody>
+          <a:bodyPr/>
+          <a:lstStyle/>
+          <a:p>
+            <a:fld id="{26A1A87D-CAF7-4BDC-A0D3-C0DBEDE81619}" type="slidenum">
+              <a:rPr lang="en-US" smtClean="0"/>
+              <a:pPr/>
+              <a:t>1</a:t>
+            </a:fld>
+            <a:endParaRPr lang="en-US" dirty="0"/>
+          </a:p>
+        </p:txBody>
+      </p:sp>
+    </p:spTree>
+    <p:extLst>
+      <p:ext uri="{BB962C8B-B14F-4D97-AF65-F5344CB8AC3E}">
+        <p14:creationId xmlns:p14="http://schemas.microsoft.com/office/powerpoint/2010/main" val="1710695038"/>
+      </p:ext>
+    </p:extLst>
+  </p:cSld>
+  <p:clrMapOvr>
+    <a:masterClrMapping/>
+  </p:clrMapOvr>
+</p:notes>
 </file>
 
 <file path=ppt/slideLayouts/slideLayout1.xml><?xml version="1.0" encoding="utf-8"?>
@@ -5258,7 +5343,7 @@
               <a:graphicData uri="http://schemas.openxmlformats.org/presentationml/2006/ole">
                 <mc:AlternateContent xmlns:mc="http://schemas.openxmlformats.org/markup-compatibility/2006">
                   <mc:Choice xmlns:v="urn:schemas-microsoft-com:vml" Requires="v">
-                    <p:oleObj spid="_x0000_s1112" name="Image" r:id="rId8" imgW="1828440" imgH="1117440" progId="Photoshop.Image.13">
+                    <p:oleObj spid="_x0000_s1124" name="Image" r:id="rId8" imgW="1828440" imgH="1117440" progId="Photoshop.Image.13">
                       <p:embed/>
                     </p:oleObj>
                   </mc:Choice>
@@ -5315,7 +5400,7 @@
               <a:graphicData uri="http://schemas.openxmlformats.org/presentationml/2006/ole">
                 <mc:AlternateContent xmlns:mc="http://schemas.openxmlformats.org/markup-compatibility/2006">
                   <mc:Choice xmlns:v="urn:schemas-microsoft-com:vml" Requires="v">
-                    <p:oleObj spid="_x0000_s1113" name="Image" r:id="rId10" imgW="1828440" imgH="1117440" progId="Photoshop.Image.13">
+                    <p:oleObj spid="_x0000_s1125" name="Image" r:id="rId10" imgW="1828440" imgH="1117440" progId="Photoshop.Image.13">
                       <p:embed/>
                     </p:oleObj>
                   </mc:Choice>
@@ -6438,7 +6523,7 @@
             <a:graphicData uri="http://schemas.openxmlformats.org/presentationml/2006/ole">
               <mc:AlternateContent xmlns:mc="http://schemas.openxmlformats.org/markup-compatibility/2006">
                 <mc:Choice xmlns:v="urn:schemas-microsoft-com:vml" Requires="v">
-                  <p:oleObj spid="_x0000_s1114" name="Image" r:id="rId12" imgW="4571280" imgH="1688760" progId="Photoshop.Image.13">
+                  <p:oleObj spid="_x0000_s1126" name="Image" r:id="rId12" imgW="4571280" imgH="1688760" progId="Photoshop.Image.13">
                     <p:embed/>
                   </p:oleObj>
                 </mc:Choice>
@@ -6522,7 +6607,7 @@
             <a:graphicData uri="http://schemas.openxmlformats.org/presentationml/2006/ole">
               <mc:AlternateContent xmlns:mc="http://schemas.openxmlformats.org/markup-compatibility/2006">
                 <mc:Choice xmlns:v="urn:schemas-microsoft-com:vml" Requires="v">
-                  <p:oleObj spid="_x0000_s1115" name="Image" r:id="rId15" imgW="1574280" imgH="1053720" progId="Photoshop.Image.13">
+                  <p:oleObj spid="_x0000_s1127" name="Image" r:id="rId15" imgW="1574280" imgH="1053720" progId="Photoshop.Image.13">
                     <p:embed/>
                   </p:oleObj>
                 </mc:Choice>
@@ -8504,7 +8589,7 @@
             <a:graphicData uri="http://schemas.openxmlformats.org/presentationml/2006/ole">
               <mc:AlternateContent xmlns:mc="http://schemas.openxmlformats.org/markup-compatibility/2006">
                 <mc:Choice xmlns:v="urn:schemas-microsoft-com:vml" Requires="v">
-                  <p:oleObj spid="_x0000_s2136" name="Image" r:id="rId4" imgW="4571280" imgH="1688760" progId="Photoshop.Image.13">
+                  <p:oleObj spid="_x0000_s2148" name="Image" r:id="rId4" imgW="4571280" imgH="1688760" progId="Photoshop.Image.13">
                     <p:embed/>
                   </p:oleObj>
                 </mc:Choice>
@@ -8588,7 +8673,7 @@
             <a:graphicData uri="http://schemas.openxmlformats.org/presentationml/2006/ole">
               <mc:AlternateContent xmlns:mc="http://schemas.openxmlformats.org/markup-compatibility/2006">
                 <mc:Choice xmlns:v="urn:schemas-microsoft-com:vml" Requires="v">
-                  <p:oleObj spid="_x0000_s2137" name="Image" r:id="rId7" imgW="1574280" imgH="1053720" progId="Photoshop.Image.13">
+                  <p:oleObj spid="_x0000_s2149" name="Image" r:id="rId7" imgW="1574280" imgH="1053720" progId="Photoshop.Image.13">
                     <p:embed/>
                   </p:oleObj>
                 </mc:Choice>
@@ -10097,7 +10182,7 @@
               <a:graphicData uri="http://schemas.openxmlformats.org/presentationml/2006/ole">
                 <mc:AlternateContent xmlns:mc="http://schemas.openxmlformats.org/markup-compatibility/2006">
                   <mc:Choice xmlns:v="urn:schemas-microsoft-com:vml" Requires="v">
-                    <p:oleObj spid="_x0000_s2138" name="Image" r:id="rId15" imgW="1828440" imgH="1117440" progId="Photoshop.Image.13">
+                    <p:oleObj spid="_x0000_s2150" name="Image" r:id="rId15" imgW="1828440" imgH="1117440" progId="Photoshop.Image.13">
                       <p:embed/>
                     </p:oleObj>
                   </mc:Choice>
@@ -10154,7 +10239,7 @@
               <a:graphicData uri="http://schemas.openxmlformats.org/presentationml/2006/ole">
                 <mc:AlternateContent xmlns:mc="http://schemas.openxmlformats.org/markup-compatibility/2006">
                   <mc:Choice xmlns:v="urn:schemas-microsoft-com:vml" Requires="v">
-                    <p:oleObj spid="_x0000_s2139" name="Image" r:id="rId17" imgW="1828440" imgH="1117440" progId="Photoshop.Image.13">
+                    <p:oleObj spid="_x0000_s2151" name="Image" r:id="rId17" imgW="1828440" imgH="1117440" progId="Photoshop.Image.13">
                       <p:embed/>
                     </p:oleObj>
                   </mc:Choice>
@@ -11940,7 +12025,7 @@
             <a:graphicData uri="http://schemas.openxmlformats.org/presentationml/2006/ole">
               <mc:AlternateContent xmlns:mc="http://schemas.openxmlformats.org/markup-compatibility/2006">
                 <mc:Choice xmlns:v="urn:schemas-microsoft-com:vml" Requires="v">
-                  <p:oleObj spid="_x0000_s3160" name="Image" r:id="rId4" imgW="4571280" imgH="1688760" progId="Photoshop.Image.13">
+                  <p:oleObj spid="_x0000_s3172" name="Image" r:id="rId4" imgW="4571280" imgH="1688760" progId="Photoshop.Image.13">
                     <p:embed/>
                   </p:oleObj>
                 </mc:Choice>
@@ -12024,7 +12109,7 @@
             <a:graphicData uri="http://schemas.openxmlformats.org/presentationml/2006/ole">
               <mc:AlternateContent xmlns:mc="http://schemas.openxmlformats.org/markup-compatibility/2006">
                 <mc:Choice xmlns:v="urn:schemas-microsoft-com:vml" Requires="v">
-                  <p:oleObj spid="_x0000_s3161" name="Image" r:id="rId7" imgW="1574280" imgH="1053720" progId="Photoshop.Image.13">
+                  <p:oleObj spid="_x0000_s3173" name="Image" r:id="rId7" imgW="1574280" imgH="1053720" progId="Photoshop.Image.13">
                     <p:embed/>
                   </p:oleObj>
                 </mc:Choice>
@@ -13533,7 +13618,7 @@
               <a:graphicData uri="http://schemas.openxmlformats.org/presentationml/2006/ole">
                 <mc:AlternateContent xmlns:mc="http://schemas.openxmlformats.org/markup-compatibility/2006">
                   <mc:Choice xmlns:v="urn:schemas-microsoft-com:vml" Requires="v">
-                    <p:oleObj spid="_x0000_s3162" name="Image" r:id="rId15" imgW="1828440" imgH="1117440" progId="Photoshop.Image.13">
+                    <p:oleObj spid="_x0000_s3174" name="Image" r:id="rId15" imgW="1828440" imgH="1117440" progId="Photoshop.Image.13">
                       <p:embed/>
                     </p:oleObj>
                   </mc:Choice>
@@ -13590,7 +13675,7 @@
               <a:graphicData uri="http://schemas.openxmlformats.org/presentationml/2006/ole">
                 <mc:AlternateContent xmlns:mc="http://schemas.openxmlformats.org/markup-compatibility/2006">
                   <mc:Choice xmlns:v="urn:schemas-microsoft-com:vml" Requires="v">
-                    <p:oleObj spid="_x0000_s3163" name="Image" r:id="rId17" imgW="1828440" imgH="1117440" progId="Photoshop.Image.13">
+                    <p:oleObj spid="_x0000_s3175" name="Image" r:id="rId17" imgW="1828440" imgH="1117440" progId="Photoshop.Image.13">
                       <p:embed/>
                     </p:oleObj>
                   </mc:Choice>
@@ -14076,6 +14161,76 @@
           <a:chExt cx="0" cy="0"/>
         </a:xfrm>
       </p:grpSpPr>
+      <p:pic>
+        <p:nvPicPr>
+          <p:cNvPr id="38" name="Image 37">
+            <a:extLst>
+              <a:ext uri="{FF2B5EF4-FFF2-40B4-BE49-F238E27FC236}">
+                <a16:creationId xmlns:a16="http://schemas.microsoft.com/office/drawing/2014/main" id="{43B0B31F-7902-4B67-AA68-2C7D98832D60}"/>
+              </a:ext>
+            </a:extLst>
+          </p:cNvPr>
+          <p:cNvPicPr>
+            <a:picLocks noChangeAspect="1"/>
+          </p:cNvPicPr>
+          <p:nvPr/>
+        </p:nvPicPr>
+        <p:blipFill rotWithShape="1">
+          <a:blip r:embed="rId3">
+            <a:extLst>
+              <a:ext uri="{28A0092B-C50C-407E-A947-70E740481C1C}">
+                <a14:useLocalDpi xmlns:a14="http://schemas.microsoft.com/office/drawing/2010/main" val="0"/>
+              </a:ext>
+            </a:extLst>
+          </a:blip>
+          <a:srcRect l="25053" t="7348" r="19764" b="18387"/>
+          <a:stretch/>
+        </p:blipFill>
+        <p:spPr>
+          <a:xfrm>
+            <a:off x="14420451" y="25609261"/>
+            <a:ext cx="4175314" cy="4196689"/>
+          </a:xfrm>
+          <a:prstGeom prst="rect">
+            <a:avLst/>
+          </a:prstGeom>
+        </p:spPr>
+      </p:pic>
+      <p:pic>
+        <p:nvPicPr>
+          <p:cNvPr id="33" name="Image 32">
+            <a:extLst>
+              <a:ext uri="{FF2B5EF4-FFF2-40B4-BE49-F238E27FC236}">
+                <a16:creationId xmlns:a16="http://schemas.microsoft.com/office/drawing/2014/main" id="{09F41FD4-CFA4-4FEF-913D-FBC181983EE6}"/>
+              </a:ext>
+            </a:extLst>
+          </p:cNvPr>
+          <p:cNvPicPr>
+            <a:picLocks noChangeAspect="1"/>
+          </p:cNvPicPr>
+          <p:nvPr/>
+        </p:nvPicPr>
+        <p:blipFill rotWithShape="1">
+          <a:blip r:embed="rId4">
+            <a:extLst>
+              <a:ext uri="{28A0092B-C50C-407E-A947-70E740481C1C}">
+                <a14:useLocalDpi xmlns:a14="http://schemas.microsoft.com/office/drawing/2010/main" val="0"/>
+              </a:ext>
+            </a:extLst>
+          </a:blip>
+          <a:srcRect l="25079" t="7368" r="19718" b="18477"/>
+          <a:stretch/>
+        </p:blipFill>
+        <p:spPr>
+          <a:xfrm>
+            <a:off x="14405574" y="18778886"/>
+            <a:ext cx="4175314" cy="4188998"/>
+          </a:xfrm>
+          <a:prstGeom prst="rect">
+            <a:avLst/>
+          </a:prstGeom>
+        </p:spPr>
+      </p:pic>
       <p:sp>
         <p:nvSpPr>
           <p:cNvPr id="2" name="Text Placeholder 1"/>
@@ -14331,7 +14486,11 @@
           <a:bodyPr/>
           <a:lstStyle/>
           <a:p>
-            <a:endParaRPr lang="en-US"/>
+            <a:r>
+              <a:rPr lang="en-CA" dirty="0"/>
+              <a:t>University of Montreal</a:t>
+            </a:r>
+            <a:endParaRPr lang="en-US" dirty="0"/>
           </a:p>
         </p:txBody>
       </p:sp>
@@ -14407,7 +14566,15 @@
           <a:p>
             <a:r>
               <a:rPr lang="fr-CA" dirty="0" err="1"/>
-              <a:t>Who</a:t>
+              <a:t>Which</a:t>
+            </a:r>
+            <a:r>
+              <a:rPr lang="fr-CA" dirty="0"/>
+              <a:t> </a:t>
+            </a:r>
+            <a:r>
+              <a:rPr lang="fr-CA" dirty="0" err="1"/>
+              <a:t>algorithm</a:t>
             </a:r>
             <a:r>
               <a:rPr lang="fr-CA" dirty="0"/>
@@ -16825,66 +16992,6 @@
       </p:sp>
       <p:pic>
         <p:nvPicPr>
-          <p:cNvPr id="23" name="Image 22">
-            <a:extLst>
-              <a:ext uri="{FF2B5EF4-FFF2-40B4-BE49-F238E27FC236}">
-                <a16:creationId xmlns:a16="http://schemas.microsoft.com/office/drawing/2014/main" id="{4135C4F6-5ABF-4565-9819-29A424526A7E}"/>
-              </a:ext>
-            </a:extLst>
-          </p:cNvPr>
-          <p:cNvPicPr>
-            <a:picLocks noChangeAspect="1"/>
-          </p:cNvPicPr>
-          <p:nvPr/>
-        </p:nvPicPr>
-        <p:blipFill>
-          <a:blip r:embed="rId2"/>
-          <a:stretch>
-            <a:fillRect/>
-          </a:stretch>
-        </p:blipFill>
-        <p:spPr>
-          <a:xfrm>
-            <a:off x="11653269" y="7504295"/>
-            <a:ext cx="9662659" cy="2634211"/>
-          </a:xfrm>
-          <a:prstGeom prst="rect">
-            <a:avLst/>
-          </a:prstGeom>
-        </p:spPr>
-      </p:pic>
-      <p:pic>
-        <p:nvPicPr>
-          <p:cNvPr id="26" name="Image 25">
-            <a:extLst>
-              <a:ext uri="{FF2B5EF4-FFF2-40B4-BE49-F238E27FC236}">
-                <a16:creationId xmlns:a16="http://schemas.microsoft.com/office/drawing/2014/main" id="{9AB4C76F-8C68-46EC-8B32-269A2647C372}"/>
-              </a:ext>
-            </a:extLst>
-          </p:cNvPr>
-          <p:cNvPicPr>
-            <a:picLocks noChangeAspect="1"/>
-          </p:cNvPicPr>
-          <p:nvPr/>
-        </p:nvPicPr>
-        <p:blipFill>
-          <a:blip r:embed="rId3"/>
-          <a:stretch>
-            <a:fillRect/>
-          </a:stretch>
-        </p:blipFill>
-        <p:spPr>
-          <a:xfrm>
-            <a:off x="22678271" y="7958306"/>
-            <a:ext cx="9485809" cy="1726187"/>
-          </a:xfrm>
-          <a:prstGeom prst="rect">
-            <a:avLst/>
-          </a:prstGeom>
-        </p:spPr>
-      </p:pic>
-      <p:pic>
-        <p:nvPicPr>
           <p:cNvPr id="28" name="Image 27">
             <a:extLst>
               <a:ext uri="{FF2B5EF4-FFF2-40B4-BE49-F238E27FC236}">
@@ -16897,22 +17004,21 @@
           </p:cNvPicPr>
           <p:nvPr/>
         </p:nvPicPr>
-        <p:blipFill>
-          <a:blip r:embed="rId4">
+        <p:blipFill rotWithShape="1">
+          <a:blip r:embed="rId5">
             <a:extLst>
               <a:ext uri="{28A0092B-C50C-407E-A947-70E740481C1C}">
                 <a14:useLocalDpi xmlns:a14="http://schemas.microsoft.com/office/drawing/2010/main" val="0"/>
               </a:ext>
             </a:extLst>
           </a:blip>
-          <a:stretch>
-            <a:fillRect/>
-          </a:stretch>
+          <a:srcRect l="24980" t="7109" r="19690" b="18475"/>
+          <a:stretch/>
         </p:blipFill>
         <p:spPr>
           <a:xfrm>
-            <a:off x="12567018" y="11788159"/>
-            <a:ext cx="7552779" cy="5640982"/>
+            <a:off x="14394344" y="12266829"/>
+            <a:ext cx="4178922" cy="4197854"/>
           </a:xfrm>
           <a:prstGeom prst="rect">
             <a:avLst/>
@@ -16935,7 +17041,7 @@
         </p:nvSpPr>
         <p:spPr>
           <a:xfrm>
-            <a:off x="11433348" y="10501798"/>
+            <a:off x="11433348" y="10796768"/>
             <a:ext cx="10050462" cy="677100"/>
           </a:xfrm>
           <a:prstGeom prst="rect">
@@ -17285,7 +17391,7 @@
         </p:nvSpPr>
         <p:spPr>
           <a:xfrm>
-            <a:off x="11433348" y="11085290"/>
+            <a:off x="11433348" y="11380260"/>
             <a:ext cx="10050462" cy="754045"/>
           </a:xfrm>
           <a:prstGeom prst="rect">
@@ -17441,430 +17547,6 @@
             <a:r>
               <a:rPr lang="en-US" u="none" dirty="0"/>
               <a:t>GBDT</a:t>
-            </a:r>
-          </a:p>
-        </p:txBody>
-      </p:sp>
-      <p:pic>
-        <p:nvPicPr>
-          <p:cNvPr id="33" name="Image 32">
-            <a:extLst>
-              <a:ext uri="{FF2B5EF4-FFF2-40B4-BE49-F238E27FC236}">
-                <a16:creationId xmlns:a16="http://schemas.microsoft.com/office/drawing/2014/main" id="{09F41FD4-CFA4-4FEF-913D-FBC181983EE6}"/>
-              </a:ext>
-            </a:extLst>
-          </p:cNvPr>
-          <p:cNvPicPr>
-            <a:picLocks noChangeAspect="1"/>
-          </p:cNvPicPr>
-          <p:nvPr/>
-        </p:nvPicPr>
-        <p:blipFill>
-          <a:blip r:embed="rId5">
-            <a:extLst>
-              <a:ext uri="{28A0092B-C50C-407E-A947-70E740481C1C}">
-                <a14:useLocalDpi xmlns:a14="http://schemas.microsoft.com/office/drawing/2010/main" val="0"/>
-              </a:ext>
-            </a:extLst>
-          </a:blip>
-          <a:stretch>
-            <a:fillRect/>
-          </a:stretch>
-        </p:blipFill>
-        <p:spPr>
-          <a:xfrm>
-            <a:off x="12428214" y="18512933"/>
-            <a:ext cx="7898136" cy="5898920"/>
-          </a:xfrm>
-          <a:prstGeom prst="rect">
-            <a:avLst/>
-          </a:prstGeom>
-        </p:spPr>
-      </p:pic>
-      <p:sp>
-        <p:nvSpPr>
-          <p:cNvPr id="85" name="Text Placeholder 3">
-            <a:extLst>
-              <a:ext uri="{FF2B5EF4-FFF2-40B4-BE49-F238E27FC236}">
-                <a16:creationId xmlns:a16="http://schemas.microsoft.com/office/drawing/2014/main" id="{A7F42514-2EB2-45F5-808D-97D2B596AF40}"/>
-              </a:ext>
-            </a:extLst>
-          </p:cNvPr>
-          <p:cNvSpPr txBox="1">
-            <a:spLocks/>
-          </p:cNvSpPr>
-          <p:nvPr/>
-        </p:nvSpPr>
-        <p:spPr>
-          <a:xfrm>
-            <a:off x="11433348" y="17594014"/>
-            <a:ext cx="10050462" cy="754045"/>
-          </a:xfrm>
-          <a:prstGeom prst="rect">
-            <a:avLst/>
-          </a:prstGeom>
-          <a:noFill/>
-        </p:spPr>
-        <p:txBody>
-          <a:bodyPr wrap="square" lIns="91436" tIns="91436" rIns="91436" bIns="91436" anchor="ctr" anchorCtr="0">
-            <a:spAutoFit/>
-          </a:bodyPr>
-          <a:lstStyle>
-            <a:lvl1pPr marL="0" indent="0" algn="ctr" defTabSz="4388900" rtl="0" eaLnBrk="1" latinLnBrk="0" hangingPunct="1">
-              <a:spcBef>
-                <a:spcPct val="20000"/>
-              </a:spcBef>
-              <a:buFont typeface="Arial" pitchFamily="34" charset="0"/>
-              <a:buNone/>
-              <a:defRPr sz="3700" b="1" u="sng" kern="1200" baseline="0">
-                <a:solidFill>
-                  <a:schemeClr val="accent5">
-                    <a:lumMod val="50000"/>
-                  </a:schemeClr>
-                </a:solidFill>
-                <a:latin typeface="+mn-lt"/>
-                <a:ea typeface="+mn-ea"/>
-                <a:cs typeface="+mn-cs"/>
-              </a:defRPr>
-            </a:lvl1pPr>
-            <a:lvl2pPr marL="3565982" indent="-1371531" algn="l" defTabSz="4388900" rtl="0" eaLnBrk="1" latinLnBrk="0" hangingPunct="1">
-              <a:spcBef>
-                <a:spcPct val="20000"/>
-              </a:spcBef>
-              <a:buFont typeface="Arial" pitchFamily="34" charset="0"/>
-              <a:buChar char="–"/>
-              <a:defRPr sz="13500" kern="1200">
-                <a:solidFill>
-                  <a:schemeClr val="tx1"/>
-                </a:solidFill>
-                <a:latin typeface="+mn-lt"/>
-                <a:ea typeface="+mn-ea"/>
-                <a:cs typeface="+mn-cs"/>
-              </a:defRPr>
-            </a:lvl2pPr>
-            <a:lvl3pPr marL="5486126" indent="-1097226" algn="l" defTabSz="4388900" rtl="0" eaLnBrk="1" latinLnBrk="0" hangingPunct="1">
-              <a:spcBef>
-                <a:spcPct val="20000"/>
-              </a:spcBef>
-              <a:buFont typeface="Arial" pitchFamily="34" charset="0"/>
-              <a:buChar char="•"/>
-              <a:defRPr sz="11600" kern="1200">
-                <a:solidFill>
-                  <a:schemeClr val="tx1"/>
-                </a:solidFill>
-                <a:latin typeface="+mn-lt"/>
-                <a:ea typeface="+mn-ea"/>
-                <a:cs typeface="+mn-cs"/>
-              </a:defRPr>
-            </a:lvl3pPr>
-            <a:lvl4pPr marL="7680577" indent="-1097226" algn="l" defTabSz="4388900" rtl="0" eaLnBrk="1" latinLnBrk="0" hangingPunct="1">
-              <a:spcBef>
-                <a:spcPct val="20000"/>
-              </a:spcBef>
-              <a:buFont typeface="Arial" pitchFamily="34" charset="0"/>
-              <a:buChar char="–"/>
-              <a:defRPr sz="9600" kern="1200">
-                <a:solidFill>
-                  <a:schemeClr val="tx1"/>
-                </a:solidFill>
-                <a:latin typeface="+mn-lt"/>
-                <a:ea typeface="+mn-ea"/>
-                <a:cs typeface="+mn-cs"/>
-              </a:defRPr>
-            </a:lvl4pPr>
-            <a:lvl5pPr marL="9875026" indent="-1097226" algn="l" defTabSz="4388900" rtl="0" eaLnBrk="1" latinLnBrk="0" hangingPunct="1">
-              <a:spcBef>
-                <a:spcPct val="20000"/>
-              </a:spcBef>
-              <a:buFont typeface="Arial" pitchFamily="34" charset="0"/>
-              <a:buChar char="»"/>
-              <a:defRPr sz="9600" kern="1200">
-                <a:solidFill>
-                  <a:schemeClr val="tx1"/>
-                </a:solidFill>
-                <a:latin typeface="+mn-lt"/>
-                <a:ea typeface="+mn-ea"/>
-                <a:cs typeface="+mn-cs"/>
-              </a:defRPr>
-            </a:lvl5pPr>
-            <a:lvl6pPr marL="12069477" indent="-1097226" algn="l" defTabSz="4388900" rtl="0" eaLnBrk="1" latinLnBrk="0" hangingPunct="1">
-              <a:spcBef>
-                <a:spcPct val="20000"/>
-              </a:spcBef>
-              <a:buFont typeface="Arial" pitchFamily="34" charset="0"/>
-              <a:buChar char="•"/>
-              <a:defRPr sz="9600" kern="1200">
-                <a:solidFill>
-                  <a:schemeClr val="tx1"/>
-                </a:solidFill>
-                <a:latin typeface="+mn-lt"/>
-                <a:ea typeface="+mn-ea"/>
-                <a:cs typeface="+mn-cs"/>
-              </a:defRPr>
-            </a:lvl6pPr>
-            <a:lvl7pPr marL="14263926" indent="-1097226" algn="l" defTabSz="4388900" rtl="0" eaLnBrk="1" latinLnBrk="0" hangingPunct="1">
-              <a:spcBef>
-                <a:spcPct val="20000"/>
-              </a:spcBef>
-              <a:buFont typeface="Arial" pitchFamily="34" charset="0"/>
-              <a:buChar char="•"/>
-              <a:defRPr sz="9600" kern="1200">
-                <a:solidFill>
-                  <a:schemeClr val="tx1"/>
-                </a:solidFill>
-                <a:latin typeface="+mn-lt"/>
-                <a:ea typeface="+mn-ea"/>
-                <a:cs typeface="+mn-cs"/>
-              </a:defRPr>
-            </a:lvl7pPr>
-            <a:lvl8pPr marL="16458377" indent="-1097226" algn="l" defTabSz="4388900" rtl="0" eaLnBrk="1" latinLnBrk="0" hangingPunct="1">
-              <a:spcBef>
-                <a:spcPct val="20000"/>
-              </a:spcBef>
-              <a:buFont typeface="Arial" pitchFamily="34" charset="0"/>
-              <a:buChar char="•"/>
-              <a:defRPr sz="9600" kern="1200">
-                <a:solidFill>
-                  <a:schemeClr val="tx1"/>
-                </a:solidFill>
-                <a:latin typeface="+mn-lt"/>
-                <a:ea typeface="+mn-ea"/>
-                <a:cs typeface="+mn-cs"/>
-              </a:defRPr>
-            </a:lvl8pPr>
-            <a:lvl9pPr marL="18652827" indent="-1097226" algn="l" defTabSz="4388900" rtl="0" eaLnBrk="1" latinLnBrk="0" hangingPunct="1">
-              <a:spcBef>
-                <a:spcPct val="20000"/>
-              </a:spcBef>
-              <a:buFont typeface="Arial" pitchFamily="34" charset="0"/>
-              <a:buChar char="•"/>
-              <a:defRPr sz="9600" kern="1200">
-                <a:solidFill>
-                  <a:schemeClr val="tx1"/>
-                </a:solidFill>
-                <a:latin typeface="+mn-lt"/>
-                <a:ea typeface="+mn-ea"/>
-                <a:cs typeface="+mn-cs"/>
-              </a:defRPr>
-            </a:lvl9pPr>
-          </a:lstStyle>
-          <a:p>
-            <a:pPr algn="l"/>
-            <a:r>
-              <a:rPr lang="en-US" u="none" dirty="0"/>
-              <a:t>CNN</a:t>
-            </a:r>
-          </a:p>
-        </p:txBody>
-      </p:sp>
-      <p:pic>
-        <p:nvPicPr>
-          <p:cNvPr id="38" name="Image 37">
-            <a:extLst>
-              <a:ext uri="{FF2B5EF4-FFF2-40B4-BE49-F238E27FC236}">
-                <a16:creationId xmlns:a16="http://schemas.microsoft.com/office/drawing/2014/main" id="{43B0B31F-7902-4B67-AA68-2C7D98832D60}"/>
-              </a:ext>
-            </a:extLst>
-          </p:cNvPr>
-          <p:cNvPicPr>
-            <a:picLocks noChangeAspect="1"/>
-          </p:cNvPicPr>
-          <p:nvPr/>
-        </p:nvPicPr>
-        <p:blipFill>
-          <a:blip r:embed="rId6">
-            <a:extLst>
-              <a:ext uri="{28A0092B-C50C-407E-A947-70E740481C1C}">
-                <a14:useLocalDpi xmlns:a14="http://schemas.microsoft.com/office/drawing/2010/main" val="0"/>
-              </a:ext>
-            </a:extLst>
-          </a:blip>
-          <a:stretch>
-            <a:fillRect/>
-          </a:stretch>
-        </p:blipFill>
-        <p:spPr>
-          <a:xfrm>
-            <a:off x="12412762" y="25151525"/>
-            <a:ext cx="8091633" cy="6043438"/>
-          </a:xfrm>
-          <a:prstGeom prst="rect">
-            <a:avLst/>
-          </a:prstGeom>
-        </p:spPr>
-      </p:pic>
-      <p:sp>
-        <p:nvSpPr>
-          <p:cNvPr id="88" name="Text Placeholder 3">
-            <a:extLst>
-              <a:ext uri="{FF2B5EF4-FFF2-40B4-BE49-F238E27FC236}">
-                <a16:creationId xmlns:a16="http://schemas.microsoft.com/office/drawing/2014/main" id="{605A2455-E2C4-4B6F-A59B-9275B9FCD658}"/>
-              </a:ext>
-            </a:extLst>
-          </p:cNvPr>
-          <p:cNvSpPr txBox="1">
-            <a:spLocks/>
-          </p:cNvSpPr>
-          <p:nvPr/>
-        </p:nvSpPr>
-        <p:spPr>
-          <a:xfrm>
-            <a:off x="11458575" y="24473891"/>
-            <a:ext cx="10050462" cy="754045"/>
-          </a:xfrm>
-          <a:prstGeom prst="rect">
-            <a:avLst/>
-          </a:prstGeom>
-          <a:noFill/>
-        </p:spPr>
-        <p:txBody>
-          <a:bodyPr wrap="square" lIns="91436" tIns="91436" rIns="91436" bIns="91436" anchor="ctr" anchorCtr="0">
-            <a:spAutoFit/>
-          </a:bodyPr>
-          <a:lstStyle>
-            <a:lvl1pPr marL="0" indent="0" algn="ctr" defTabSz="4388900" rtl="0" eaLnBrk="1" latinLnBrk="0" hangingPunct="1">
-              <a:spcBef>
-                <a:spcPct val="20000"/>
-              </a:spcBef>
-              <a:buFont typeface="Arial" pitchFamily="34" charset="0"/>
-              <a:buNone/>
-              <a:defRPr sz="3700" b="1" u="sng" kern="1200" baseline="0">
-                <a:solidFill>
-                  <a:schemeClr val="accent5">
-                    <a:lumMod val="50000"/>
-                  </a:schemeClr>
-                </a:solidFill>
-                <a:latin typeface="+mn-lt"/>
-                <a:ea typeface="+mn-ea"/>
-                <a:cs typeface="+mn-cs"/>
-              </a:defRPr>
-            </a:lvl1pPr>
-            <a:lvl2pPr marL="3565982" indent="-1371531" algn="l" defTabSz="4388900" rtl="0" eaLnBrk="1" latinLnBrk="0" hangingPunct="1">
-              <a:spcBef>
-                <a:spcPct val="20000"/>
-              </a:spcBef>
-              <a:buFont typeface="Arial" pitchFamily="34" charset="0"/>
-              <a:buChar char="–"/>
-              <a:defRPr sz="13500" kern="1200">
-                <a:solidFill>
-                  <a:schemeClr val="tx1"/>
-                </a:solidFill>
-                <a:latin typeface="+mn-lt"/>
-                <a:ea typeface="+mn-ea"/>
-                <a:cs typeface="+mn-cs"/>
-              </a:defRPr>
-            </a:lvl2pPr>
-            <a:lvl3pPr marL="5486126" indent="-1097226" algn="l" defTabSz="4388900" rtl="0" eaLnBrk="1" latinLnBrk="0" hangingPunct="1">
-              <a:spcBef>
-                <a:spcPct val="20000"/>
-              </a:spcBef>
-              <a:buFont typeface="Arial" pitchFamily="34" charset="0"/>
-              <a:buChar char="•"/>
-              <a:defRPr sz="11600" kern="1200">
-                <a:solidFill>
-                  <a:schemeClr val="tx1"/>
-                </a:solidFill>
-                <a:latin typeface="+mn-lt"/>
-                <a:ea typeface="+mn-ea"/>
-                <a:cs typeface="+mn-cs"/>
-              </a:defRPr>
-            </a:lvl3pPr>
-            <a:lvl4pPr marL="7680577" indent="-1097226" algn="l" defTabSz="4388900" rtl="0" eaLnBrk="1" latinLnBrk="0" hangingPunct="1">
-              <a:spcBef>
-                <a:spcPct val="20000"/>
-              </a:spcBef>
-              <a:buFont typeface="Arial" pitchFamily="34" charset="0"/>
-              <a:buChar char="–"/>
-              <a:defRPr sz="9600" kern="1200">
-                <a:solidFill>
-                  <a:schemeClr val="tx1"/>
-                </a:solidFill>
-                <a:latin typeface="+mn-lt"/>
-                <a:ea typeface="+mn-ea"/>
-                <a:cs typeface="+mn-cs"/>
-              </a:defRPr>
-            </a:lvl4pPr>
-            <a:lvl5pPr marL="9875026" indent="-1097226" algn="l" defTabSz="4388900" rtl="0" eaLnBrk="1" latinLnBrk="0" hangingPunct="1">
-              <a:spcBef>
-                <a:spcPct val="20000"/>
-              </a:spcBef>
-              <a:buFont typeface="Arial" pitchFamily="34" charset="0"/>
-              <a:buChar char="»"/>
-              <a:defRPr sz="9600" kern="1200">
-                <a:solidFill>
-                  <a:schemeClr val="tx1"/>
-                </a:solidFill>
-                <a:latin typeface="+mn-lt"/>
-                <a:ea typeface="+mn-ea"/>
-                <a:cs typeface="+mn-cs"/>
-              </a:defRPr>
-            </a:lvl5pPr>
-            <a:lvl6pPr marL="12069477" indent="-1097226" algn="l" defTabSz="4388900" rtl="0" eaLnBrk="1" latinLnBrk="0" hangingPunct="1">
-              <a:spcBef>
-                <a:spcPct val="20000"/>
-              </a:spcBef>
-              <a:buFont typeface="Arial" pitchFamily="34" charset="0"/>
-              <a:buChar char="•"/>
-              <a:defRPr sz="9600" kern="1200">
-                <a:solidFill>
-                  <a:schemeClr val="tx1"/>
-                </a:solidFill>
-                <a:latin typeface="+mn-lt"/>
-                <a:ea typeface="+mn-ea"/>
-                <a:cs typeface="+mn-cs"/>
-              </a:defRPr>
-            </a:lvl6pPr>
-            <a:lvl7pPr marL="14263926" indent="-1097226" algn="l" defTabSz="4388900" rtl="0" eaLnBrk="1" latinLnBrk="0" hangingPunct="1">
-              <a:spcBef>
-                <a:spcPct val="20000"/>
-              </a:spcBef>
-              <a:buFont typeface="Arial" pitchFamily="34" charset="0"/>
-              <a:buChar char="•"/>
-              <a:defRPr sz="9600" kern="1200">
-                <a:solidFill>
-                  <a:schemeClr val="tx1"/>
-                </a:solidFill>
-                <a:latin typeface="+mn-lt"/>
-                <a:ea typeface="+mn-ea"/>
-                <a:cs typeface="+mn-cs"/>
-              </a:defRPr>
-            </a:lvl7pPr>
-            <a:lvl8pPr marL="16458377" indent="-1097226" algn="l" defTabSz="4388900" rtl="0" eaLnBrk="1" latinLnBrk="0" hangingPunct="1">
-              <a:spcBef>
-                <a:spcPct val="20000"/>
-              </a:spcBef>
-              <a:buFont typeface="Arial" pitchFamily="34" charset="0"/>
-              <a:buChar char="•"/>
-              <a:defRPr sz="9600" kern="1200">
-                <a:solidFill>
-                  <a:schemeClr val="tx1"/>
-                </a:solidFill>
-                <a:latin typeface="+mn-lt"/>
-                <a:ea typeface="+mn-ea"/>
-                <a:cs typeface="+mn-cs"/>
-              </a:defRPr>
-            </a:lvl8pPr>
-            <a:lvl9pPr marL="18652827" indent="-1097226" algn="l" defTabSz="4388900" rtl="0" eaLnBrk="1" latinLnBrk="0" hangingPunct="1">
-              <a:spcBef>
-                <a:spcPct val="20000"/>
-              </a:spcBef>
-              <a:buFont typeface="Arial" pitchFamily="34" charset="0"/>
-              <a:buChar char="•"/>
-              <a:defRPr sz="9600" kern="1200">
-                <a:solidFill>
-                  <a:schemeClr val="tx1"/>
-                </a:solidFill>
-                <a:latin typeface="+mn-lt"/>
-                <a:ea typeface="+mn-ea"/>
-                <a:cs typeface="+mn-cs"/>
-              </a:defRPr>
-            </a:lvl9pPr>
-          </a:lstStyle>
-          <a:p>
-            <a:pPr algn="l"/>
-            <a:r>
-              <a:rPr lang="en-US" u="none" dirty="0"/>
-              <a:t>SVM</a:t>
             </a:r>
           </a:p>
         </p:txBody>
@@ -17885,7 +17567,7 @@
         </p:nvSpPr>
         <p:spPr>
           <a:xfrm>
-            <a:off x="22324369" y="6485941"/>
+            <a:off x="22396939" y="6338456"/>
             <a:ext cx="10050462" cy="677100"/>
           </a:xfrm>
           <a:prstGeom prst="rect">
@@ -18060,7 +17742,7 @@
         </p:nvSpPr>
         <p:spPr>
           <a:xfrm>
-            <a:off x="22407392" y="10501798"/>
+            <a:off x="22395944" y="9135848"/>
             <a:ext cx="10050462" cy="677100"/>
           </a:xfrm>
           <a:prstGeom prst="rect">
@@ -18233,22 +17915,21 @@
           </p:cNvPicPr>
           <p:nvPr/>
         </p:nvPicPr>
-        <p:blipFill>
-          <a:blip r:embed="rId7">
+        <p:blipFill rotWithShape="1">
+          <a:blip r:embed="rId6">
             <a:extLst>
               <a:ext uri="{28A0092B-C50C-407E-A947-70E740481C1C}">
                 <a14:useLocalDpi xmlns:a14="http://schemas.microsoft.com/office/drawing/2010/main" val="0"/>
               </a:ext>
             </a:extLst>
           </a:blip>
-          <a:stretch>
-            <a:fillRect/>
-          </a:stretch>
+          <a:srcRect l="23339" t="7332" r="20036" b="16714"/>
+          <a:stretch/>
         </p:blipFill>
         <p:spPr>
           <a:xfrm>
-            <a:off x="23656234" y="11700595"/>
-            <a:ext cx="7552778" cy="5640981"/>
+            <a:off x="25460703" y="10300796"/>
+            <a:ext cx="4276725" cy="4284615"/>
           </a:xfrm>
           <a:prstGeom prst="rect">
             <a:avLst/>
@@ -18271,7 +17952,7 @@
         </p:nvSpPr>
         <p:spPr>
           <a:xfrm>
-            <a:off x="22407392" y="11087473"/>
+            <a:off x="22407392" y="9635399"/>
             <a:ext cx="10050462" cy="754045"/>
           </a:xfrm>
           <a:prstGeom prst="rect">
@@ -18447,7 +18128,7 @@
         </p:nvSpPr>
         <p:spPr>
           <a:xfrm>
-            <a:off x="22407392" y="17486250"/>
+            <a:off x="22407392" y="15868249"/>
             <a:ext cx="10050462" cy="754045"/>
           </a:xfrm>
           <a:prstGeom prst="rect">
@@ -18621,626 +18302,27 @@
           </p:cNvPicPr>
           <p:nvPr/>
         </p:nvPicPr>
-        <p:blipFill>
-          <a:blip r:embed="rId8">
+        <p:blipFill rotWithShape="1">
+          <a:blip r:embed="rId7">
             <a:extLst>
               <a:ext uri="{28A0092B-C50C-407E-A947-70E740481C1C}">
                 <a14:useLocalDpi xmlns:a14="http://schemas.microsoft.com/office/drawing/2010/main" val="0"/>
               </a:ext>
             </a:extLst>
           </a:blip>
-          <a:stretch>
-            <a:fillRect/>
-          </a:stretch>
+          <a:srcRect l="23273" t="7218" r="20015" b="16768"/>
+          <a:stretch/>
         </p:blipFill>
         <p:spPr>
           <a:xfrm>
-            <a:off x="23472107" y="18512933"/>
-            <a:ext cx="7898136" cy="5898920"/>
+            <a:off x="25502955" y="16478904"/>
+            <a:ext cx="4274567" cy="4279117"/>
           </a:xfrm>
           <a:prstGeom prst="rect">
             <a:avLst/>
           </a:prstGeom>
         </p:spPr>
       </p:pic>
-      <p:pic>
-        <p:nvPicPr>
-          <p:cNvPr id="87" name="Image 86">
-            <a:extLst>
-              <a:ext uri="{FF2B5EF4-FFF2-40B4-BE49-F238E27FC236}">
-                <a16:creationId xmlns:a16="http://schemas.microsoft.com/office/drawing/2014/main" id="{9255E406-C343-4C35-BAA0-F2843E975429}"/>
-              </a:ext>
-            </a:extLst>
-          </p:cNvPr>
-          <p:cNvPicPr>
-            <a:picLocks noChangeAspect="1"/>
-          </p:cNvPicPr>
-          <p:nvPr/>
-        </p:nvPicPr>
-        <p:blipFill rotWithShape="1">
-          <a:blip r:embed="rId9">
-            <a:extLst>
-              <a:ext uri="{28A0092B-C50C-407E-A947-70E740481C1C}">
-                <a14:useLocalDpi xmlns:a14="http://schemas.microsoft.com/office/drawing/2010/main" val="0"/>
-              </a:ext>
-            </a:extLst>
-          </a:blip>
-          <a:srcRect l="12108" r="5035"/>
-          <a:stretch/>
-        </p:blipFill>
-        <p:spPr>
-          <a:xfrm>
-            <a:off x="22557625" y="25954127"/>
-            <a:ext cx="4848979" cy="4370841"/>
-          </a:xfrm>
-          <a:prstGeom prst="rect">
-            <a:avLst/>
-          </a:prstGeom>
-        </p:spPr>
-      </p:pic>
-      <p:sp>
-        <p:nvSpPr>
-          <p:cNvPr id="102" name="Text Placeholder 3">
-            <a:extLst>
-              <a:ext uri="{FF2B5EF4-FFF2-40B4-BE49-F238E27FC236}">
-                <a16:creationId xmlns:a16="http://schemas.microsoft.com/office/drawing/2014/main" id="{00ACB103-914C-456D-83F7-54429F134C9D}"/>
-              </a:ext>
-            </a:extLst>
-          </p:cNvPr>
-          <p:cNvSpPr txBox="1">
-            <a:spLocks/>
-          </p:cNvSpPr>
-          <p:nvPr/>
-        </p:nvSpPr>
-        <p:spPr>
-          <a:xfrm>
-            <a:off x="22407392" y="24473890"/>
-            <a:ext cx="10050462" cy="754045"/>
-          </a:xfrm>
-          <a:prstGeom prst="rect">
-            <a:avLst/>
-          </a:prstGeom>
-          <a:noFill/>
-        </p:spPr>
-        <p:txBody>
-          <a:bodyPr wrap="square" lIns="91436" tIns="91436" rIns="91436" bIns="91436" anchor="ctr" anchorCtr="0">
-            <a:spAutoFit/>
-          </a:bodyPr>
-          <a:lstStyle>
-            <a:lvl1pPr marL="0" indent="0" algn="ctr" defTabSz="4388900" rtl="0" eaLnBrk="1" latinLnBrk="0" hangingPunct="1">
-              <a:spcBef>
-                <a:spcPct val="20000"/>
-              </a:spcBef>
-              <a:buFont typeface="Arial" pitchFamily="34" charset="0"/>
-              <a:buNone/>
-              <a:defRPr sz="3700" b="1" u="sng" kern="1200" baseline="0">
-                <a:solidFill>
-                  <a:schemeClr val="accent5">
-                    <a:lumMod val="50000"/>
-                  </a:schemeClr>
-                </a:solidFill>
-                <a:latin typeface="+mn-lt"/>
-                <a:ea typeface="+mn-ea"/>
-                <a:cs typeface="+mn-cs"/>
-              </a:defRPr>
-            </a:lvl1pPr>
-            <a:lvl2pPr marL="3565982" indent="-1371531" algn="l" defTabSz="4388900" rtl="0" eaLnBrk="1" latinLnBrk="0" hangingPunct="1">
-              <a:spcBef>
-                <a:spcPct val="20000"/>
-              </a:spcBef>
-              <a:buFont typeface="Arial" pitchFamily="34" charset="0"/>
-              <a:buChar char="–"/>
-              <a:defRPr sz="13500" kern="1200">
-                <a:solidFill>
-                  <a:schemeClr val="tx1"/>
-                </a:solidFill>
-                <a:latin typeface="+mn-lt"/>
-                <a:ea typeface="+mn-ea"/>
-                <a:cs typeface="+mn-cs"/>
-              </a:defRPr>
-            </a:lvl2pPr>
-            <a:lvl3pPr marL="5486126" indent="-1097226" algn="l" defTabSz="4388900" rtl="0" eaLnBrk="1" latinLnBrk="0" hangingPunct="1">
-              <a:spcBef>
-                <a:spcPct val="20000"/>
-              </a:spcBef>
-              <a:buFont typeface="Arial" pitchFamily="34" charset="0"/>
-              <a:buChar char="•"/>
-              <a:defRPr sz="11600" kern="1200">
-                <a:solidFill>
-                  <a:schemeClr val="tx1"/>
-                </a:solidFill>
-                <a:latin typeface="+mn-lt"/>
-                <a:ea typeface="+mn-ea"/>
-                <a:cs typeface="+mn-cs"/>
-              </a:defRPr>
-            </a:lvl3pPr>
-            <a:lvl4pPr marL="7680577" indent="-1097226" algn="l" defTabSz="4388900" rtl="0" eaLnBrk="1" latinLnBrk="0" hangingPunct="1">
-              <a:spcBef>
-                <a:spcPct val="20000"/>
-              </a:spcBef>
-              <a:buFont typeface="Arial" pitchFamily="34" charset="0"/>
-              <a:buChar char="–"/>
-              <a:defRPr sz="9600" kern="1200">
-                <a:solidFill>
-                  <a:schemeClr val="tx1"/>
-                </a:solidFill>
-                <a:latin typeface="+mn-lt"/>
-                <a:ea typeface="+mn-ea"/>
-                <a:cs typeface="+mn-cs"/>
-              </a:defRPr>
-            </a:lvl4pPr>
-            <a:lvl5pPr marL="9875026" indent="-1097226" algn="l" defTabSz="4388900" rtl="0" eaLnBrk="1" latinLnBrk="0" hangingPunct="1">
-              <a:spcBef>
-                <a:spcPct val="20000"/>
-              </a:spcBef>
-              <a:buFont typeface="Arial" pitchFamily="34" charset="0"/>
-              <a:buChar char="»"/>
-              <a:defRPr sz="9600" kern="1200">
-                <a:solidFill>
-                  <a:schemeClr val="tx1"/>
-                </a:solidFill>
-                <a:latin typeface="+mn-lt"/>
-                <a:ea typeface="+mn-ea"/>
-                <a:cs typeface="+mn-cs"/>
-              </a:defRPr>
-            </a:lvl5pPr>
-            <a:lvl6pPr marL="12069477" indent="-1097226" algn="l" defTabSz="4388900" rtl="0" eaLnBrk="1" latinLnBrk="0" hangingPunct="1">
-              <a:spcBef>
-                <a:spcPct val="20000"/>
-              </a:spcBef>
-              <a:buFont typeface="Arial" pitchFamily="34" charset="0"/>
-              <a:buChar char="•"/>
-              <a:defRPr sz="9600" kern="1200">
-                <a:solidFill>
-                  <a:schemeClr val="tx1"/>
-                </a:solidFill>
-                <a:latin typeface="+mn-lt"/>
-                <a:ea typeface="+mn-ea"/>
-                <a:cs typeface="+mn-cs"/>
-              </a:defRPr>
-            </a:lvl6pPr>
-            <a:lvl7pPr marL="14263926" indent="-1097226" algn="l" defTabSz="4388900" rtl="0" eaLnBrk="1" latinLnBrk="0" hangingPunct="1">
-              <a:spcBef>
-                <a:spcPct val="20000"/>
-              </a:spcBef>
-              <a:buFont typeface="Arial" pitchFamily="34" charset="0"/>
-              <a:buChar char="•"/>
-              <a:defRPr sz="9600" kern="1200">
-                <a:solidFill>
-                  <a:schemeClr val="tx1"/>
-                </a:solidFill>
-                <a:latin typeface="+mn-lt"/>
-                <a:ea typeface="+mn-ea"/>
-                <a:cs typeface="+mn-cs"/>
-              </a:defRPr>
-            </a:lvl7pPr>
-            <a:lvl8pPr marL="16458377" indent="-1097226" algn="l" defTabSz="4388900" rtl="0" eaLnBrk="1" latinLnBrk="0" hangingPunct="1">
-              <a:spcBef>
-                <a:spcPct val="20000"/>
-              </a:spcBef>
-              <a:buFont typeface="Arial" pitchFamily="34" charset="0"/>
-              <a:buChar char="•"/>
-              <a:defRPr sz="9600" kern="1200">
-                <a:solidFill>
-                  <a:schemeClr val="tx1"/>
-                </a:solidFill>
-                <a:latin typeface="+mn-lt"/>
-                <a:ea typeface="+mn-ea"/>
-                <a:cs typeface="+mn-cs"/>
-              </a:defRPr>
-            </a:lvl8pPr>
-            <a:lvl9pPr marL="18652827" indent="-1097226" algn="l" defTabSz="4388900" rtl="0" eaLnBrk="1" latinLnBrk="0" hangingPunct="1">
-              <a:spcBef>
-                <a:spcPct val="20000"/>
-              </a:spcBef>
-              <a:buFont typeface="Arial" pitchFamily="34" charset="0"/>
-              <a:buChar char="•"/>
-              <a:defRPr sz="9600" kern="1200">
-                <a:solidFill>
-                  <a:schemeClr val="tx1"/>
-                </a:solidFill>
-                <a:latin typeface="+mn-lt"/>
-                <a:ea typeface="+mn-ea"/>
-                <a:cs typeface="+mn-cs"/>
-              </a:defRPr>
-            </a:lvl9pPr>
-          </a:lstStyle>
-          <a:p>
-            <a:pPr algn="l"/>
-            <a:r>
-              <a:rPr lang="en-US" u="none" dirty="0"/>
-              <a:t>SVM</a:t>
-            </a:r>
-          </a:p>
-        </p:txBody>
-      </p:sp>
-      <p:sp>
-        <p:nvSpPr>
-          <p:cNvPr id="103" name="Text Placeholder 3">
-            <a:extLst>
-              <a:ext uri="{FF2B5EF4-FFF2-40B4-BE49-F238E27FC236}">
-                <a16:creationId xmlns:a16="http://schemas.microsoft.com/office/drawing/2014/main" id="{A7C790FA-273D-45C5-8024-899FFFAF29BC}"/>
-              </a:ext>
-            </a:extLst>
-          </p:cNvPr>
-          <p:cNvSpPr txBox="1">
-            <a:spLocks/>
-          </p:cNvSpPr>
-          <p:nvPr/>
-        </p:nvSpPr>
-        <p:spPr>
-          <a:xfrm>
-            <a:off x="24091890" y="25289972"/>
-            <a:ext cx="3470966" cy="781281"/>
-          </a:xfrm>
-          <a:prstGeom prst="rect">
-            <a:avLst/>
-          </a:prstGeom>
-          <a:noFill/>
-        </p:spPr>
-        <p:txBody>
-          <a:bodyPr wrap="square" lIns="91436" tIns="91436" rIns="91436" bIns="91436" anchor="ctr" anchorCtr="0">
-            <a:spAutoFit/>
-          </a:bodyPr>
-          <a:lstStyle>
-            <a:lvl1pPr marL="0" indent="0" algn="ctr" defTabSz="4388900" rtl="0" eaLnBrk="1" latinLnBrk="0" hangingPunct="1">
-              <a:spcBef>
-                <a:spcPct val="20000"/>
-              </a:spcBef>
-              <a:buFont typeface="Arial" pitchFamily="34" charset="0"/>
-              <a:buNone/>
-              <a:defRPr sz="3700" b="1" u="sng" kern="1200" baseline="0">
-                <a:solidFill>
-                  <a:schemeClr val="accent5">
-                    <a:lumMod val="50000"/>
-                  </a:schemeClr>
-                </a:solidFill>
-                <a:latin typeface="+mn-lt"/>
-                <a:ea typeface="+mn-ea"/>
-                <a:cs typeface="+mn-cs"/>
-              </a:defRPr>
-            </a:lvl1pPr>
-            <a:lvl2pPr marL="3565982" indent="-1371531" algn="l" defTabSz="4388900" rtl="0" eaLnBrk="1" latinLnBrk="0" hangingPunct="1">
-              <a:spcBef>
-                <a:spcPct val="20000"/>
-              </a:spcBef>
-              <a:buFont typeface="Arial" pitchFamily="34" charset="0"/>
-              <a:buChar char="–"/>
-              <a:defRPr sz="13500" kern="1200">
-                <a:solidFill>
-                  <a:schemeClr val="tx1"/>
-                </a:solidFill>
-                <a:latin typeface="+mn-lt"/>
-                <a:ea typeface="+mn-ea"/>
-                <a:cs typeface="+mn-cs"/>
-              </a:defRPr>
-            </a:lvl2pPr>
-            <a:lvl3pPr marL="5486126" indent="-1097226" algn="l" defTabSz="4388900" rtl="0" eaLnBrk="1" latinLnBrk="0" hangingPunct="1">
-              <a:spcBef>
-                <a:spcPct val="20000"/>
-              </a:spcBef>
-              <a:buFont typeface="Arial" pitchFamily="34" charset="0"/>
-              <a:buChar char="•"/>
-              <a:defRPr sz="11600" kern="1200">
-                <a:solidFill>
-                  <a:schemeClr val="tx1"/>
-                </a:solidFill>
-                <a:latin typeface="+mn-lt"/>
-                <a:ea typeface="+mn-ea"/>
-                <a:cs typeface="+mn-cs"/>
-              </a:defRPr>
-            </a:lvl3pPr>
-            <a:lvl4pPr marL="7680577" indent="-1097226" algn="l" defTabSz="4388900" rtl="0" eaLnBrk="1" latinLnBrk="0" hangingPunct="1">
-              <a:spcBef>
-                <a:spcPct val="20000"/>
-              </a:spcBef>
-              <a:buFont typeface="Arial" pitchFamily="34" charset="0"/>
-              <a:buChar char="–"/>
-              <a:defRPr sz="9600" kern="1200">
-                <a:solidFill>
-                  <a:schemeClr val="tx1"/>
-                </a:solidFill>
-                <a:latin typeface="+mn-lt"/>
-                <a:ea typeface="+mn-ea"/>
-                <a:cs typeface="+mn-cs"/>
-              </a:defRPr>
-            </a:lvl4pPr>
-            <a:lvl5pPr marL="9875026" indent="-1097226" algn="l" defTabSz="4388900" rtl="0" eaLnBrk="1" latinLnBrk="0" hangingPunct="1">
-              <a:spcBef>
-                <a:spcPct val="20000"/>
-              </a:spcBef>
-              <a:buFont typeface="Arial" pitchFamily="34" charset="0"/>
-              <a:buChar char="»"/>
-              <a:defRPr sz="9600" kern="1200">
-                <a:solidFill>
-                  <a:schemeClr val="tx1"/>
-                </a:solidFill>
-                <a:latin typeface="+mn-lt"/>
-                <a:ea typeface="+mn-ea"/>
-                <a:cs typeface="+mn-cs"/>
-              </a:defRPr>
-            </a:lvl5pPr>
-            <a:lvl6pPr marL="12069477" indent="-1097226" algn="l" defTabSz="4388900" rtl="0" eaLnBrk="1" latinLnBrk="0" hangingPunct="1">
-              <a:spcBef>
-                <a:spcPct val="20000"/>
-              </a:spcBef>
-              <a:buFont typeface="Arial" pitchFamily="34" charset="0"/>
-              <a:buChar char="•"/>
-              <a:defRPr sz="9600" kern="1200">
-                <a:solidFill>
-                  <a:schemeClr val="tx1"/>
-                </a:solidFill>
-                <a:latin typeface="+mn-lt"/>
-                <a:ea typeface="+mn-ea"/>
-                <a:cs typeface="+mn-cs"/>
-              </a:defRPr>
-            </a:lvl6pPr>
-            <a:lvl7pPr marL="14263926" indent="-1097226" algn="l" defTabSz="4388900" rtl="0" eaLnBrk="1" latinLnBrk="0" hangingPunct="1">
-              <a:spcBef>
-                <a:spcPct val="20000"/>
-              </a:spcBef>
-              <a:buFont typeface="Arial" pitchFamily="34" charset="0"/>
-              <a:buChar char="•"/>
-              <a:defRPr sz="9600" kern="1200">
-                <a:solidFill>
-                  <a:schemeClr val="tx1"/>
-                </a:solidFill>
-                <a:latin typeface="+mn-lt"/>
-                <a:ea typeface="+mn-ea"/>
-                <a:cs typeface="+mn-cs"/>
-              </a:defRPr>
-            </a:lvl7pPr>
-            <a:lvl8pPr marL="16458377" indent="-1097226" algn="l" defTabSz="4388900" rtl="0" eaLnBrk="1" latinLnBrk="0" hangingPunct="1">
-              <a:spcBef>
-                <a:spcPct val="20000"/>
-              </a:spcBef>
-              <a:buFont typeface="Arial" pitchFamily="34" charset="0"/>
-              <a:buChar char="•"/>
-              <a:defRPr sz="9600" kern="1200">
-                <a:solidFill>
-                  <a:schemeClr val="tx1"/>
-                </a:solidFill>
-                <a:latin typeface="+mn-lt"/>
-                <a:ea typeface="+mn-ea"/>
-                <a:cs typeface="+mn-cs"/>
-              </a:defRPr>
-            </a:lvl8pPr>
-            <a:lvl9pPr marL="18652827" indent="-1097226" algn="l" defTabSz="4388900" rtl="0" eaLnBrk="1" latinLnBrk="0" hangingPunct="1">
-              <a:spcBef>
-                <a:spcPct val="20000"/>
-              </a:spcBef>
-              <a:buFont typeface="Arial" pitchFamily="34" charset="0"/>
-              <a:buChar char="•"/>
-              <a:defRPr sz="9600" kern="1200">
-                <a:solidFill>
-                  <a:schemeClr val="tx1"/>
-                </a:solidFill>
-                <a:latin typeface="+mn-lt"/>
-                <a:ea typeface="+mn-ea"/>
-                <a:cs typeface="+mn-cs"/>
-              </a:defRPr>
-            </a:lvl9pPr>
-          </a:lstStyle>
-          <a:p>
-            <a:pPr algn="l"/>
-            <a:r>
-              <a:rPr lang="en-US" u="none" dirty="0"/>
-              <a:t>1 vs 1</a:t>
-            </a:r>
-          </a:p>
-        </p:txBody>
-      </p:sp>
-      <p:pic>
-        <p:nvPicPr>
-          <p:cNvPr id="105" name="Image 104">
-            <a:extLst>
-              <a:ext uri="{FF2B5EF4-FFF2-40B4-BE49-F238E27FC236}">
-                <a16:creationId xmlns:a16="http://schemas.microsoft.com/office/drawing/2014/main" id="{6C85B311-2293-4B2E-9934-25CDFA2F6219}"/>
-              </a:ext>
-            </a:extLst>
-          </p:cNvPr>
-          <p:cNvPicPr>
-            <a:picLocks noChangeAspect="1"/>
-          </p:cNvPicPr>
-          <p:nvPr/>
-        </p:nvPicPr>
-        <p:blipFill rotWithShape="1">
-          <a:blip r:embed="rId10">
-            <a:extLst>
-              <a:ext uri="{28A0092B-C50C-407E-A947-70E740481C1C}">
-                <a14:useLocalDpi xmlns:a14="http://schemas.microsoft.com/office/drawing/2010/main" val="0"/>
-              </a:ext>
-            </a:extLst>
-          </a:blip>
-          <a:srcRect l="11540" r="6700"/>
-          <a:stretch/>
-        </p:blipFill>
-        <p:spPr>
-          <a:xfrm>
-            <a:off x="27567888" y="25954127"/>
-            <a:ext cx="4765657" cy="4353475"/>
-          </a:xfrm>
-          <a:prstGeom prst="rect">
-            <a:avLst/>
-          </a:prstGeom>
-        </p:spPr>
-      </p:pic>
-      <p:sp>
-        <p:nvSpPr>
-          <p:cNvPr id="108" name="Text Placeholder 3">
-            <a:extLst>
-              <a:ext uri="{FF2B5EF4-FFF2-40B4-BE49-F238E27FC236}">
-                <a16:creationId xmlns:a16="http://schemas.microsoft.com/office/drawing/2014/main" id="{6590E187-B7A9-4949-B55A-03605B30C45A}"/>
-              </a:ext>
-            </a:extLst>
-          </p:cNvPr>
-          <p:cNvSpPr txBox="1">
-            <a:spLocks/>
-          </p:cNvSpPr>
-          <p:nvPr/>
-        </p:nvSpPr>
-        <p:spPr>
-          <a:xfrm>
-            <a:off x="29097121" y="25271463"/>
-            <a:ext cx="3470966" cy="781281"/>
-          </a:xfrm>
-          <a:prstGeom prst="rect">
-            <a:avLst/>
-          </a:prstGeom>
-          <a:noFill/>
-        </p:spPr>
-        <p:txBody>
-          <a:bodyPr wrap="square" lIns="91436" tIns="91436" rIns="91436" bIns="91436" anchor="ctr" anchorCtr="0">
-            <a:spAutoFit/>
-          </a:bodyPr>
-          <a:lstStyle>
-            <a:lvl1pPr marL="0" indent="0" algn="ctr" defTabSz="4388900" rtl="0" eaLnBrk="1" latinLnBrk="0" hangingPunct="1">
-              <a:spcBef>
-                <a:spcPct val="20000"/>
-              </a:spcBef>
-              <a:buFont typeface="Arial" pitchFamily="34" charset="0"/>
-              <a:buNone/>
-              <a:defRPr sz="3700" b="1" u="sng" kern="1200" baseline="0">
-                <a:solidFill>
-                  <a:schemeClr val="accent5">
-                    <a:lumMod val="50000"/>
-                  </a:schemeClr>
-                </a:solidFill>
-                <a:latin typeface="+mn-lt"/>
-                <a:ea typeface="+mn-ea"/>
-                <a:cs typeface="+mn-cs"/>
-              </a:defRPr>
-            </a:lvl1pPr>
-            <a:lvl2pPr marL="3565982" indent="-1371531" algn="l" defTabSz="4388900" rtl="0" eaLnBrk="1" latinLnBrk="0" hangingPunct="1">
-              <a:spcBef>
-                <a:spcPct val="20000"/>
-              </a:spcBef>
-              <a:buFont typeface="Arial" pitchFamily="34" charset="0"/>
-              <a:buChar char="–"/>
-              <a:defRPr sz="13500" kern="1200">
-                <a:solidFill>
-                  <a:schemeClr val="tx1"/>
-                </a:solidFill>
-                <a:latin typeface="+mn-lt"/>
-                <a:ea typeface="+mn-ea"/>
-                <a:cs typeface="+mn-cs"/>
-              </a:defRPr>
-            </a:lvl2pPr>
-            <a:lvl3pPr marL="5486126" indent="-1097226" algn="l" defTabSz="4388900" rtl="0" eaLnBrk="1" latinLnBrk="0" hangingPunct="1">
-              <a:spcBef>
-                <a:spcPct val="20000"/>
-              </a:spcBef>
-              <a:buFont typeface="Arial" pitchFamily="34" charset="0"/>
-              <a:buChar char="•"/>
-              <a:defRPr sz="11600" kern="1200">
-                <a:solidFill>
-                  <a:schemeClr val="tx1"/>
-                </a:solidFill>
-                <a:latin typeface="+mn-lt"/>
-                <a:ea typeface="+mn-ea"/>
-                <a:cs typeface="+mn-cs"/>
-              </a:defRPr>
-            </a:lvl3pPr>
-            <a:lvl4pPr marL="7680577" indent="-1097226" algn="l" defTabSz="4388900" rtl="0" eaLnBrk="1" latinLnBrk="0" hangingPunct="1">
-              <a:spcBef>
-                <a:spcPct val="20000"/>
-              </a:spcBef>
-              <a:buFont typeface="Arial" pitchFamily="34" charset="0"/>
-              <a:buChar char="–"/>
-              <a:defRPr sz="9600" kern="1200">
-                <a:solidFill>
-                  <a:schemeClr val="tx1"/>
-                </a:solidFill>
-                <a:latin typeface="+mn-lt"/>
-                <a:ea typeface="+mn-ea"/>
-                <a:cs typeface="+mn-cs"/>
-              </a:defRPr>
-            </a:lvl4pPr>
-            <a:lvl5pPr marL="9875026" indent="-1097226" algn="l" defTabSz="4388900" rtl="0" eaLnBrk="1" latinLnBrk="0" hangingPunct="1">
-              <a:spcBef>
-                <a:spcPct val="20000"/>
-              </a:spcBef>
-              <a:buFont typeface="Arial" pitchFamily="34" charset="0"/>
-              <a:buChar char="»"/>
-              <a:defRPr sz="9600" kern="1200">
-                <a:solidFill>
-                  <a:schemeClr val="tx1"/>
-                </a:solidFill>
-                <a:latin typeface="+mn-lt"/>
-                <a:ea typeface="+mn-ea"/>
-                <a:cs typeface="+mn-cs"/>
-              </a:defRPr>
-            </a:lvl5pPr>
-            <a:lvl6pPr marL="12069477" indent="-1097226" algn="l" defTabSz="4388900" rtl="0" eaLnBrk="1" latinLnBrk="0" hangingPunct="1">
-              <a:spcBef>
-                <a:spcPct val="20000"/>
-              </a:spcBef>
-              <a:buFont typeface="Arial" pitchFamily="34" charset="0"/>
-              <a:buChar char="•"/>
-              <a:defRPr sz="9600" kern="1200">
-                <a:solidFill>
-                  <a:schemeClr val="tx1"/>
-                </a:solidFill>
-                <a:latin typeface="+mn-lt"/>
-                <a:ea typeface="+mn-ea"/>
-                <a:cs typeface="+mn-cs"/>
-              </a:defRPr>
-            </a:lvl6pPr>
-            <a:lvl7pPr marL="14263926" indent="-1097226" algn="l" defTabSz="4388900" rtl="0" eaLnBrk="1" latinLnBrk="0" hangingPunct="1">
-              <a:spcBef>
-                <a:spcPct val="20000"/>
-              </a:spcBef>
-              <a:buFont typeface="Arial" pitchFamily="34" charset="0"/>
-              <a:buChar char="•"/>
-              <a:defRPr sz="9600" kern="1200">
-                <a:solidFill>
-                  <a:schemeClr val="tx1"/>
-                </a:solidFill>
-                <a:latin typeface="+mn-lt"/>
-                <a:ea typeface="+mn-ea"/>
-                <a:cs typeface="+mn-cs"/>
-              </a:defRPr>
-            </a:lvl7pPr>
-            <a:lvl8pPr marL="16458377" indent="-1097226" algn="l" defTabSz="4388900" rtl="0" eaLnBrk="1" latinLnBrk="0" hangingPunct="1">
-              <a:spcBef>
-                <a:spcPct val="20000"/>
-              </a:spcBef>
-              <a:buFont typeface="Arial" pitchFamily="34" charset="0"/>
-              <a:buChar char="•"/>
-              <a:defRPr sz="9600" kern="1200">
-                <a:solidFill>
-                  <a:schemeClr val="tx1"/>
-                </a:solidFill>
-                <a:latin typeface="+mn-lt"/>
-                <a:ea typeface="+mn-ea"/>
-                <a:cs typeface="+mn-cs"/>
-              </a:defRPr>
-            </a:lvl8pPr>
-            <a:lvl9pPr marL="18652827" indent="-1097226" algn="l" defTabSz="4388900" rtl="0" eaLnBrk="1" latinLnBrk="0" hangingPunct="1">
-              <a:spcBef>
-                <a:spcPct val="20000"/>
-              </a:spcBef>
-              <a:buFont typeface="Arial" pitchFamily="34" charset="0"/>
-              <a:buChar char="•"/>
-              <a:defRPr sz="9600" kern="1200">
-                <a:solidFill>
-                  <a:schemeClr val="tx1"/>
-                </a:solidFill>
-                <a:latin typeface="+mn-lt"/>
-                <a:ea typeface="+mn-ea"/>
-                <a:cs typeface="+mn-cs"/>
-              </a:defRPr>
-            </a:lvl9pPr>
-          </a:lstStyle>
-          <a:p>
-            <a:pPr algn="l"/>
-            <a:r>
-              <a:rPr lang="en-US" u="none" dirty="0"/>
-              <a:t>1 vs All</a:t>
-            </a:r>
-          </a:p>
-        </p:txBody>
-      </p:sp>
       <p:sp>
         <p:nvSpPr>
           <p:cNvPr id="109" name="Text Placeholder 3">
@@ -21022,6 +20104,6720 @@
           </a:p>
         </p:txBody>
       </p:sp>
+      <p:graphicFrame>
+        <p:nvGraphicFramePr>
+          <p:cNvPr id="5" name="Table 4">
+            <a:extLst>
+              <a:ext uri="{FF2B5EF4-FFF2-40B4-BE49-F238E27FC236}">
+                <a16:creationId xmlns:a16="http://schemas.microsoft.com/office/drawing/2014/main" id="{6BD7B187-0221-42A2-940A-BA91418366E4}"/>
+              </a:ext>
+            </a:extLst>
+          </p:cNvPr>
+          <p:cNvGraphicFramePr>
+            <a:graphicFrameLocks noGrp="1"/>
+          </p:cNvGraphicFramePr>
+          <p:nvPr>
+            <p:extLst>
+              <p:ext uri="{D42A27DB-BD31-4B8C-83A1-F6EECF244321}">
+                <p14:modId xmlns:p14="http://schemas.microsoft.com/office/powerpoint/2010/main" val="3894812601"/>
+              </p:ext>
+            </p:extLst>
+          </p:nvPr>
+        </p:nvGraphicFramePr>
+        <p:xfrm>
+          <a:off x="11988004" y="7763583"/>
+          <a:ext cx="8991603" cy="2151944"/>
+        </p:xfrm>
+        <a:graphic>
+          <a:graphicData uri="http://schemas.openxmlformats.org/drawingml/2006/table">
+            <a:tbl>
+              <a:tblPr firstRow="1" bandRow="1">
+                <a:tableStyleId>{5C22544A-7EE6-4342-B048-85BDC9FD1C3A}</a:tableStyleId>
+              </a:tblPr>
+              <a:tblGrid>
+                <a:gridCol w="2817635">
+                  <a:extLst>
+                    <a:ext uri="{9D8B030D-6E8A-4147-A177-3AD203B41FA5}">
+                      <a16:colId xmlns:a16="http://schemas.microsoft.com/office/drawing/2014/main" val="2858605107"/>
+                    </a:ext>
+                  </a:extLst>
+                </a:gridCol>
+                <a:gridCol w="1543492">
+                  <a:extLst>
+                    <a:ext uri="{9D8B030D-6E8A-4147-A177-3AD203B41FA5}">
+                      <a16:colId xmlns:a16="http://schemas.microsoft.com/office/drawing/2014/main" val="258195668"/>
+                    </a:ext>
+                  </a:extLst>
+                </a:gridCol>
+                <a:gridCol w="1543492">
+                  <a:extLst>
+                    <a:ext uri="{9D8B030D-6E8A-4147-A177-3AD203B41FA5}">
+                      <a16:colId xmlns:a16="http://schemas.microsoft.com/office/drawing/2014/main" val="3024664962"/>
+                    </a:ext>
+                  </a:extLst>
+                </a:gridCol>
+                <a:gridCol w="1543492">
+                  <a:extLst>
+                    <a:ext uri="{9D8B030D-6E8A-4147-A177-3AD203B41FA5}">
+                      <a16:colId xmlns:a16="http://schemas.microsoft.com/office/drawing/2014/main" val="1422594885"/>
+                    </a:ext>
+                  </a:extLst>
+                </a:gridCol>
+                <a:gridCol w="1543492">
+                  <a:extLst>
+                    <a:ext uri="{9D8B030D-6E8A-4147-A177-3AD203B41FA5}">
+                      <a16:colId xmlns:a16="http://schemas.microsoft.com/office/drawing/2014/main" val="2476133065"/>
+                    </a:ext>
+                  </a:extLst>
+                </a:gridCol>
+              </a:tblGrid>
+              <a:tr h="537986">
+                <a:tc>
+                  <a:txBody>
+                    <a:bodyPr/>
+                    <a:lstStyle/>
+                    <a:p>
+                      <a:pPr algn="ctr"/>
+                      <a:endParaRPr lang="en-US" sz="2400" dirty="0"/>
+                    </a:p>
+                  </a:txBody>
+                  <a:tcPr anchor="ctr">
+                    <a:lnL w="12700" cap="flat" cmpd="sng" algn="ctr">
+                      <a:noFill/>
+                      <a:prstDash val="solid"/>
+                      <a:round/>
+                      <a:headEnd type="none" w="med" len="med"/>
+                      <a:tailEnd type="none" w="med" len="med"/>
+                    </a:lnL>
+                    <a:lnR w="28575" cap="flat" cmpd="sng" algn="ctr">
+                      <a:solidFill>
+                        <a:schemeClr val="tx1"/>
+                      </a:solidFill>
+                      <a:prstDash val="solid"/>
+                      <a:round/>
+                      <a:headEnd type="none" w="med" len="med"/>
+                      <a:tailEnd type="none" w="med" len="med"/>
+                    </a:lnR>
+                    <a:lnT w="12700" cap="flat" cmpd="sng" algn="ctr">
+                      <a:noFill/>
+                      <a:prstDash val="solid"/>
+                      <a:round/>
+                      <a:headEnd type="none" w="med" len="med"/>
+                      <a:tailEnd type="none" w="med" len="med"/>
+                    </a:lnT>
+                    <a:lnB w="28575" cap="flat" cmpd="sng" algn="ctr">
+                      <a:solidFill>
+                        <a:schemeClr val="tx1"/>
+                      </a:solidFill>
+                      <a:prstDash val="solid"/>
+                      <a:round/>
+                      <a:headEnd type="none" w="med" len="med"/>
+                      <a:tailEnd type="none" w="med" len="med"/>
+                    </a:lnB>
+                    <a:lnTlToBr w="12700" cmpd="sng">
+                      <a:noFill/>
+                      <a:prstDash val="solid"/>
+                    </a:lnTlToBr>
+                    <a:lnBlToTr w="12700" cmpd="sng">
+                      <a:noFill/>
+                      <a:prstDash val="solid"/>
+                    </a:lnBlToTr>
+                    <a:noFill/>
+                  </a:tcPr>
+                </a:tc>
+                <a:tc>
+                  <a:txBody>
+                    <a:bodyPr/>
+                    <a:lstStyle/>
+                    <a:p>
+                      <a:pPr algn="ctr"/>
+                      <a:r>
+                        <a:rPr lang="en-CA" sz="2400" dirty="0">
+                          <a:solidFill>
+                            <a:sysClr val="windowText" lastClr="000000"/>
+                          </a:solidFill>
+                        </a:rPr>
+                        <a:t>SVM</a:t>
+                      </a:r>
+                      <a:endParaRPr lang="en-US" sz="2400" dirty="0">
+                        <a:solidFill>
+                          <a:sysClr val="windowText" lastClr="000000"/>
+                        </a:solidFill>
+                      </a:endParaRPr>
+                    </a:p>
+                  </a:txBody>
+                  <a:tcPr anchor="ctr">
+                    <a:lnL w="28575" cap="flat" cmpd="sng" algn="ctr">
+                      <a:solidFill>
+                        <a:schemeClr val="tx1"/>
+                      </a:solidFill>
+                      <a:prstDash val="solid"/>
+                      <a:round/>
+                      <a:headEnd type="none" w="med" len="med"/>
+                      <a:tailEnd type="none" w="med" len="med"/>
+                    </a:lnL>
+                    <a:lnR w="12700" cap="flat" cmpd="sng" algn="ctr">
+                      <a:solidFill>
+                        <a:schemeClr val="tx1"/>
+                      </a:solidFill>
+                      <a:prstDash val="solid"/>
+                      <a:round/>
+                      <a:headEnd type="none" w="med" len="med"/>
+                      <a:tailEnd type="none" w="med" len="med"/>
+                    </a:lnR>
+                    <a:lnT w="12700" cap="flat" cmpd="sng" algn="ctr">
+                      <a:noFill/>
+                      <a:prstDash val="solid"/>
+                      <a:round/>
+                      <a:headEnd type="none" w="med" len="med"/>
+                      <a:tailEnd type="none" w="med" len="med"/>
+                    </a:lnT>
+                    <a:lnB w="28575" cap="flat" cmpd="sng" algn="ctr">
+                      <a:solidFill>
+                        <a:schemeClr val="tx1"/>
+                      </a:solidFill>
+                      <a:prstDash val="solid"/>
+                      <a:round/>
+                      <a:headEnd type="none" w="med" len="med"/>
+                      <a:tailEnd type="none" w="med" len="med"/>
+                    </a:lnB>
+                    <a:lnTlToBr w="12700" cmpd="sng">
+                      <a:noFill/>
+                      <a:prstDash val="solid"/>
+                    </a:lnTlToBr>
+                    <a:lnBlToTr w="12700" cmpd="sng">
+                      <a:noFill/>
+                      <a:prstDash val="solid"/>
+                    </a:lnBlToTr>
+                    <a:noFill/>
+                  </a:tcPr>
+                </a:tc>
+                <a:tc>
+                  <a:txBody>
+                    <a:bodyPr/>
+                    <a:lstStyle/>
+                    <a:p>
+                      <a:pPr algn="ctr"/>
+                      <a:r>
+                        <a:rPr lang="en-CA" sz="2400" dirty="0">
+                          <a:solidFill>
+                            <a:sysClr val="windowText" lastClr="000000"/>
+                          </a:solidFill>
+                        </a:rPr>
+                        <a:t>GBDT</a:t>
+                      </a:r>
+                      <a:endParaRPr lang="en-US" sz="2400" dirty="0">
+                        <a:solidFill>
+                          <a:sysClr val="windowText" lastClr="000000"/>
+                        </a:solidFill>
+                      </a:endParaRPr>
+                    </a:p>
+                  </a:txBody>
+                  <a:tcPr anchor="ctr">
+                    <a:lnL w="12700" cap="flat" cmpd="sng" algn="ctr">
+                      <a:solidFill>
+                        <a:schemeClr val="tx1"/>
+                      </a:solidFill>
+                      <a:prstDash val="solid"/>
+                      <a:round/>
+                      <a:headEnd type="none" w="med" len="med"/>
+                      <a:tailEnd type="none" w="med" len="med"/>
+                    </a:lnL>
+                    <a:lnR w="12700" cap="flat" cmpd="sng" algn="ctr">
+                      <a:solidFill>
+                        <a:schemeClr val="tx1"/>
+                      </a:solidFill>
+                      <a:prstDash val="solid"/>
+                      <a:round/>
+                      <a:headEnd type="none" w="med" len="med"/>
+                      <a:tailEnd type="none" w="med" len="med"/>
+                    </a:lnR>
+                    <a:lnT w="12700" cap="flat" cmpd="sng" algn="ctr">
+                      <a:noFill/>
+                      <a:prstDash val="solid"/>
+                      <a:round/>
+                      <a:headEnd type="none" w="med" len="med"/>
+                      <a:tailEnd type="none" w="med" len="med"/>
+                    </a:lnT>
+                    <a:lnB w="28575" cap="flat" cmpd="sng" algn="ctr">
+                      <a:solidFill>
+                        <a:schemeClr val="tx1"/>
+                      </a:solidFill>
+                      <a:prstDash val="solid"/>
+                      <a:round/>
+                      <a:headEnd type="none" w="med" len="med"/>
+                      <a:tailEnd type="none" w="med" len="med"/>
+                    </a:lnB>
+                    <a:lnTlToBr w="12700" cmpd="sng">
+                      <a:noFill/>
+                      <a:prstDash val="solid"/>
+                    </a:lnTlToBr>
+                    <a:lnBlToTr w="12700" cmpd="sng">
+                      <a:noFill/>
+                      <a:prstDash val="solid"/>
+                    </a:lnBlToTr>
+                    <a:noFill/>
+                  </a:tcPr>
+                </a:tc>
+                <a:tc>
+                  <a:txBody>
+                    <a:bodyPr/>
+                    <a:lstStyle/>
+                    <a:p>
+                      <a:pPr algn="ctr"/>
+                      <a:r>
+                        <a:rPr lang="en-CA" sz="2400" dirty="0">
+                          <a:solidFill>
+                            <a:sysClr val="windowText" lastClr="000000"/>
+                          </a:solidFill>
+                        </a:rPr>
+                        <a:t>CNN</a:t>
+                      </a:r>
+                      <a:endParaRPr lang="en-US" sz="2400" dirty="0">
+                        <a:solidFill>
+                          <a:sysClr val="windowText" lastClr="000000"/>
+                        </a:solidFill>
+                      </a:endParaRPr>
+                    </a:p>
+                  </a:txBody>
+                  <a:tcPr anchor="ctr">
+                    <a:lnL w="12700" cap="flat" cmpd="sng" algn="ctr">
+                      <a:solidFill>
+                        <a:schemeClr val="tx1"/>
+                      </a:solidFill>
+                      <a:prstDash val="solid"/>
+                      <a:round/>
+                      <a:headEnd type="none" w="med" len="med"/>
+                      <a:tailEnd type="none" w="med" len="med"/>
+                    </a:lnL>
+                    <a:lnR w="28575" cap="flat" cmpd="sng" algn="ctr">
+                      <a:solidFill>
+                        <a:schemeClr val="tx1"/>
+                      </a:solidFill>
+                      <a:prstDash val="solid"/>
+                      <a:round/>
+                      <a:headEnd type="none" w="med" len="med"/>
+                      <a:tailEnd type="none" w="med" len="med"/>
+                    </a:lnR>
+                    <a:lnT w="12700" cap="flat" cmpd="sng" algn="ctr">
+                      <a:noFill/>
+                      <a:prstDash val="solid"/>
+                      <a:round/>
+                      <a:headEnd type="none" w="med" len="med"/>
+                      <a:tailEnd type="none" w="med" len="med"/>
+                    </a:lnT>
+                    <a:lnB w="28575" cap="flat" cmpd="sng" algn="ctr">
+                      <a:solidFill>
+                        <a:schemeClr val="tx1"/>
+                      </a:solidFill>
+                      <a:prstDash val="solid"/>
+                      <a:round/>
+                      <a:headEnd type="none" w="med" len="med"/>
+                      <a:tailEnd type="none" w="med" len="med"/>
+                    </a:lnB>
+                    <a:lnTlToBr w="12700" cmpd="sng">
+                      <a:noFill/>
+                      <a:prstDash val="solid"/>
+                    </a:lnTlToBr>
+                    <a:lnBlToTr w="12700" cmpd="sng">
+                      <a:noFill/>
+                      <a:prstDash val="solid"/>
+                    </a:lnBlToTr>
+                    <a:noFill/>
+                  </a:tcPr>
+                </a:tc>
+                <a:tc>
+                  <a:txBody>
+                    <a:bodyPr/>
+                    <a:lstStyle/>
+                    <a:p>
+                      <a:pPr algn="ctr"/>
+                      <a:r>
+                        <a:rPr lang="en-CA" sz="2400" dirty="0">
+                          <a:solidFill>
+                            <a:sysClr val="windowText" lastClr="000000"/>
+                          </a:solidFill>
+                        </a:rPr>
+                        <a:t>Always No</a:t>
+                      </a:r>
+                      <a:endParaRPr lang="en-US" sz="2400" dirty="0">
+                        <a:solidFill>
+                          <a:sysClr val="windowText" lastClr="000000"/>
+                        </a:solidFill>
+                      </a:endParaRPr>
+                    </a:p>
+                  </a:txBody>
+                  <a:tcPr anchor="ctr">
+                    <a:lnL w="28575" cap="flat" cmpd="sng" algn="ctr">
+                      <a:solidFill>
+                        <a:schemeClr val="tx1"/>
+                      </a:solidFill>
+                      <a:prstDash val="solid"/>
+                      <a:round/>
+                      <a:headEnd type="none" w="med" len="med"/>
+                      <a:tailEnd type="none" w="med" len="med"/>
+                    </a:lnL>
+                    <a:lnR w="12700" cap="flat" cmpd="sng" algn="ctr">
+                      <a:noFill/>
+                      <a:prstDash val="solid"/>
+                      <a:round/>
+                      <a:headEnd type="none" w="med" len="med"/>
+                      <a:tailEnd type="none" w="med" len="med"/>
+                    </a:lnR>
+                    <a:lnT w="12700" cap="flat" cmpd="sng" algn="ctr">
+                      <a:noFill/>
+                      <a:prstDash val="solid"/>
+                      <a:round/>
+                      <a:headEnd type="none" w="med" len="med"/>
+                      <a:tailEnd type="none" w="med" len="med"/>
+                    </a:lnT>
+                    <a:lnB w="28575" cap="flat" cmpd="sng" algn="ctr">
+                      <a:solidFill>
+                        <a:schemeClr val="tx1"/>
+                      </a:solidFill>
+                      <a:prstDash val="solid"/>
+                      <a:round/>
+                      <a:headEnd type="none" w="med" len="med"/>
+                      <a:tailEnd type="none" w="med" len="med"/>
+                    </a:lnB>
+                    <a:lnTlToBr w="12700" cmpd="sng">
+                      <a:noFill/>
+                      <a:prstDash val="solid"/>
+                    </a:lnTlToBr>
+                    <a:lnBlToTr w="12700" cmpd="sng">
+                      <a:noFill/>
+                      <a:prstDash val="solid"/>
+                    </a:lnBlToTr>
+                    <a:noFill/>
+                  </a:tcPr>
+                </a:tc>
+                <a:extLst>
+                  <a:ext uri="{0D108BD9-81ED-4DB2-BD59-A6C34878D82A}">
+                    <a16:rowId xmlns:a16="http://schemas.microsoft.com/office/drawing/2014/main" val="362632471"/>
+                  </a:ext>
+                </a:extLst>
+              </a:tr>
+              <a:tr h="537986">
+                <a:tc>
+                  <a:txBody>
+                    <a:bodyPr/>
+                    <a:lstStyle/>
+                    <a:p>
+                      <a:pPr algn="ctr"/>
+                      <a:r>
+                        <a:rPr lang="en-CA" sz="2400" dirty="0"/>
+                        <a:t>Accuracy</a:t>
+                      </a:r>
+                      <a:endParaRPr lang="en-US" sz="2400" dirty="0"/>
+                    </a:p>
+                  </a:txBody>
+                  <a:tcPr anchor="ctr">
+                    <a:lnL w="12700" cap="flat" cmpd="sng" algn="ctr">
+                      <a:noFill/>
+                      <a:prstDash val="solid"/>
+                      <a:round/>
+                      <a:headEnd type="none" w="med" len="med"/>
+                      <a:tailEnd type="none" w="med" len="med"/>
+                    </a:lnL>
+                    <a:lnR w="28575" cap="flat" cmpd="sng" algn="ctr">
+                      <a:solidFill>
+                        <a:schemeClr val="tx1"/>
+                      </a:solidFill>
+                      <a:prstDash val="solid"/>
+                      <a:round/>
+                      <a:headEnd type="none" w="med" len="med"/>
+                      <a:tailEnd type="none" w="med" len="med"/>
+                    </a:lnR>
+                    <a:lnT w="28575" cap="flat" cmpd="sng" algn="ctr">
+                      <a:solidFill>
+                        <a:schemeClr val="tx1"/>
+                      </a:solidFill>
+                      <a:prstDash val="solid"/>
+                      <a:round/>
+                      <a:headEnd type="none" w="med" len="med"/>
+                      <a:tailEnd type="none" w="med" len="med"/>
+                    </a:lnT>
+                    <a:lnB w="12700" cap="flat" cmpd="sng" algn="ctr">
+                      <a:noFill/>
+                      <a:prstDash val="solid"/>
+                      <a:round/>
+                      <a:headEnd type="none" w="med" len="med"/>
+                      <a:tailEnd type="none" w="med" len="med"/>
+                    </a:lnB>
+                    <a:lnTlToBr w="12700" cmpd="sng">
+                      <a:noFill/>
+                      <a:prstDash val="solid"/>
+                    </a:lnTlToBr>
+                    <a:lnBlToTr w="12700" cmpd="sng">
+                      <a:noFill/>
+                      <a:prstDash val="solid"/>
+                    </a:lnBlToTr>
+                    <a:noFill/>
+                  </a:tcPr>
+                </a:tc>
+                <a:tc>
+                  <a:txBody>
+                    <a:bodyPr/>
+                    <a:lstStyle/>
+                    <a:p>
+                      <a:pPr algn="ctr"/>
+                      <a:r>
+                        <a:rPr lang="en-CA" sz="2400" dirty="0"/>
+                        <a:t>90.8%</a:t>
+                      </a:r>
+                      <a:endParaRPr lang="en-US" sz="2400" dirty="0"/>
+                    </a:p>
+                  </a:txBody>
+                  <a:tcPr anchor="ctr">
+                    <a:lnL w="28575" cap="flat" cmpd="sng" algn="ctr">
+                      <a:solidFill>
+                        <a:schemeClr val="tx1"/>
+                      </a:solidFill>
+                      <a:prstDash val="solid"/>
+                      <a:round/>
+                      <a:headEnd type="none" w="med" len="med"/>
+                      <a:tailEnd type="none" w="med" len="med"/>
+                    </a:lnL>
+                    <a:lnR w="12700" cap="flat" cmpd="sng" algn="ctr">
+                      <a:solidFill>
+                        <a:schemeClr val="tx1"/>
+                      </a:solidFill>
+                      <a:prstDash val="solid"/>
+                      <a:round/>
+                      <a:headEnd type="none" w="med" len="med"/>
+                      <a:tailEnd type="none" w="med" len="med"/>
+                    </a:lnR>
+                    <a:lnT w="28575" cap="flat" cmpd="sng" algn="ctr">
+                      <a:solidFill>
+                        <a:schemeClr val="tx1"/>
+                      </a:solidFill>
+                      <a:prstDash val="solid"/>
+                      <a:round/>
+                      <a:headEnd type="none" w="med" len="med"/>
+                      <a:tailEnd type="none" w="med" len="med"/>
+                    </a:lnT>
+                    <a:lnB w="12700" cap="flat" cmpd="sng" algn="ctr">
+                      <a:noFill/>
+                      <a:prstDash val="solid"/>
+                      <a:round/>
+                      <a:headEnd type="none" w="med" len="med"/>
+                      <a:tailEnd type="none" w="med" len="med"/>
+                    </a:lnB>
+                    <a:lnTlToBr w="12700" cmpd="sng">
+                      <a:noFill/>
+                      <a:prstDash val="solid"/>
+                    </a:lnTlToBr>
+                    <a:lnBlToTr w="12700" cmpd="sng">
+                      <a:noFill/>
+                      <a:prstDash val="solid"/>
+                    </a:lnBlToTr>
+                    <a:noFill/>
+                  </a:tcPr>
+                </a:tc>
+                <a:tc>
+                  <a:txBody>
+                    <a:bodyPr/>
+                    <a:lstStyle/>
+                    <a:p>
+                      <a:pPr algn="ctr"/>
+                      <a:r>
+                        <a:rPr lang="en-CA" sz="2400" b="1" dirty="0"/>
+                        <a:t>91.4%</a:t>
+                      </a:r>
+                      <a:endParaRPr lang="en-US" sz="2400" b="1" dirty="0"/>
+                    </a:p>
+                  </a:txBody>
+                  <a:tcPr anchor="ctr">
+                    <a:lnL w="12700" cap="flat" cmpd="sng" algn="ctr">
+                      <a:solidFill>
+                        <a:schemeClr val="tx1"/>
+                      </a:solidFill>
+                      <a:prstDash val="solid"/>
+                      <a:round/>
+                      <a:headEnd type="none" w="med" len="med"/>
+                      <a:tailEnd type="none" w="med" len="med"/>
+                    </a:lnL>
+                    <a:lnR w="12700" cap="flat" cmpd="sng" algn="ctr">
+                      <a:solidFill>
+                        <a:schemeClr val="tx1"/>
+                      </a:solidFill>
+                      <a:prstDash val="solid"/>
+                      <a:round/>
+                      <a:headEnd type="none" w="med" len="med"/>
+                      <a:tailEnd type="none" w="med" len="med"/>
+                    </a:lnR>
+                    <a:lnT w="28575" cap="flat" cmpd="sng" algn="ctr">
+                      <a:solidFill>
+                        <a:schemeClr val="tx1"/>
+                      </a:solidFill>
+                      <a:prstDash val="solid"/>
+                      <a:round/>
+                      <a:headEnd type="none" w="med" len="med"/>
+                      <a:tailEnd type="none" w="med" len="med"/>
+                    </a:lnT>
+                    <a:lnB w="12700" cap="flat" cmpd="sng" algn="ctr">
+                      <a:noFill/>
+                      <a:prstDash val="solid"/>
+                      <a:round/>
+                      <a:headEnd type="none" w="med" len="med"/>
+                      <a:tailEnd type="none" w="med" len="med"/>
+                    </a:lnB>
+                    <a:lnTlToBr w="12700" cmpd="sng">
+                      <a:noFill/>
+                      <a:prstDash val="solid"/>
+                    </a:lnTlToBr>
+                    <a:lnBlToTr w="12700" cmpd="sng">
+                      <a:noFill/>
+                      <a:prstDash val="solid"/>
+                    </a:lnBlToTr>
+                    <a:noFill/>
+                  </a:tcPr>
+                </a:tc>
+                <a:tc>
+                  <a:txBody>
+                    <a:bodyPr/>
+                    <a:lstStyle/>
+                    <a:p>
+                      <a:pPr algn="ctr"/>
+                      <a:r>
+                        <a:rPr lang="en-CA" sz="2400" dirty="0"/>
+                        <a:t>90.7%</a:t>
+                      </a:r>
+                      <a:endParaRPr lang="en-US" sz="2400" dirty="0"/>
+                    </a:p>
+                  </a:txBody>
+                  <a:tcPr anchor="ctr">
+                    <a:lnL w="12700" cap="flat" cmpd="sng" algn="ctr">
+                      <a:solidFill>
+                        <a:schemeClr val="tx1"/>
+                      </a:solidFill>
+                      <a:prstDash val="solid"/>
+                      <a:round/>
+                      <a:headEnd type="none" w="med" len="med"/>
+                      <a:tailEnd type="none" w="med" len="med"/>
+                    </a:lnL>
+                    <a:lnR w="28575" cap="flat" cmpd="sng" algn="ctr">
+                      <a:solidFill>
+                        <a:schemeClr val="tx1"/>
+                      </a:solidFill>
+                      <a:prstDash val="solid"/>
+                      <a:round/>
+                      <a:headEnd type="none" w="med" len="med"/>
+                      <a:tailEnd type="none" w="med" len="med"/>
+                    </a:lnR>
+                    <a:lnT w="28575" cap="flat" cmpd="sng" algn="ctr">
+                      <a:solidFill>
+                        <a:schemeClr val="tx1"/>
+                      </a:solidFill>
+                      <a:prstDash val="solid"/>
+                      <a:round/>
+                      <a:headEnd type="none" w="med" len="med"/>
+                      <a:tailEnd type="none" w="med" len="med"/>
+                    </a:lnT>
+                    <a:lnB w="12700" cap="flat" cmpd="sng" algn="ctr">
+                      <a:noFill/>
+                      <a:prstDash val="solid"/>
+                      <a:round/>
+                      <a:headEnd type="none" w="med" len="med"/>
+                      <a:tailEnd type="none" w="med" len="med"/>
+                    </a:lnB>
+                    <a:lnTlToBr w="12700" cmpd="sng">
+                      <a:noFill/>
+                      <a:prstDash val="solid"/>
+                    </a:lnTlToBr>
+                    <a:lnBlToTr w="12700" cmpd="sng">
+                      <a:noFill/>
+                      <a:prstDash val="solid"/>
+                    </a:lnBlToTr>
+                    <a:noFill/>
+                  </a:tcPr>
+                </a:tc>
+                <a:tc>
+                  <a:txBody>
+                    <a:bodyPr/>
+                    <a:lstStyle/>
+                    <a:p>
+                      <a:pPr algn="ctr"/>
+                      <a:r>
+                        <a:rPr lang="en-CA" sz="2400" dirty="0"/>
+                        <a:t>88.7%</a:t>
+                      </a:r>
+                      <a:endParaRPr lang="en-US" sz="2400" dirty="0"/>
+                    </a:p>
+                  </a:txBody>
+                  <a:tcPr anchor="ctr">
+                    <a:lnL w="28575" cap="flat" cmpd="sng" algn="ctr">
+                      <a:solidFill>
+                        <a:schemeClr val="tx1"/>
+                      </a:solidFill>
+                      <a:prstDash val="solid"/>
+                      <a:round/>
+                      <a:headEnd type="none" w="med" len="med"/>
+                      <a:tailEnd type="none" w="med" len="med"/>
+                    </a:lnL>
+                    <a:lnR w="12700" cap="flat" cmpd="sng" algn="ctr">
+                      <a:noFill/>
+                      <a:prstDash val="solid"/>
+                      <a:round/>
+                      <a:headEnd type="none" w="med" len="med"/>
+                      <a:tailEnd type="none" w="med" len="med"/>
+                    </a:lnR>
+                    <a:lnT w="28575" cap="flat" cmpd="sng" algn="ctr">
+                      <a:solidFill>
+                        <a:schemeClr val="tx1"/>
+                      </a:solidFill>
+                      <a:prstDash val="solid"/>
+                      <a:round/>
+                      <a:headEnd type="none" w="med" len="med"/>
+                      <a:tailEnd type="none" w="med" len="med"/>
+                    </a:lnT>
+                    <a:lnB w="12700" cap="flat" cmpd="sng" algn="ctr">
+                      <a:noFill/>
+                      <a:prstDash val="solid"/>
+                      <a:round/>
+                      <a:headEnd type="none" w="med" len="med"/>
+                      <a:tailEnd type="none" w="med" len="med"/>
+                    </a:lnB>
+                    <a:lnTlToBr w="12700" cmpd="sng">
+                      <a:noFill/>
+                      <a:prstDash val="solid"/>
+                    </a:lnTlToBr>
+                    <a:lnBlToTr w="12700" cmpd="sng">
+                      <a:noFill/>
+                      <a:prstDash val="solid"/>
+                    </a:lnBlToTr>
+                    <a:noFill/>
+                  </a:tcPr>
+                </a:tc>
+                <a:extLst>
+                  <a:ext uri="{0D108BD9-81ED-4DB2-BD59-A6C34878D82A}">
+                    <a16:rowId xmlns:a16="http://schemas.microsoft.com/office/drawing/2014/main" val="3076302515"/>
+                  </a:ext>
+                </a:extLst>
+              </a:tr>
+              <a:tr h="537986">
+                <a:tc>
+                  <a:txBody>
+                    <a:bodyPr/>
+                    <a:lstStyle/>
+                    <a:p>
+                      <a:pPr algn="ctr"/>
+                      <a:r>
+                        <a:rPr lang="en-CA" sz="2400" dirty="0"/>
+                        <a:t>True Positive Rate</a:t>
+                      </a:r>
+                      <a:endParaRPr lang="en-US" sz="2400" dirty="0"/>
+                    </a:p>
+                  </a:txBody>
+                  <a:tcPr anchor="ctr">
+                    <a:lnL w="12700" cap="flat" cmpd="sng" algn="ctr">
+                      <a:noFill/>
+                      <a:prstDash val="solid"/>
+                      <a:round/>
+                      <a:headEnd type="none" w="med" len="med"/>
+                      <a:tailEnd type="none" w="med" len="med"/>
+                    </a:lnL>
+                    <a:lnR w="28575" cap="flat" cmpd="sng" algn="ctr">
+                      <a:solidFill>
+                        <a:schemeClr val="tx1"/>
+                      </a:solidFill>
+                      <a:prstDash val="solid"/>
+                      <a:round/>
+                      <a:headEnd type="none" w="med" len="med"/>
+                      <a:tailEnd type="none" w="med" len="med"/>
+                    </a:lnR>
+                    <a:lnT w="12700" cap="flat" cmpd="sng" algn="ctr">
+                      <a:noFill/>
+                      <a:prstDash val="solid"/>
+                      <a:round/>
+                      <a:headEnd type="none" w="med" len="med"/>
+                      <a:tailEnd type="none" w="med" len="med"/>
+                    </a:lnT>
+                    <a:lnB w="12700" cap="flat" cmpd="sng" algn="ctr">
+                      <a:noFill/>
+                      <a:prstDash val="solid"/>
+                      <a:round/>
+                      <a:headEnd type="none" w="med" len="med"/>
+                      <a:tailEnd type="none" w="med" len="med"/>
+                    </a:lnB>
+                    <a:lnTlToBr w="12700" cmpd="sng">
+                      <a:noFill/>
+                      <a:prstDash val="solid"/>
+                    </a:lnTlToBr>
+                    <a:lnBlToTr w="12700" cmpd="sng">
+                      <a:noFill/>
+                      <a:prstDash val="solid"/>
+                    </a:lnBlToTr>
+                    <a:noFill/>
+                  </a:tcPr>
+                </a:tc>
+                <a:tc>
+                  <a:txBody>
+                    <a:bodyPr/>
+                    <a:lstStyle/>
+                    <a:p>
+                      <a:pPr algn="ctr"/>
+                      <a:r>
+                        <a:rPr lang="en-CA" sz="2400" b="1" dirty="0"/>
+                        <a:t>67.0%</a:t>
+                      </a:r>
+                      <a:endParaRPr lang="en-US" sz="2400" b="1" dirty="0"/>
+                    </a:p>
+                  </a:txBody>
+                  <a:tcPr anchor="ctr">
+                    <a:lnL w="28575" cap="flat" cmpd="sng" algn="ctr">
+                      <a:solidFill>
+                        <a:schemeClr val="tx1"/>
+                      </a:solidFill>
+                      <a:prstDash val="solid"/>
+                      <a:round/>
+                      <a:headEnd type="none" w="med" len="med"/>
+                      <a:tailEnd type="none" w="med" len="med"/>
+                    </a:lnL>
+                    <a:lnR w="12700" cap="flat" cmpd="sng" algn="ctr">
+                      <a:solidFill>
+                        <a:schemeClr val="tx1"/>
+                      </a:solidFill>
+                      <a:prstDash val="solid"/>
+                      <a:round/>
+                      <a:headEnd type="none" w="med" len="med"/>
+                      <a:tailEnd type="none" w="med" len="med"/>
+                    </a:lnR>
+                    <a:lnT w="12700" cap="flat" cmpd="sng" algn="ctr">
+                      <a:noFill/>
+                      <a:prstDash val="solid"/>
+                      <a:round/>
+                      <a:headEnd type="none" w="med" len="med"/>
+                      <a:tailEnd type="none" w="med" len="med"/>
+                    </a:lnT>
+                    <a:lnB w="12700" cap="flat" cmpd="sng" algn="ctr">
+                      <a:noFill/>
+                      <a:prstDash val="solid"/>
+                      <a:round/>
+                      <a:headEnd type="none" w="med" len="med"/>
+                      <a:tailEnd type="none" w="med" len="med"/>
+                    </a:lnB>
+                    <a:lnTlToBr w="12700" cmpd="sng">
+                      <a:noFill/>
+                      <a:prstDash val="solid"/>
+                    </a:lnTlToBr>
+                    <a:lnBlToTr w="12700" cmpd="sng">
+                      <a:noFill/>
+                      <a:prstDash val="solid"/>
+                    </a:lnBlToTr>
+                    <a:noFill/>
+                  </a:tcPr>
+                </a:tc>
+                <a:tc>
+                  <a:txBody>
+                    <a:bodyPr/>
+                    <a:lstStyle/>
+                    <a:p>
+                      <a:pPr algn="ctr"/>
+                      <a:r>
+                        <a:rPr lang="en-CA" sz="2400" dirty="0"/>
+                        <a:t>64.3%</a:t>
+                      </a:r>
+                      <a:endParaRPr lang="en-US" sz="2400" dirty="0"/>
+                    </a:p>
+                  </a:txBody>
+                  <a:tcPr anchor="ctr">
+                    <a:lnL w="12700" cap="flat" cmpd="sng" algn="ctr">
+                      <a:solidFill>
+                        <a:schemeClr val="tx1"/>
+                      </a:solidFill>
+                      <a:prstDash val="solid"/>
+                      <a:round/>
+                      <a:headEnd type="none" w="med" len="med"/>
+                      <a:tailEnd type="none" w="med" len="med"/>
+                    </a:lnL>
+                    <a:lnR w="12700" cap="flat" cmpd="sng" algn="ctr">
+                      <a:solidFill>
+                        <a:schemeClr val="tx1"/>
+                      </a:solidFill>
+                      <a:prstDash val="solid"/>
+                      <a:round/>
+                      <a:headEnd type="none" w="med" len="med"/>
+                      <a:tailEnd type="none" w="med" len="med"/>
+                    </a:lnR>
+                    <a:lnT w="12700" cap="flat" cmpd="sng" algn="ctr">
+                      <a:noFill/>
+                      <a:prstDash val="solid"/>
+                      <a:round/>
+                      <a:headEnd type="none" w="med" len="med"/>
+                      <a:tailEnd type="none" w="med" len="med"/>
+                    </a:lnT>
+                    <a:lnB w="12700" cap="flat" cmpd="sng" algn="ctr">
+                      <a:noFill/>
+                      <a:prstDash val="solid"/>
+                      <a:round/>
+                      <a:headEnd type="none" w="med" len="med"/>
+                      <a:tailEnd type="none" w="med" len="med"/>
+                    </a:lnB>
+                    <a:lnTlToBr w="12700" cmpd="sng">
+                      <a:noFill/>
+                      <a:prstDash val="solid"/>
+                    </a:lnTlToBr>
+                    <a:lnBlToTr w="12700" cmpd="sng">
+                      <a:noFill/>
+                      <a:prstDash val="solid"/>
+                    </a:lnBlToTr>
+                    <a:noFill/>
+                  </a:tcPr>
+                </a:tc>
+                <a:tc>
+                  <a:txBody>
+                    <a:bodyPr/>
+                    <a:lstStyle/>
+                    <a:p>
+                      <a:pPr algn="ctr"/>
+                      <a:r>
+                        <a:rPr lang="en-CA" sz="2400" dirty="0"/>
+                        <a:t>61.5%</a:t>
+                      </a:r>
+                      <a:endParaRPr lang="en-US" sz="2400" dirty="0"/>
+                    </a:p>
+                  </a:txBody>
+                  <a:tcPr anchor="ctr">
+                    <a:lnL w="12700" cap="flat" cmpd="sng" algn="ctr">
+                      <a:solidFill>
+                        <a:schemeClr val="tx1"/>
+                      </a:solidFill>
+                      <a:prstDash val="solid"/>
+                      <a:round/>
+                      <a:headEnd type="none" w="med" len="med"/>
+                      <a:tailEnd type="none" w="med" len="med"/>
+                    </a:lnL>
+                    <a:lnR w="28575" cap="flat" cmpd="sng" algn="ctr">
+                      <a:solidFill>
+                        <a:schemeClr val="tx1"/>
+                      </a:solidFill>
+                      <a:prstDash val="solid"/>
+                      <a:round/>
+                      <a:headEnd type="none" w="med" len="med"/>
+                      <a:tailEnd type="none" w="med" len="med"/>
+                    </a:lnR>
+                    <a:lnT w="12700" cap="flat" cmpd="sng" algn="ctr">
+                      <a:noFill/>
+                      <a:prstDash val="solid"/>
+                      <a:round/>
+                      <a:headEnd type="none" w="med" len="med"/>
+                      <a:tailEnd type="none" w="med" len="med"/>
+                    </a:lnT>
+                    <a:lnB w="12700" cap="flat" cmpd="sng" algn="ctr">
+                      <a:noFill/>
+                      <a:prstDash val="solid"/>
+                      <a:round/>
+                      <a:headEnd type="none" w="med" len="med"/>
+                      <a:tailEnd type="none" w="med" len="med"/>
+                    </a:lnB>
+                    <a:lnTlToBr w="12700" cmpd="sng">
+                      <a:noFill/>
+                      <a:prstDash val="solid"/>
+                    </a:lnTlToBr>
+                    <a:lnBlToTr w="12700" cmpd="sng">
+                      <a:noFill/>
+                      <a:prstDash val="solid"/>
+                    </a:lnBlToTr>
+                    <a:noFill/>
+                  </a:tcPr>
+                </a:tc>
+                <a:tc>
+                  <a:txBody>
+                    <a:bodyPr/>
+                    <a:lstStyle/>
+                    <a:p>
+                      <a:pPr algn="ctr"/>
+                      <a:r>
+                        <a:rPr lang="en-CA" sz="2400" dirty="0"/>
+                        <a:t>-</a:t>
+                      </a:r>
+                      <a:endParaRPr lang="en-US" sz="2400" dirty="0"/>
+                    </a:p>
+                  </a:txBody>
+                  <a:tcPr anchor="ctr">
+                    <a:lnL w="28575" cap="flat" cmpd="sng" algn="ctr">
+                      <a:solidFill>
+                        <a:schemeClr val="tx1"/>
+                      </a:solidFill>
+                      <a:prstDash val="solid"/>
+                      <a:round/>
+                      <a:headEnd type="none" w="med" len="med"/>
+                      <a:tailEnd type="none" w="med" len="med"/>
+                    </a:lnL>
+                    <a:lnR w="12700" cap="flat" cmpd="sng" algn="ctr">
+                      <a:noFill/>
+                      <a:prstDash val="solid"/>
+                      <a:round/>
+                      <a:headEnd type="none" w="med" len="med"/>
+                      <a:tailEnd type="none" w="med" len="med"/>
+                    </a:lnR>
+                    <a:lnT w="12700" cap="flat" cmpd="sng" algn="ctr">
+                      <a:noFill/>
+                      <a:prstDash val="solid"/>
+                      <a:round/>
+                      <a:headEnd type="none" w="med" len="med"/>
+                      <a:tailEnd type="none" w="med" len="med"/>
+                    </a:lnT>
+                    <a:lnB w="12700" cap="flat" cmpd="sng" algn="ctr">
+                      <a:noFill/>
+                      <a:prstDash val="solid"/>
+                      <a:round/>
+                      <a:headEnd type="none" w="med" len="med"/>
+                      <a:tailEnd type="none" w="med" len="med"/>
+                    </a:lnB>
+                    <a:lnTlToBr w="12700" cmpd="sng">
+                      <a:noFill/>
+                      <a:prstDash val="solid"/>
+                    </a:lnTlToBr>
+                    <a:lnBlToTr w="12700" cmpd="sng">
+                      <a:noFill/>
+                      <a:prstDash val="solid"/>
+                    </a:lnBlToTr>
+                    <a:noFill/>
+                  </a:tcPr>
+                </a:tc>
+                <a:extLst>
+                  <a:ext uri="{0D108BD9-81ED-4DB2-BD59-A6C34878D82A}">
+                    <a16:rowId xmlns:a16="http://schemas.microsoft.com/office/drawing/2014/main" val="1660547455"/>
+                  </a:ext>
+                </a:extLst>
+              </a:tr>
+              <a:tr h="537986">
+                <a:tc>
+                  <a:txBody>
+                    <a:bodyPr/>
+                    <a:lstStyle/>
+                    <a:p>
+                      <a:pPr algn="ctr"/>
+                      <a:r>
+                        <a:rPr lang="en-CA" sz="2400" dirty="0"/>
+                        <a:t>True Negative Rate</a:t>
+                      </a:r>
+                      <a:endParaRPr lang="en-US" sz="2400" dirty="0"/>
+                    </a:p>
+                  </a:txBody>
+                  <a:tcPr anchor="ctr">
+                    <a:lnL w="12700" cap="flat" cmpd="sng" algn="ctr">
+                      <a:noFill/>
+                      <a:prstDash val="solid"/>
+                      <a:round/>
+                      <a:headEnd type="none" w="med" len="med"/>
+                      <a:tailEnd type="none" w="med" len="med"/>
+                    </a:lnL>
+                    <a:lnR w="28575" cap="flat" cmpd="sng" algn="ctr">
+                      <a:solidFill>
+                        <a:schemeClr val="tx1"/>
+                      </a:solidFill>
+                      <a:prstDash val="solid"/>
+                      <a:round/>
+                      <a:headEnd type="none" w="med" len="med"/>
+                      <a:tailEnd type="none" w="med" len="med"/>
+                    </a:lnR>
+                    <a:lnT w="12700" cap="flat" cmpd="sng" algn="ctr">
+                      <a:noFill/>
+                      <a:prstDash val="solid"/>
+                      <a:round/>
+                      <a:headEnd type="none" w="med" len="med"/>
+                      <a:tailEnd type="none" w="med" len="med"/>
+                    </a:lnT>
+                    <a:lnB w="12700" cap="flat" cmpd="sng" algn="ctr">
+                      <a:noFill/>
+                      <a:prstDash val="solid"/>
+                      <a:round/>
+                      <a:headEnd type="none" w="med" len="med"/>
+                      <a:tailEnd type="none" w="med" len="med"/>
+                    </a:lnB>
+                    <a:lnTlToBr w="12700" cmpd="sng">
+                      <a:noFill/>
+                      <a:prstDash val="solid"/>
+                    </a:lnTlToBr>
+                    <a:lnBlToTr w="12700" cmpd="sng">
+                      <a:noFill/>
+                      <a:prstDash val="solid"/>
+                    </a:lnBlToTr>
+                    <a:noFill/>
+                  </a:tcPr>
+                </a:tc>
+                <a:tc>
+                  <a:txBody>
+                    <a:bodyPr/>
+                    <a:lstStyle/>
+                    <a:p>
+                      <a:pPr algn="ctr"/>
+                      <a:r>
+                        <a:rPr lang="en-CA" sz="2400" dirty="0"/>
+                        <a:t>92.4%</a:t>
+                      </a:r>
+                      <a:endParaRPr lang="en-US" sz="2400" dirty="0"/>
+                    </a:p>
+                  </a:txBody>
+                  <a:tcPr anchor="ctr">
+                    <a:lnL w="28575" cap="flat" cmpd="sng" algn="ctr">
+                      <a:solidFill>
+                        <a:schemeClr val="tx1"/>
+                      </a:solidFill>
+                      <a:prstDash val="solid"/>
+                      <a:round/>
+                      <a:headEnd type="none" w="med" len="med"/>
+                      <a:tailEnd type="none" w="med" len="med"/>
+                    </a:lnL>
+                    <a:lnR w="12700" cap="flat" cmpd="sng" algn="ctr">
+                      <a:solidFill>
+                        <a:schemeClr val="tx1"/>
+                      </a:solidFill>
+                      <a:prstDash val="solid"/>
+                      <a:round/>
+                      <a:headEnd type="none" w="med" len="med"/>
+                      <a:tailEnd type="none" w="med" len="med"/>
+                    </a:lnR>
+                    <a:lnT w="12700" cap="flat" cmpd="sng" algn="ctr">
+                      <a:noFill/>
+                      <a:prstDash val="solid"/>
+                      <a:round/>
+                      <a:headEnd type="none" w="med" len="med"/>
+                      <a:tailEnd type="none" w="med" len="med"/>
+                    </a:lnT>
+                    <a:lnB w="12700" cap="flat" cmpd="sng" algn="ctr">
+                      <a:noFill/>
+                      <a:prstDash val="solid"/>
+                      <a:round/>
+                      <a:headEnd type="none" w="med" len="med"/>
+                      <a:tailEnd type="none" w="med" len="med"/>
+                    </a:lnB>
+                    <a:lnTlToBr w="12700" cmpd="sng">
+                      <a:noFill/>
+                      <a:prstDash val="solid"/>
+                    </a:lnTlToBr>
+                    <a:lnBlToTr w="12700" cmpd="sng">
+                      <a:noFill/>
+                      <a:prstDash val="solid"/>
+                    </a:lnBlToTr>
+                    <a:noFill/>
+                  </a:tcPr>
+                </a:tc>
+                <a:tc>
+                  <a:txBody>
+                    <a:bodyPr/>
+                    <a:lstStyle/>
+                    <a:p>
+                      <a:pPr algn="ctr"/>
+                      <a:r>
+                        <a:rPr lang="en-CA" sz="2400" b="1" dirty="0"/>
+                        <a:t>94.4%</a:t>
+                      </a:r>
+                      <a:endParaRPr lang="en-US" sz="2400" b="1" dirty="0"/>
+                    </a:p>
+                  </a:txBody>
+                  <a:tcPr anchor="ctr">
+                    <a:lnL w="12700" cap="flat" cmpd="sng" algn="ctr">
+                      <a:solidFill>
+                        <a:schemeClr val="tx1"/>
+                      </a:solidFill>
+                      <a:prstDash val="solid"/>
+                      <a:round/>
+                      <a:headEnd type="none" w="med" len="med"/>
+                      <a:tailEnd type="none" w="med" len="med"/>
+                    </a:lnL>
+                    <a:lnR w="12700" cap="flat" cmpd="sng" algn="ctr">
+                      <a:solidFill>
+                        <a:schemeClr val="tx1"/>
+                      </a:solidFill>
+                      <a:prstDash val="solid"/>
+                      <a:round/>
+                      <a:headEnd type="none" w="med" len="med"/>
+                      <a:tailEnd type="none" w="med" len="med"/>
+                    </a:lnR>
+                    <a:lnT w="12700" cap="flat" cmpd="sng" algn="ctr">
+                      <a:noFill/>
+                      <a:prstDash val="solid"/>
+                      <a:round/>
+                      <a:headEnd type="none" w="med" len="med"/>
+                      <a:tailEnd type="none" w="med" len="med"/>
+                    </a:lnT>
+                    <a:lnB w="12700" cap="flat" cmpd="sng" algn="ctr">
+                      <a:noFill/>
+                      <a:prstDash val="solid"/>
+                      <a:round/>
+                      <a:headEnd type="none" w="med" len="med"/>
+                      <a:tailEnd type="none" w="med" len="med"/>
+                    </a:lnB>
+                    <a:lnTlToBr w="12700" cmpd="sng">
+                      <a:noFill/>
+                      <a:prstDash val="solid"/>
+                    </a:lnTlToBr>
+                    <a:lnBlToTr w="12700" cmpd="sng">
+                      <a:noFill/>
+                      <a:prstDash val="solid"/>
+                    </a:lnBlToTr>
+                    <a:noFill/>
+                  </a:tcPr>
+                </a:tc>
+                <a:tc>
+                  <a:txBody>
+                    <a:bodyPr/>
+                    <a:lstStyle/>
+                    <a:p>
+                      <a:pPr algn="ctr"/>
+                      <a:r>
+                        <a:rPr lang="en-CA" sz="2400" dirty="0"/>
+                        <a:t>93.7%</a:t>
+                      </a:r>
+                      <a:endParaRPr lang="en-US" sz="2400" dirty="0"/>
+                    </a:p>
+                  </a:txBody>
+                  <a:tcPr anchor="ctr">
+                    <a:lnL w="12700" cap="flat" cmpd="sng" algn="ctr">
+                      <a:solidFill>
+                        <a:schemeClr val="tx1"/>
+                      </a:solidFill>
+                      <a:prstDash val="solid"/>
+                      <a:round/>
+                      <a:headEnd type="none" w="med" len="med"/>
+                      <a:tailEnd type="none" w="med" len="med"/>
+                    </a:lnL>
+                    <a:lnR w="28575" cap="flat" cmpd="sng" algn="ctr">
+                      <a:solidFill>
+                        <a:schemeClr val="tx1"/>
+                      </a:solidFill>
+                      <a:prstDash val="solid"/>
+                      <a:round/>
+                      <a:headEnd type="none" w="med" len="med"/>
+                      <a:tailEnd type="none" w="med" len="med"/>
+                    </a:lnR>
+                    <a:lnT w="12700" cap="flat" cmpd="sng" algn="ctr">
+                      <a:noFill/>
+                      <a:prstDash val="solid"/>
+                      <a:round/>
+                      <a:headEnd type="none" w="med" len="med"/>
+                      <a:tailEnd type="none" w="med" len="med"/>
+                    </a:lnT>
+                    <a:lnB w="12700" cap="flat" cmpd="sng" algn="ctr">
+                      <a:noFill/>
+                      <a:prstDash val="solid"/>
+                      <a:round/>
+                      <a:headEnd type="none" w="med" len="med"/>
+                      <a:tailEnd type="none" w="med" len="med"/>
+                    </a:lnB>
+                    <a:lnTlToBr w="12700" cmpd="sng">
+                      <a:noFill/>
+                      <a:prstDash val="solid"/>
+                    </a:lnTlToBr>
+                    <a:lnBlToTr w="12700" cmpd="sng">
+                      <a:noFill/>
+                      <a:prstDash val="solid"/>
+                    </a:lnBlToTr>
+                    <a:noFill/>
+                  </a:tcPr>
+                </a:tc>
+                <a:tc>
+                  <a:txBody>
+                    <a:bodyPr/>
+                    <a:lstStyle/>
+                    <a:p>
+                      <a:pPr algn="ctr"/>
+                      <a:r>
+                        <a:rPr lang="en-CA" sz="2400" dirty="0"/>
+                        <a:t>88.7%</a:t>
+                      </a:r>
+                      <a:endParaRPr lang="en-US" sz="2400" dirty="0"/>
+                    </a:p>
+                  </a:txBody>
+                  <a:tcPr anchor="ctr">
+                    <a:lnL w="28575" cap="flat" cmpd="sng" algn="ctr">
+                      <a:solidFill>
+                        <a:schemeClr val="tx1"/>
+                      </a:solidFill>
+                      <a:prstDash val="solid"/>
+                      <a:round/>
+                      <a:headEnd type="none" w="med" len="med"/>
+                      <a:tailEnd type="none" w="med" len="med"/>
+                    </a:lnL>
+                    <a:lnR w="12700" cap="flat" cmpd="sng" algn="ctr">
+                      <a:noFill/>
+                      <a:prstDash val="solid"/>
+                      <a:round/>
+                      <a:headEnd type="none" w="med" len="med"/>
+                      <a:tailEnd type="none" w="med" len="med"/>
+                    </a:lnR>
+                    <a:lnT w="12700" cap="flat" cmpd="sng" algn="ctr">
+                      <a:noFill/>
+                      <a:prstDash val="solid"/>
+                      <a:round/>
+                      <a:headEnd type="none" w="med" len="med"/>
+                      <a:tailEnd type="none" w="med" len="med"/>
+                    </a:lnT>
+                    <a:lnB w="12700" cap="flat" cmpd="sng" algn="ctr">
+                      <a:noFill/>
+                      <a:prstDash val="solid"/>
+                      <a:round/>
+                      <a:headEnd type="none" w="med" len="med"/>
+                      <a:tailEnd type="none" w="med" len="med"/>
+                    </a:lnB>
+                    <a:lnTlToBr w="12700" cmpd="sng">
+                      <a:noFill/>
+                      <a:prstDash val="solid"/>
+                    </a:lnTlToBr>
+                    <a:lnBlToTr w="12700" cmpd="sng">
+                      <a:noFill/>
+                      <a:prstDash val="solid"/>
+                    </a:lnBlToTr>
+                    <a:noFill/>
+                  </a:tcPr>
+                </a:tc>
+                <a:extLst>
+                  <a:ext uri="{0D108BD9-81ED-4DB2-BD59-A6C34878D82A}">
+                    <a16:rowId xmlns:a16="http://schemas.microsoft.com/office/drawing/2014/main" val="1491519767"/>
+                  </a:ext>
+                </a:extLst>
+              </a:tr>
+            </a:tbl>
+          </a:graphicData>
+        </a:graphic>
+      </p:graphicFrame>
+      <p:grpSp>
+        <p:nvGrpSpPr>
+          <p:cNvPr id="12" name="Group 11">
+            <a:extLst>
+              <a:ext uri="{FF2B5EF4-FFF2-40B4-BE49-F238E27FC236}">
+                <a16:creationId xmlns:a16="http://schemas.microsoft.com/office/drawing/2014/main" id="{2E53FE3E-256D-48DE-A9E0-C4262773C274}"/>
+              </a:ext>
+            </a:extLst>
+          </p:cNvPr>
+          <p:cNvGrpSpPr/>
+          <p:nvPr/>
+        </p:nvGrpSpPr>
+        <p:grpSpPr>
+          <a:xfrm>
+            <a:off x="13100129" y="12976591"/>
+            <a:ext cx="4800052" cy="4409218"/>
+            <a:chOff x="13062029" y="12681621"/>
+            <a:chExt cx="4800052" cy="4409218"/>
+          </a:xfrm>
+        </p:grpSpPr>
+        <p:sp>
+          <p:nvSpPr>
+            <p:cNvPr id="11" name="TextBox 10">
+              <a:extLst>
+                <a:ext uri="{FF2B5EF4-FFF2-40B4-BE49-F238E27FC236}">
+                  <a16:creationId xmlns:a16="http://schemas.microsoft.com/office/drawing/2014/main" id="{BB129D67-14DA-4286-97E6-2A86CA7D3A26}"/>
+                </a:ext>
+              </a:extLst>
+            </p:cNvPr>
+            <p:cNvSpPr txBox="1"/>
+            <p:nvPr/>
+          </p:nvSpPr>
+          <p:spPr>
+            <a:xfrm>
+              <a:off x="13664818" y="12681621"/>
+              <a:ext cx="692061" cy="553998"/>
+            </a:xfrm>
+            <a:prstGeom prst="rect">
+              <a:avLst/>
+            </a:prstGeom>
+            <a:noFill/>
+          </p:spPr>
+          <p:txBody>
+            <a:bodyPr wrap="square" rtlCol="0">
+              <a:spAutoFit/>
+            </a:bodyPr>
+            <a:lstStyle/>
+            <a:p>
+              <a:r>
+                <a:rPr lang="en-CA" sz="3000" dirty="0"/>
+                <a:t>No</a:t>
+              </a:r>
+              <a:endParaRPr lang="en-US" sz="3000" dirty="0"/>
+            </a:p>
+          </p:txBody>
+        </p:sp>
+        <p:sp>
+          <p:nvSpPr>
+            <p:cNvPr id="63" name="TextBox 62">
+              <a:extLst>
+                <a:ext uri="{FF2B5EF4-FFF2-40B4-BE49-F238E27FC236}">
+                  <a16:creationId xmlns:a16="http://schemas.microsoft.com/office/drawing/2014/main" id="{D0B60F98-FD4D-4770-B3B6-9BB577BCAF00}"/>
+                </a:ext>
+              </a:extLst>
+            </p:cNvPr>
+            <p:cNvSpPr txBox="1"/>
+            <p:nvPr/>
+          </p:nvSpPr>
+          <p:spPr>
+            <a:xfrm>
+              <a:off x="15101892" y="16120133"/>
+              <a:ext cx="692061" cy="553998"/>
+            </a:xfrm>
+            <a:prstGeom prst="rect">
+              <a:avLst/>
+            </a:prstGeom>
+            <a:noFill/>
+          </p:spPr>
+          <p:txBody>
+            <a:bodyPr wrap="square" rtlCol="0">
+              <a:spAutoFit/>
+            </a:bodyPr>
+            <a:lstStyle/>
+            <a:p>
+              <a:r>
+                <a:rPr lang="en-CA" sz="3000" dirty="0"/>
+                <a:t>No</a:t>
+              </a:r>
+              <a:endParaRPr lang="en-US" sz="3000" dirty="0"/>
+            </a:p>
+          </p:txBody>
+        </p:sp>
+        <p:sp>
+          <p:nvSpPr>
+            <p:cNvPr id="67" name="TextBox 66">
+              <a:extLst>
+                <a:ext uri="{FF2B5EF4-FFF2-40B4-BE49-F238E27FC236}">
+                  <a16:creationId xmlns:a16="http://schemas.microsoft.com/office/drawing/2014/main" id="{5CEB30EF-3920-45F1-90C1-E65090047AC8}"/>
+                </a:ext>
+              </a:extLst>
+            </p:cNvPr>
+            <p:cNvSpPr txBox="1"/>
+            <p:nvPr/>
+          </p:nvSpPr>
+          <p:spPr>
+            <a:xfrm>
+              <a:off x="13650303" y="14766195"/>
+              <a:ext cx="692061" cy="553998"/>
+            </a:xfrm>
+            <a:prstGeom prst="rect">
+              <a:avLst/>
+            </a:prstGeom>
+            <a:noFill/>
+          </p:spPr>
+          <p:txBody>
+            <a:bodyPr wrap="square" rtlCol="0">
+              <a:spAutoFit/>
+            </a:bodyPr>
+            <a:lstStyle/>
+            <a:p>
+              <a:r>
+                <a:rPr lang="en-CA" sz="3000" dirty="0"/>
+                <a:t>Yes</a:t>
+              </a:r>
+              <a:endParaRPr lang="en-US" sz="3000" dirty="0"/>
+            </a:p>
+          </p:txBody>
+        </p:sp>
+        <p:sp>
+          <p:nvSpPr>
+            <p:cNvPr id="74" name="TextBox 73">
+              <a:extLst>
+                <a:ext uri="{FF2B5EF4-FFF2-40B4-BE49-F238E27FC236}">
+                  <a16:creationId xmlns:a16="http://schemas.microsoft.com/office/drawing/2014/main" id="{EDB75D26-F67B-4F45-BDC1-CA3F74688F41}"/>
+                </a:ext>
+              </a:extLst>
+            </p:cNvPr>
+            <p:cNvSpPr txBox="1"/>
+            <p:nvPr/>
+          </p:nvSpPr>
+          <p:spPr>
+            <a:xfrm>
+              <a:off x="17170020" y="16120133"/>
+              <a:ext cx="692061" cy="553998"/>
+            </a:xfrm>
+            <a:prstGeom prst="rect">
+              <a:avLst/>
+            </a:prstGeom>
+            <a:noFill/>
+          </p:spPr>
+          <p:txBody>
+            <a:bodyPr wrap="square" rtlCol="0">
+              <a:spAutoFit/>
+            </a:bodyPr>
+            <a:lstStyle/>
+            <a:p>
+              <a:r>
+                <a:rPr lang="en-CA" sz="3000" dirty="0"/>
+                <a:t>Yes</a:t>
+              </a:r>
+              <a:endParaRPr lang="en-US" sz="3000" dirty="0"/>
+            </a:p>
+          </p:txBody>
+        </p:sp>
+        <p:sp>
+          <p:nvSpPr>
+            <p:cNvPr id="78" name="TextBox 77">
+              <a:extLst>
+                <a:ext uri="{FF2B5EF4-FFF2-40B4-BE49-F238E27FC236}">
+                  <a16:creationId xmlns:a16="http://schemas.microsoft.com/office/drawing/2014/main" id="{5CC3E2EC-67B3-46F4-B281-FE7B9AF51A41}"/>
+                </a:ext>
+              </a:extLst>
+            </p:cNvPr>
+            <p:cNvSpPr txBox="1"/>
+            <p:nvPr/>
+          </p:nvSpPr>
+          <p:spPr>
+            <a:xfrm>
+              <a:off x="13062029" y="13199159"/>
+              <a:ext cx="646331" cy="1711597"/>
+            </a:xfrm>
+            <a:prstGeom prst="rect">
+              <a:avLst/>
+            </a:prstGeom>
+            <a:noFill/>
+          </p:spPr>
+          <p:txBody>
+            <a:bodyPr vert="vert270" wrap="square" rtlCol="0">
+              <a:spAutoFit/>
+            </a:bodyPr>
+            <a:lstStyle/>
+            <a:p>
+              <a:pPr algn="ctr"/>
+              <a:r>
+                <a:rPr lang="en-CA" sz="3000" dirty="0"/>
+                <a:t>True Label</a:t>
+              </a:r>
+              <a:endParaRPr lang="en-US" sz="3000" dirty="0"/>
+            </a:p>
+          </p:txBody>
+        </p:sp>
+        <p:sp>
+          <p:nvSpPr>
+            <p:cNvPr id="79" name="TextBox 78">
+              <a:extLst>
+                <a:ext uri="{FF2B5EF4-FFF2-40B4-BE49-F238E27FC236}">
+                  <a16:creationId xmlns:a16="http://schemas.microsoft.com/office/drawing/2014/main" id="{49EC30C4-3E5A-42A9-A04C-4AB884060C49}"/>
+                </a:ext>
+              </a:extLst>
+            </p:cNvPr>
+            <p:cNvSpPr txBox="1"/>
+            <p:nvPr/>
+          </p:nvSpPr>
+          <p:spPr>
+            <a:xfrm>
+              <a:off x="15133743" y="16536841"/>
+              <a:ext cx="2649670" cy="553998"/>
+            </a:xfrm>
+            <a:prstGeom prst="rect">
+              <a:avLst/>
+            </a:prstGeom>
+            <a:noFill/>
+          </p:spPr>
+          <p:txBody>
+            <a:bodyPr wrap="square" rtlCol="0">
+              <a:spAutoFit/>
+            </a:bodyPr>
+            <a:lstStyle/>
+            <a:p>
+              <a:pPr algn="ctr"/>
+              <a:r>
+                <a:rPr lang="en-CA" sz="3000" dirty="0"/>
+                <a:t>Predicted Label</a:t>
+              </a:r>
+              <a:endParaRPr lang="en-US" sz="3000" dirty="0"/>
+            </a:p>
+          </p:txBody>
+        </p:sp>
+      </p:grpSp>
+      <p:grpSp>
+        <p:nvGrpSpPr>
+          <p:cNvPr id="82" name="Group 81">
+            <a:extLst>
+              <a:ext uri="{FF2B5EF4-FFF2-40B4-BE49-F238E27FC236}">
+                <a16:creationId xmlns:a16="http://schemas.microsoft.com/office/drawing/2014/main" id="{103F7812-122C-466D-B2A6-2AE0FCF9DC69}"/>
+              </a:ext>
+            </a:extLst>
+          </p:cNvPr>
+          <p:cNvGrpSpPr/>
+          <p:nvPr/>
+        </p:nvGrpSpPr>
+        <p:grpSpPr>
+          <a:xfrm>
+            <a:off x="13111559" y="19451535"/>
+            <a:ext cx="4800052" cy="4409218"/>
+            <a:chOff x="13062029" y="12681621"/>
+            <a:chExt cx="4800052" cy="4409218"/>
+          </a:xfrm>
+        </p:grpSpPr>
+        <p:sp>
+          <p:nvSpPr>
+            <p:cNvPr id="83" name="TextBox 82">
+              <a:extLst>
+                <a:ext uri="{FF2B5EF4-FFF2-40B4-BE49-F238E27FC236}">
+                  <a16:creationId xmlns:a16="http://schemas.microsoft.com/office/drawing/2014/main" id="{03FF1F8F-74D1-42ED-B105-3588630C6087}"/>
+                </a:ext>
+              </a:extLst>
+            </p:cNvPr>
+            <p:cNvSpPr txBox="1"/>
+            <p:nvPr/>
+          </p:nvSpPr>
+          <p:spPr>
+            <a:xfrm>
+              <a:off x="13664818" y="12681621"/>
+              <a:ext cx="692061" cy="553998"/>
+            </a:xfrm>
+            <a:prstGeom prst="rect">
+              <a:avLst/>
+            </a:prstGeom>
+            <a:noFill/>
+          </p:spPr>
+          <p:txBody>
+            <a:bodyPr wrap="square" rtlCol="0">
+              <a:spAutoFit/>
+            </a:bodyPr>
+            <a:lstStyle/>
+            <a:p>
+              <a:r>
+                <a:rPr lang="en-CA" sz="3000" dirty="0"/>
+                <a:t>No</a:t>
+              </a:r>
+              <a:endParaRPr lang="en-US" sz="3000" dirty="0"/>
+            </a:p>
+          </p:txBody>
+        </p:sp>
+        <p:sp>
+          <p:nvSpPr>
+            <p:cNvPr id="86" name="TextBox 85">
+              <a:extLst>
+                <a:ext uri="{FF2B5EF4-FFF2-40B4-BE49-F238E27FC236}">
+                  <a16:creationId xmlns:a16="http://schemas.microsoft.com/office/drawing/2014/main" id="{2B127A48-FCD4-43CE-9E81-3114AD7AD056}"/>
+                </a:ext>
+              </a:extLst>
+            </p:cNvPr>
+            <p:cNvSpPr txBox="1"/>
+            <p:nvPr/>
+          </p:nvSpPr>
+          <p:spPr>
+            <a:xfrm>
+              <a:off x="15101892" y="16120133"/>
+              <a:ext cx="692061" cy="553998"/>
+            </a:xfrm>
+            <a:prstGeom prst="rect">
+              <a:avLst/>
+            </a:prstGeom>
+            <a:noFill/>
+          </p:spPr>
+          <p:txBody>
+            <a:bodyPr wrap="square" rtlCol="0">
+              <a:spAutoFit/>
+            </a:bodyPr>
+            <a:lstStyle/>
+            <a:p>
+              <a:r>
+                <a:rPr lang="en-CA" sz="3000" dirty="0"/>
+                <a:t>No</a:t>
+              </a:r>
+              <a:endParaRPr lang="en-US" sz="3000" dirty="0"/>
+            </a:p>
+          </p:txBody>
+        </p:sp>
+        <p:sp>
+          <p:nvSpPr>
+            <p:cNvPr id="91" name="TextBox 90">
+              <a:extLst>
+                <a:ext uri="{FF2B5EF4-FFF2-40B4-BE49-F238E27FC236}">
+                  <a16:creationId xmlns:a16="http://schemas.microsoft.com/office/drawing/2014/main" id="{7DC8860A-9049-4902-881C-93E73AB892E1}"/>
+                </a:ext>
+              </a:extLst>
+            </p:cNvPr>
+            <p:cNvSpPr txBox="1"/>
+            <p:nvPr/>
+          </p:nvSpPr>
+          <p:spPr>
+            <a:xfrm>
+              <a:off x="13650303" y="14766195"/>
+              <a:ext cx="692061" cy="553998"/>
+            </a:xfrm>
+            <a:prstGeom prst="rect">
+              <a:avLst/>
+            </a:prstGeom>
+            <a:noFill/>
+          </p:spPr>
+          <p:txBody>
+            <a:bodyPr wrap="square" rtlCol="0">
+              <a:spAutoFit/>
+            </a:bodyPr>
+            <a:lstStyle/>
+            <a:p>
+              <a:r>
+                <a:rPr lang="en-CA" sz="3000" dirty="0"/>
+                <a:t>Yes</a:t>
+              </a:r>
+              <a:endParaRPr lang="en-US" sz="3000" dirty="0"/>
+            </a:p>
+          </p:txBody>
+        </p:sp>
+        <p:sp>
+          <p:nvSpPr>
+            <p:cNvPr id="92" name="TextBox 91">
+              <a:extLst>
+                <a:ext uri="{FF2B5EF4-FFF2-40B4-BE49-F238E27FC236}">
+                  <a16:creationId xmlns:a16="http://schemas.microsoft.com/office/drawing/2014/main" id="{3169B2A3-1B06-4C9E-B848-56E7B4F578B9}"/>
+                </a:ext>
+              </a:extLst>
+            </p:cNvPr>
+            <p:cNvSpPr txBox="1"/>
+            <p:nvPr/>
+          </p:nvSpPr>
+          <p:spPr>
+            <a:xfrm>
+              <a:off x="17170020" y="16120133"/>
+              <a:ext cx="692061" cy="553998"/>
+            </a:xfrm>
+            <a:prstGeom prst="rect">
+              <a:avLst/>
+            </a:prstGeom>
+            <a:noFill/>
+          </p:spPr>
+          <p:txBody>
+            <a:bodyPr wrap="square" rtlCol="0">
+              <a:spAutoFit/>
+            </a:bodyPr>
+            <a:lstStyle/>
+            <a:p>
+              <a:r>
+                <a:rPr lang="en-CA" sz="3000" dirty="0"/>
+                <a:t>Yes</a:t>
+              </a:r>
+              <a:endParaRPr lang="en-US" sz="3000" dirty="0"/>
+            </a:p>
+          </p:txBody>
+        </p:sp>
+        <p:sp>
+          <p:nvSpPr>
+            <p:cNvPr id="93" name="TextBox 92">
+              <a:extLst>
+                <a:ext uri="{FF2B5EF4-FFF2-40B4-BE49-F238E27FC236}">
+                  <a16:creationId xmlns:a16="http://schemas.microsoft.com/office/drawing/2014/main" id="{B5FD5C46-1FB4-431B-B3DD-ED888B374C9F}"/>
+                </a:ext>
+              </a:extLst>
+            </p:cNvPr>
+            <p:cNvSpPr txBox="1"/>
+            <p:nvPr/>
+          </p:nvSpPr>
+          <p:spPr>
+            <a:xfrm>
+              <a:off x="13062029" y="13199159"/>
+              <a:ext cx="646331" cy="1711597"/>
+            </a:xfrm>
+            <a:prstGeom prst="rect">
+              <a:avLst/>
+            </a:prstGeom>
+            <a:noFill/>
+          </p:spPr>
+          <p:txBody>
+            <a:bodyPr vert="vert270" wrap="square" rtlCol="0">
+              <a:spAutoFit/>
+            </a:bodyPr>
+            <a:lstStyle/>
+            <a:p>
+              <a:pPr algn="ctr"/>
+              <a:r>
+                <a:rPr lang="en-CA" sz="3000" dirty="0"/>
+                <a:t>True Label</a:t>
+              </a:r>
+              <a:endParaRPr lang="en-US" sz="3000" dirty="0"/>
+            </a:p>
+          </p:txBody>
+        </p:sp>
+        <p:sp>
+          <p:nvSpPr>
+            <p:cNvPr id="95" name="TextBox 94">
+              <a:extLst>
+                <a:ext uri="{FF2B5EF4-FFF2-40B4-BE49-F238E27FC236}">
+                  <a16:creationId xmlns:a16="http://schemas.microsoft.com/office/drawing/2014/main" id="{4056187F-302F-4E12-9C70-F934525AF588}"/>
+                </a:ext>
+              </a:extLst>
+            </p:cNvPr>
+            <p:cNvSpPr txBox="1"/>
+            <p:nvPr/>
+          </p:nvSpPr>
+          <p:spPr>
+            <a:xfrm>
+              <a:off x="15133743" y="16536841"/>
+              <a:ext cx="2649670" cy="553998"/>
+            </a:xfrm>
+            <a:prstGeom prst="rect">
+              <a:avLst/>
+            </a:prstGeom>
+            <a:noFill/>
+          </p:spPr>
+          <p:txBody>
+            <a:bodyPr wrap="square" rtlCol="0">
+              <a:spAutoFit/>
+            </a:bodyPr>
+            <a:lstStyle/>
+            <a:p>
+              <a:pPr algn="ctr"/>
+              <a:r>
+                <a:rPr lang="en-CA" sz="3000" dirty="0"/>
+                <a:t>Predicted Label</a:t>
+              </a:r>
+              <a:endParaRPr lang="en-US" sz="3000" dirty="0"/>
+            </a:p>
+          </p:txBody>
+        </p:sp>
+      </p:grpSp>
+      <p:grpSp>
+        <p:nvGrpSpPr>
+          <p:cNvPr id="96" name="Group 95">
+            <a:extLst>
+              <a:ext uri="{FF2B5EF4-FFF2-40B4-BE49-F238E27FC236}">
+                <a16:creationId xmlns:a16="http://schemas.microsoft.com/office/drawing/2014/main" id="{56AB37A4-A5F2-4583-AE06-CC0FB50586DC}"/>
+              </a:ext>
+            </a:extLst>
+          </p:cNvPr>
+          <p:cNvGrpSpPr/>
+          <p:nvPr/>
+        </p:nvGrpSpPr>
+        <p:grpSpPr>
+          <a:xfrm>
+            <a:off x="13136796" y="26296914"/>
+            <a:ext cx="4800052" cy="4409218"/>
+            <a:chOff x="13062029" y="12681621"/>
+            <a:chExt cx="4800052" cy="4409218"/>
+          </a:xfrm>
+        </p:grpSpPr>
+        <p:sp>
+          <p:nvSpPr>
+            <p:cNvPr id="97" name="TextBox 96">
+              <a:extLst>
+                <a:ext uri="{FF2B5EF4-FFF2-40B4-BE49-F238E27FC236}">
+                  <a16:creationId xmlns:a16="http://schemas.microsoft.com/office/drawing/2014/main" id="{0A61C713-C362-48D7-8960-0B1BF3BF3B9C}"/>
+                </a:ext>
+              </a:extLst>
+            </p:cNvPr>
+            <p:cNvSpPr txBox="1"/>
+            <p:nvPr/>
+          </p:nvSpPr>
+          <p:spPr>
+            <a:xfrm>
+              <a:off x="13664818" y="12681621"/>
+              <a:ext cx="692061" cy="553998"/>
+            </a:xfrm>
+            <a:prstGeom prst="rect">
+              <a:avLst/>
+            </a:prstGeom>
+            <a:noFill/>
+          </p:spPr>
+          <p:txBody>
+            <a:bodyPr wrap="square" rtlCol="0">
+              <a:spAutoFit/>
+            </a:bodyPr>
+            <a:lstStyle/>
+            <a:p>
+              <a:r>
+                <a:rPr lang="en-CA" sz="3000" dirty="0"/>
+                <a:t>No</a:t>
+              </a:r>
+              <a:endParaRPr lang="en-US" sz="3000" dirty="0"/>
+            </a:p>
+          </p:txBody>
+        </p:sp>
+        <p:sp>
+          <p:nvSpPr>
+            <p:cNvPr id="98" name="TextBox 97">
+              <a:extLst>
+                <a:ext uri="{FF2B5EF4-FFF2-40B4-BE49-F238E27FC236}">
+                  <a16:creationId xmlns:a16="http://schemas.microsoft.com/office/drawing/2014/main" id="{9A49336F-A1B7-4B4B-9E24-5D67F7A328F3}"/>
+                </a:ext>
+              </a:extLst>
+            </p:cNvPr>
+            <p:cNvSpPr txBox="1"/>
+            <p:nvPr/>
+          </p:nvSpPr>
+          <p:spPr>
+            <a:xfrm>
+              <a:off x="15101892" y="16120133"/>
+              <a:ext cx="692061" cy="553998"/>
+            </a:xfrm>
+            <a:prstGeom prst="rect">
+              <a:avLst/>
+            </a:prstGeom>
+            <a:noFill/>
+          </p:spPr>
+          <p:txBody>
+            <a:bodyPr wrap="square" rtlCol="0">
+              <a:spAutoFit/>
+            </a:bodyPr>
+            <a:lstStyle/>
+            <a:p>
+              <a:r>
+                <a:rPr lang="en-CA" sz="3000" dirty="0"/>
+                <a:t>No</a:t>
+              </a:r>
+              <a:endParaRPr lang="en-US" sz="3000" dirty="0"/>
+            </a:p>
+          </p:txBody>
+        </p:sp>
+        <p:sp>
+          <p:nvSpPr>
+            <p:cNvPr id="100" name="TextBox 99">
+              <a:extLst>
+                <a:ext uri="{FF2B5EF4-FFF2-40B4-BE49-F238E27FC236}">
+                  <a16:creationId xmlns:a16="http://schemas.microsoft.com/office/drawing/2014/main" id="{A3941F6E-4AF5-4FF8-B1B9-7A97430E5023}"/>
+                </a:ext>
+              </a:extLst>
+            </p:cNvPr>
+            <p:cNvSpPr txBox="1"/>
+            <p:nvPr/>
+          </p:nvSpPr>
+          <p:spPr>
+            <a:xfrm>
+              <a:off x="13650303" y="14766195"/>
+              <a:ext cx="692061" cy="553998"/>
+            </a:xfrm>
+            <a:prstGeom prst="rect">
+              <a:avLst/>
+            </a:prstGeom>
+            <a:noFill/>
+          </p:spPr>
+          <p:txBody>
+            <a:bodyPr wrap="square" rtlCol="0">
+              <a:spAutoFit/>
+            </a:bodyPr>
+            <a:lstStyle/>
+            <a:p>
+              <a:r>
+                <a:rPr lang="en-CA" sz="3000" dirty="0"/>
+                <a:t>Yes</a:t>
+              </a:r>
+              <a:endParaRPr lang="en-US" sz="3000" dirty="0"/>
+            </a:p>
+          </p:txBody>
+        </p:sp>
+        <p:sp>
+          <p:nvSpPr>
+            <p:cNvPr id="101" name="TextBox 100">
+              <a:extLst>
+                <a:ext uri="{FF2B5EF4-FFF2-40B4-BE49-F238E27FC236}">
+                  <a16:creationId xmlns:a16="http://schemas.microsoft.com/office/drawing/2014/main" id="{20880585-7C30-4F28-AEA1-FF8976D8560A}"/>
+                </a:ext>
+              </a:extLst>
+            </p:cNvPr>
+            <p:cNvSpPr txBox="1"/>
+            <p:nvPr/>
+          </p:nvSpPr>
+          <p:spPr>
+            <a:xfrm>
+              <a:off x="17170020" y="16120133"/>
+              <a:ext cx="692061" cy="553998"/>
+            </a:xfrm>
+            <a:prstGeom prst="rect">
+              <a:avLst/>
+            </a:prstGeom>
+            <a:noFill/>
+          </p:spPr>
+          <p:txBody>
+            <a:bodyPr wrap="square" rtlCol="0">
+              <a:spAutoFit/>
+            </a:bodyPr>
+            <a:lstStyle/>
+            <a:p>
+              <a:r>
+                <a:rPr lang="en-CA" sz="3000" dirty="0"/>
+                <a:t>Yes</a:t>
+              </a:r>
+              <a:endParaRPr lang="en-US" sz="3000" dirty="0"/>
+            </a:p>
+          </p:txBody>
+        </p:sp>
+        <p:sp>
+          <p:nvSpPr>
+            <p:cNvPr id="104" name="TextBox 103">
+              <a:extLst>
+                <a:ext uri="{FF2B5EF4-FFF2-40B4-BE49-F238E27FC236}">
+                  <a16:creationId xmlns:a16="http://schemas.microsoft.com/office/drawing/2014/main" id="{064FDAC8-3280-4F85-8419-1920A8985622}"/>
+                </a:ext>
+              </a:extLst>
+            </p:cNvPr>
+            <p:cNvSpPr txBox="1"/>
+            <p:nvPr/>
+          </p:nvSpPr>
+          <p:spPr>
+            <a:xfrm>
+              <a:off x="13062029" y="13199159"/>
+              <a:ext cx="646331" cy="1711597"/>
+            </a:xfrm>
+            <a:prstGeom prst="rect">
+              <a:avLst/>
+            </a:prstGeom>
+            <a:noFill/>
+          </p:spPr>
+          <p:txBody>
+            <a:bodyPr vert="vert270" wrap="square" rtlCol="0">
+              <a:spAutoFit/>
+            </a:bodyPr>
+            <a:lstStyle/>
+            <a:p>
+              <a:pPr algn="ctr"/>
+              <a:r>
+                <a:rPr lang="en-CA" sz="3000" dirty="0"/>
+                <a:t>True Label</a:t>
+              </a:r>
+              <a:endParaRPr lang="en-US" sz="3000" dirty="0"/>
+            </a:p>
+          </p:txBody>
+        </p:sp>
+        <p:sp>
+          <p:nvSpPr>
+            <p:cNvPr id="106" name="TextBox 105">
+              <a:extLst>
+                <a:ext uri="{FF2B5EF4-FFF2-40B4-BE49-F238E27FC236}">
+                  <a16:creationId xmlns:a16="http://schemas.microsoft.com/office/drawing/2014/main" id="{4405FEF9-EA5F-4AB6-8F3F-5C177B854483}"/>
+                </a:ext>
+              </a:extLst>
+            </p:cNvPr>
+            <p:cNvSpPr txBox="1"/>
+            <p:nvPr/>
+          </p:nvSpPr>
+          <p:spPr>
+            <a:xfrm>
+              <a:off x="15133743" y="16536841"/>
+              <a:ext cx="2649670" cy="553998"/>
+            </a:xfrm>
+            <a:prstGeom prst="rect">
+              <a:avLst/>
+            </a:prstGeom>
+            <a:noFill/>
+          </p:spPr>
+          <p:txBody>
+            <a:bodyPr wrap="square" rtlCol="0">
+              <a:spAutoFit/>
+            </a:bodyPr>
+            <a:lstStyle/>
+            <a:p>
+              <a:pPr algn="ctr"/>
+              <a:r>
+                <a:rPr lang="en-CA" sz="3000" dirty="0"/>
+                <a:t>Predicted Label</a:t>
+              </a:r>
+              <a:endParaRPr lang="en-US" sz="3000" dirty="0"/>
+            </a:p>
+          </p:txBody>
+        </p:sp>
+      </p:grpSp>
+      <p:graphicFrame>
+        <p:nvGraphicFramePr>
+          <p:cNvPr id="107" name="Table 106">
+            <a:extLst>
+              <a:ext uri="{FF2B5EF4-FFF2-40B4-BE49-F238E27FC236}">
+                <a16:creationId xmlns:a16="http://schemas.microsoft.com/office/drawing/2014/main" id="{64C7167B-4CEF-450B-93B9-70B4EB591BC3}"/>
+              </a:ext>
+            </a:extLst>
+          </p:cNvPr>
+          <p:cNvGraphicFramePr>
+            <a:graphicFrameLocks noGrp="1"/>
+          </p:cNvGraphicFramePr>
+          <p:nvPr>
+            <p:extLst>
+              <p:ext uri="{D42A27DB-BD31-4B8C-83A1-F6EECF244321}">
+                <p14:modId xmlns:p14="http://schemas.microsoft.com/office/powerpoint/2010/main" val="1676453978"/>
+              </p:ext>
+            </p:extLst>
+          </p:nvPr>
+        </p:nvGraphicFramePr>
+        <p:xfrm>
+          <a:off x="23072086" y="7085630"/>
+          <a:ext cx="8991605" cy="1886857"/>
+        </p:xfrm>
+        <a:graphic>
+          <a:graphicData uri="http://schemas.openxmlformats.org/drawingml/2006/table">
+            <a:tbl>
+              <a:tblPr firstRow="1" bandRow="1">
+                <a:tableStyleId>{5C22544A-7EE6-4342-B048-85BDC9FD1C3A}</a:tableStyleId>
+              </a:tblPr>
+              <a:tblGrid>
+                <a:gridCol w="2008600">
+                  <a:extLst>
+                    <a:ext uri="{9D8B030D-6E8A-4147-A177-3AD203B41FA5}">
+                      <a16:colId xmlns:a16="http://schemas.microsoft.com/office/drawing/2014/main" val="2858605107"/>
+                    </a:ext>
+                  </a:extLst>
+                </a:gridCol>
+                <a:gridCol w="1396601">
+                  <a:extLst>
+                    <a:ext uri="{9D8B030D-6E8A-4147-A177-3AD203B41FA5}">
+                      <a16:colId xmlns:a16="http://schemas.microsoft.com/office/drawing/2014/main" val="258195668"/>
+                    </a:ext>
+                  </a:extLst>
+                </a:gridCol>
+                <a:gridCol w="1396601">
+                  <a:extLst>
+                    <a:ext uri="{9D8B030D-6E8A-4147-A177-3AD203B41FA5}">
+                      <a16:colId xmlns:a16="http://schemas.microsoft.com/office/drawing/2014/main" val="3170654178"/>
+                    </a:ext>
+                  </a:extLst>
+                </a:gridCol>
+                <a:gridCol w="1396601">
+                  <a:extLst>
+                    <a:ext uri="{9D8B030D-6E8A-4147-A177-3AD203B41FA5}">
+                      <a16:colId xmlns:a16="http://schemas.microsoft.com/office/drawing/2014/main" val="3024664962"/>
+                    </a:ext>
+                  </a:extLst>
+                </a:gridCol>
+                <a:gridCol w="1396601">
+                  <a:extLst>
+                    <a:ext uri="{9D8B030D-6E8A-4147-A177-3AD203B41FA5}">
+                      <a16:colId xmlns:a16="http://schemas.microsoft.com/office/drawing/2014/main" val="1422594885"/>
+                    </a:ext>
+                  </a:extLst>
+                </a:gridCol>
+                <a:gridCol w="1396601">
+                  <a:extLst>
+                    <a:ext uri="{9D8B030D-6E8A-4147-A177-3AD203B41FA5}">
+                      <a16:colId xmlns:a16="http://schemas.microsoft.com/office/drawing/2014/main" val="2476133065"/>
+                    </a:ext>
+                  </a:extLst>
+                </a:gridCol>
+              </a:tblGrid>
+              <a:tr h="446504">
+                <a:tc rowSpan="2">
+                  <a:txBody>
+                    <a:bodyPr/>
+                    <a:lstStyle/>
+                    <a:p>
+                      <a:pPr algn="ctr"/>
+                      <a:endParaRPr lang="en-US" sz="2400" dirty="0"/>
+                    </a:p>
+                  </a:txBody>
+                  <a:tcPr anchor="ctr">
+                    <a:lnL w="12700" cap="flat" cmpd="sng" algn="ctr">
+                      <a:noFill/>
+                      <a:prstDash val="solid"/>
+                      <a:round/>
+                      <a:headEnd type="none" w="med" len="med"/>
+                      <a:tailEnd type="none" w="med" len="med"/>
+                    </a:lnL>
+                    <a:lnR w="28575" cap="flat" cmpd="sng" algn="ctr">
+                      <a:solidFill>
+                        <a:schemeClr val="tx1"/>
+                      </a:solidFill>
+                      <a:prstDash val="solid"/>
+                      <a:round/>
+                      <a:headEnd type="none" w="med" len="med"/>
+                      <a:tailEnd type="none" w="med" len="med"/>
+                    </a:lnR>
+                    <a:lnT w="12700" cap="flat" cmpd="sng" algn="ctr">
+                      <a:noFill/>
+                      <a:prstDash val="solid"/>
+                      <a:round/>
+                      <a:headEnd type="none" w="med" len="med"/>
+                      <a:tailEnd type="none" w="med" len="med"/>
+                    </a:lnT>
+                    <a:lnB w="28575" cap="flat" cmpd="sng" algn="ctr">
+                      <a:solidFill>
+                        <a:schemeClr val="tx1"/>
+                      </a:solidFill>
+                      <a:prstDash val="solid"/>
+                      <a:round/>
+                      <a:headEnd type="none" w="med" len="med"/>
+                      <a:tailEnd type="none" w="med" len="med"/>
+                    </a:lnB>
+                    <a:lnTlToBr w="12700" cmpd="sng">
+                      <a:noFill/>
+                      <a:prstDash val="solid"/>
+                    </a:lnTlToBr>
+                    <a:lnBlToTr w="12700" cmpd="sng">
+                      <a:noFill/>
+                      <a:prstDash val="solid"/>
+                    </a:lnBlToTr>
+                    <a:noFill/>
+                  </a:tcPr>
+                </a:tc>
+                <a:tc gridSpan="2">
+                  <a:txBody>
+                    <a:bodyPr/>
+                    <a:lstStyle/>
+                    <a:p>
+                      <a:pPr algn="ctr"/>
+                      <a:r>
+                        <a:rPr lang="en-CA" sz="2400" dirty="0">
+                          <a:solidFill>
+                            <a:sysClr val="windowText" lastClr="000000"/>
+                          </a:solidFill>
+                        </a:rPr>
+                        <a:t>SVM</a:t>
+                      </a:r>
+                      <a:endParaRPr lang="en-US" sz="2400" dirty="0">
+                        <a:solidFill>
+                          <a:sysClr val="windowText" lastClr="000000"/>
+                        </a:solidFill>
+                      </a:endParaRPr>
+                    </a:p>
+                  </a:txBody>
+                  <a:tcPr anchor="ctr">
+                    <a:lnL w="28575" cap="flat" cmpd="sng" algn="ctr">
+                      <a:solidFill>
+                        <a:schemeClr val="tx1"/>
+                      </a:solidFill>
+                      <a:prstDash val="solid"/>
+                      <a:round/>
+                      <a:headEnd type="none" w="med" len="med"/>
+                      <a:tailEnd type="none" w="med" len="med"/>
+                    </a:lnL>
+                    <a:lnR w="12700" cap="flat" cmpd="sng" algn="ctr">
+                      <a:solidFill>
+                        <a:schemeClr val="tx1"/>
+                      </a:solidFill>
+                      <a:prstDash val="solid"/>
+                      <a:round/>
+                      <a:headEnd type="none" w="med" len="med"/>
+                      <a:tailEnd type="none" w="med" len="med"/>
+                    </a:lnR>
+                    <a:lnT w="12700" cap="flat" cmpd="sng" algn="ctr">
+                      <a:noFill/>
+                      <a:prstDash val="solid"/>
+                      <a:round/>
+                      <a:headEnd type="none" w="med" len="med"/>
+                      <a:tailEnd type="none" w="med" len="med"/>
+                    </a:lnT>
+                    <a:lnB w="28575" cap="flat" cmpd="sng" algn="ctr">
+                      <a:noFill/>
+                      <a:prstDash val="solid"/>
+                      <a:round/>
+                      <a:headEnd type="none" w="med" len="med"/>
+                      <a:tailEnd type="none" w="med" len="med"/>
+                    </a:lnB>
+                    <a:lnTlToBr w="12700" cmpd="sng">
+                      <a:noFill/>
+                      <a:prstDash val="solid"/>
+                    </a:lnTlToBr>
+                    <a:lnBlToTr w="12700" cmpd="sng">
+                      <a:noFill/>
+                      <a:prstDash val="solid"/>
+                    </a:lnBlToTr>
+                    <a:noFill/>
+                  </a:tcPr>
+                </a:tc>
+                <a:tc hMerge="1">
+                  <a:txBody>
+                    <a:bodyPr/>
+                    <a:lstStyle/>
+                    <a:p>
+                      <a:pPr algn="ctr"/>
+                      <a:endParaRPr lang="en-US" sz="2400" dirty="0">
+                        <a:solidFill>
+                          <a:sysClr val="windowText" lastClr="000000"/>
+                        </a:solidFill>
+                      </a:endParaRPr>
+                    </a:p>
+                  </a:txBody>
+                  <a:tcPr anchor="ctr">
+                    <a:lnL w="12700" cap="flat" cmpd="sng" algn="ctr">
+                      <a:solidFill>
+                        <a:schemeClr val="tx1"/>
+                      </a:solidFill>
+                      <a:prstDash val="solid"/>
+                      <a:round/>
+                      <a:headEnd type="none" w="med" len="med"/>
+                      <a:tailEnd type="none" w="med" len="med"/>
+                    </a:lnL>
+                    <a:lnR w="12700" cap="flat" cmpd="sng" algn="ctr">
+                      <a:solidFill>
+                        <a:schemeClr val="tx1"/>
+                      </a:solidFill>
+                      <a:prstDash val="solid"/>
+                      <a:round/>
+                      <a:headEnd type="none" w="med" len="med"/>
+                      <a:tailEnd type="none" w="med" len="med"/>
+                    </a:lnR>
+                    <a:lnT w="12700" cap="flat" cmpd="sng" algn="ctr">
+                      <a:noFill/>
+                      <a:prstDash val="solid"/>
+                      <a:round/>
+                      <a:headEnd type="none" w="med" len="med"/>
+                      <a:tailEnd type="none" w="med" len="med"/>
+                    </a:lnT>
+                    <a:lnB w="28575" cap="flat" cmpd="sng" algn="ctr">
+                      <a:solidFill>
+                        <a:schemeClr val="tx1"/>
+                      </a:solidFill>
+                      <a:prstDash val="solid"/>
+                      <a:round/>
+                      <a:headEnd type="none" w="med" len="med"/>
+                      <a:tailEnd type="none" w="med" len="med"/>
+                    </a:lnB>
+                    <a:lnTlToBr w="12700" cmpd="sng">
+                      <a:noFill/>
+                      <a:prstDash val="solid"/>
+                    </a:lnTlToBr>
+                    <a:lnBlToTr w="12700" cmpd="sng">
+                      <a:noFill/>
+                      <a:prstDash val="solid"/>
+                    </a:lnBlToTr>
+                    <a:noFill/>
+                  </a:tcPr>
+                </a:tc>
+                <a:tc rowSpan="2">
+                  <a:txBody>
+                    <a:bodyPr/>
+                    <a:lstStyle/>
+                    <a:p>
+                      <a:pPr algn="ctr"/>
+                      <a:r>
+                        <a:rPr lang="en-CA" sz="2400" dirty="0">
+                          <a:solidFill>
+                            <a:sysClr val="windowText" lastClr="000000"/>
+                          </a:solidFill>
+                        </a:rPr>
+                        <a:t>GBDT</a:t>
+                      </a:r>
+                      <a:endParaRPr lang="en-US" sz="2400" dirty="0">
+                        <a:solidFill>
+                          <a:sysClr val="windowText" lastClr="000000"/>
+                        </a:solidFill>
+                      </a:endParaRPr>
+                    </a:p>
+                  </a:txBody>
+                  <a:tcPr anchor="ctr">
+                    <a:lnL w="12700" cap="flat" cmpd="sng" algn="ctr">
+                      <a:solidFill>
+                        <a:schemeClr val="tx1"/>
+                      </a:solidFill>
+                      <a:prstDash val="solid"/>
+                      <a:round/>
+                      <a:headEnd type="none" w="med" len="med"/>
+                      <a:tailEnd type="none" w="med" len="med"/>
+                    </a:lnL>
+                    <a:lnR w="12700" cap="flat" cmpd="sng" algn="ctr">
+                      <a:solidFill>
+                        <a:schemeClr val="tx1"/>
+                      </a:solidFill>
+                      <a:prstDash val="solid"/>
+                      <a:round/>
+                      <a:headEnd type="none" w="med" len="med"/>
+                      <a:tailEnd type="none" w="med" len="med"/>
+                    </a:lnR>
+                    <a:lnT w="12700" cap="flat" cmpd="sng" algn="ctr">
+                      <a:noFill/>
+                      <a:prstDash val="solid"/>
+                      <a:round/>
+                      <a:headEnd type="none" w="med" len="med"/>
+                      <a:tailEnd type="none" w="med" len="med"/>
+                    </a:lnT>
+                    <a:lnB w="28575" cap="flat" cmpd="sng" algn="ctr">
+                      <a:solidFill>
+                        <a:schemeClr val="tx1"/>
+                      </a:solidFill>
+                      <a:prstDash val="solid"/>
+                      <a:round/>
+                      <a:headEnd type="none" w="med" len="med"/>
+                      <a:tailEnd type="none" w="med" len="med"/>
+                    </a:lnB>
+                    <a:lnTlToBr w="12700" cmpd="sng">
+                      <a:noFill/>
+                      <a:prstDash val="solid"/>
+                    </a:lnTlToBr>
+                    <a:lnBlToTr w="12700" cmpd="sng">
+                      <a:noFill/>
+                      <a:prstDash val="solid"/>
+                    </a:lnBlToTr>
+                    <a:noFill/>
+                  </a:tcPr>
+                </a:tc>
+                <a:tc rowSpan="2">
+                  <a:txBody>
+                    <a:bodyPr/>
+                    <a:lstStyle/>
+                    <a:p>
+                      <a:pPr algn="ctr"/>
+                      <a:r>
+                        <a:rPr lang="en-CA" sz="2400" dirty="0">
+                          <a:solidFill>
+                            <a:sysClr val="windowText" lastClr="000000"/>
+                          </a:solidFill>
+                        </a:rPr>
+                        <a:t>CNN</a:t>
+                      </a:r>
+                      <a:endParaRPr lang="en-US" sz="2400" dirty="0">
+                        <a:solidFill>
+                          <a:sysClr val="windowText" lastClr="000000"/>
+                        </a:solidFill>
+                      </a:endParaRPr>
+                    </a:p>
+                  </a:txBody>
+                  <a:tcPr anchor="ctr">
+                    <a:lnL w="12700" cap="flat" cmpd="sng" algn="ctr">
+                      <a:solidFill>
+                        <a:schemeClr val="tx1"/>
+                      </a:solidFill>
+                      <a:prstDash val="solid"/>
+                      <a:round/>
+                      <a:headEnd type="none" w="med" len="med"/>
+                      <a:tailEnd type="none" w="med" len="med"/>
+                    </a:lnL>
+                    <a:lnR w="28575" cap="flat" cmpd="sng" algn="ctr">
+                      <a:solidFill>
+                        <a:schemeClr val="tx1"/>
+                      </a:solidFill>
+                      <a:prstDash val="solid"/>
+                      <a:round/>
+                      <a:headEnd type="none" w="med" len="med"/>
+                      <a:tailEnd type="none" w="med" len="med"/>
+                    </a:lnR>
+                    <a:lnT w="12700" cap="flat" cmpd="sng" algn="ctr">
+                      <a:noFill/>
+                      <a:prstDash val="solid"/>
+                      <a:round/>
+                      <a:headEnd type="none" w="med" len="med"/>
+                      <a:tailEnd type="none" w="med" len="med"/>
+                    </a:lnT>
+                    <a:lnB w="28575" cap="flat" cmpd="sng" algn="ctr">
+                      <a:solidFill>
+                        <a:schemeClr val="tx1"/>
+                      </a:solidFill>
+                      <a:prstDash val="solid"/>
+                      <a:round/>
+                      <a:headEnd type="none" w="med" len="med"/>
+                      <a:tailEnd type="none" w="med" len="med"/>
+                    </a:lnB>
+                    <a:lnTlToBr w="12700" cmpd="sng">
+                      <a:noFill/>
+                      <a:prstDash val="solid"/>
+                    </a:lnTlToBr>
+                    <a:lnBlToTr w="12700" cmpd="sng">
+                      <a:noFill/>
+                      <a:prstDash val="solid"/>
+                    </a:lnBlToTr>
+                    <a:noFill/>
+                  </a:tcPr>
+                </a:tc>
+                <a:tc rowSpan="2">
+                  <a:txBody>
+                    <a:bodyPr/>
+                    <a:lstStyle/>
+                    <a:p>
+                      <a:pPr algn="ctr"/>
+                      <a:r>
+                        <a:rPr lang="en-CA" sz="2400" dirty="0">
+                          <a:solidFill>
+                            <a:sysClr val="windowText" lastClr="000000"/>
+                          </a:solidFill>
+                        </a:rPr>
+                        <a:t>Random</a:t>
+                      </a:r>
+                      <a:endParaRPr lang="en-US" sz="2400" dirty="0">
+                        <a:solidFill>
+                          <a:sysClr val="windowText" lastClr="000000"/>
+                        </a:solidFill>
+                      </a:endParaRPr>
+                    </a:p>
+                  </a:txBody>
+                  <a:tcPr anchor="ctr">
+                    <a:lnL w="28575" cap="flat" cmpd="sng" algn="ctr">
+                      <a:solidFill>
+                        <a:schemeClr val="tx1"/>
+                      </a:solidFill>
+                      <a:prstDash val="solid"/>
+                      <a:round/>
+                      <a:headEnd type="none" w="med" len="med"/>
+                      <a:tailEnd type="none" w="med" len="med"/>
+                    </a:lnL>
+                    <a:lnR w="12700" cap="flat" cmpd="sng" algn="ctr">
+                      <a:noFill/>
+                      <a:prstDash val="solid"/>
+                      <a:round/>
+                      <a:headEnd type="none" w="med" len="med"/>
+                      <a:tailEnd type="none" w="med" len="med"/>
+                    </a:lnR>
+                    <a:lnT w="12700" cap="flat" cmpd="sng" algn="ctr">
+                      <a:noFill/>
+                      <a:prstDash val="solid"/>
+                      <a:round/>
+                      <a:headEnd type="none" w="med" len="med"/>
+                      <a:tailEnd type="none" w="med" len="med"/>
+                    </a:lnT>
+                    <a:lnB w="28575" cap="flat" cmpd="sng" algn="ctr">
+                      <a:solidFill>
+                        <a:schemeClr val="tx1"/>
+                      </a:solidFill>
+                      <a:prstDash val="solid"/>
+                      <a:round/>
+                      <a:headEnd type="none" w="med" len="med"/>
+                      <a:tailEnd type="none" w="med" len="med"/>
+                    </a:lnB>
+                    <a:lnTlToBr w="12700" cmpd="sng">
+                      <a:noFill/>
+                      <a:prstDash val="solid"/>
+                    </a:lnTlToBr>
+                    <a:lnBlToTr w="12700" cmpd="sng">
+                      <a:noFill/>
+                      <a:prstDash val="solid"/>
+                    </a:lnBlToTr>
+                    <a:noFill/>
+                  </a:tcPr>
+                </a:tc>
+                <a:extLst>
+                  <a:ext uri="{0D108BD9-81ED-4DB2-BD59-A6C34878D82A}">
+                    <a16:rowId xmlns:a16="http://schemas.microsoft.com/office/drawing/2014/main" val="362632471"/>
+                  </a:ext>
+                </a:extLst>
+              </a:tr>
+              <a:tr h="446504">
+                <a:tc vMerge="1">
+                  <a:txBody>
+                    <a:bodyPr/>
+                    <a:lstStyle/>
+                    <a:p>
+                      <a:endParaRPr lang="en-US"/>
+                    </a:p>
+                  </a:txBody>
+                  <a:tcPr/>
+                </a:tc>
+                <a:tc>
+                  <a:txBody>
+                    <a:bodyPr/>
+                    <a:lstStyle/>
+                    <a:p>
+                      <a:pPr algn="ctr"/>
+                      <a:r>
+                        <a:rPr lang="en-CA" sz="2400" dirty="0">
+                          <a:solidFill>
+                            <a:sysClr val="windowText" lastClr="000000"/>
+                          </a:solidFill>
+                        </a:rPr>
+                        <a:t>1 vs 1</a:t>
+                      </a:r>
+                      <a:endParaRPr lang="en-US" sz="2400" dirty="0">
+                        <a:solidFill>
+                          <a:sysClr val="windowText" lastClr="000000"/>
+                        </a:solidFill>
+                      </a:endParaRPr>
+                    </a:p>
+                  </a:txBody>
+                  <a:tcPr anchor="ctr">
+                    <a:lnL w="28575" cap="flat" cmpd="sng" algn="ctr">
+                      <a:solidFill>
+                        <a:schemeClr val="tx1"/>
+                      </a:solidFill>
+                      <a:prstDash val="solid"/>
+                      <a:round/>
+                      <a:headEnd type="none" w="med" len="med"/>
+                      <a:tailEnd type="none" w="med" len="med"/>
+                    </a:lnL>
+                    <a:lnR w="12700" cap="flat" cmpd="sng" algn="ctr">
+                      <a:solidFill>
+                        <a:schemeClr val="tx1"/>
+                      </a:solidFill>
+                      <a:prstDash val="solid"/>
+                      <a:round/>
+                      <a:headEnd type="none" w="med" len="med"/>
+                      <a:tailEnd type="none" w="med" len="med"/>
+                    </a:lnR>
+                    <a:lnT w="28575" cap="flat" cmpd="sng" algn="ctr">
+                      <a:noFill/>
+                      <a:prstDash val="solid"/>
+                      <a:round/>
+                      <a:headEnd type="none" w="med" len="med"/>
+                      <a:tailEnd type="none" w="med" len="med"/>
+                    </a:lnT>
+                    <a:lnB w="28575" cap="flat" cmpd="sng" algn="ctr">
+                      <a:solidFill>
+                        <a:schemeClr val="tx1"/>
+                      </a:solidFill>
+                      <a:prstDash val="solid"/>
+                      <a:round/>
+                      <a:headEnd type="none" w="med" len="med"/>
+                      <a:tailEnd type="none" w="med" len="med"/>
+                    </a:lnB>
+                    <a:lnTlToBr w="12700" cmpd="sng">
+                      <a:noFill/>
+                      <a:prstDash val="solid"/>
+                    </a:lnTlToBr>
+                    <a:lnBlToTr w="12700" cmpd="sng">
+                      <a:noFill/>
+                      <a:prstDash val="solid"/>
+                    </a:lnBlToTr>
+                    <a:noFill/>
+                  </a:tcPr>
+                </a:tc>
+                <a:tc>
+                  <a:txBody>
+                    <a:bodyPr/>
+                    <a:lstStyle/>
+                    <a:p>
+                      <a:pPr algn="ctr"/>
+                      <a:r>
+                        <a:rPr lang="en-CA" sz="2400" dirty="0">
+                          <a:solidFill>
+                            <a:sysClr val="windowText" lastClr="000000"/>
+                          </a:solidFill>
+                        </a:rPr>
+                        <a:t>1 vs All</a:t>
+                      </a:r>
+                      <a:endParaRPr lang="en-US" sz="2400" dirty="0">
+                        <a:solidFill>
+                          <a:sysClr val="windowText" lastClr="000000"/>
+                        </a:solidFill>
+                      </a:endParaRPr>
+                    </a:p>
+                  </a:txBody>
+                  <a:tcPr anchor="ctr">
+                    <a:lnL w="12700" cap="flat" cmpd="sng" algn="ctr">
+                      <a:solidFill>
+                        <a:schemeClr val="tx1"/>
+                      </a:solidFill>
+                      <a:prstDash val="solid"/>
+                      <a:round/>
+                      <a:headEnd type="none" w="med" len="med"/>
+                      <a:tailEnd type="none" w="med" len="med"/>
+                    </a:lnL>
+                    <a:lnR w="12700" cap="flat" cmpd="sng" algn="ctr">
+                      <a:solidFill>
+                        <a:schemeClr val="tx1"/>
+                      </a:solidFill>
+                      <a:prstDash val="solid"/>
+                      <a:round/>
+                      <a:headEnd type="none" w="med" len="med"/>
+                      <a:tailEnd type="none" w="med" len="med"/>
+                    </a:lnR>
+                    <a:lnT w="28575" cap="flat" cmpd="sng" algn="ctr">
+                      <a:noFill/>
+                      <a:prstDash val="solid"/>
+                      <a:round/>
+                      <a:headEnd type="none" w="med" len="med"/>
+                      <a:tailEnd type="none" w="med" len="med"/>
+                    </a:lnT>
+                    <a:lnB w="28575" cap="flat" cmpd="sng" algn="ctr">
+                      <a:solidFill>
+                        <a:schemeClr val="tx1"/>
+                      </a:solidFill>
+                      <a:prstDash val="solid"/>
+                      <a:round/>
+                      <a:headEnd type="none" w="med" len="med"/>
+                      <a:tailEnd type="none" w="med" len="med"/>
+                    </a:lnB>
+                    <a:lnTlToBr w="12700" cmpd="sng">
+                      <a:noFill/>
+                      <a:prstDash val="solid"/>
+                    </a:lnTlToBr>
+                    <a:lnBlToTr w="12700" cmpd="sng">
+                      <a:noFill/>
+                      <a:prstDash val="solid"/>
+                    </a:lnBlToTr>
+                    <a:noFill/>
+                  </a:tcPr>
+                </a:tc>
+                <a:tc vMerge="1">
+                  <a:txBody>
+                    <a:bodyPr/>
+                    <a:lstStyle/>
+                    <a:p>
+                      <a:endParaRPr lang="en-US"/>
+                    </a:p>
+                  </a:txBody>
+                  <a:tcPr/>
+                </a:tc>
+                <a:tc vMerge="1">
+                  <a:txBody>
+                    <a:bodyPr/>
+                    <a:lstStyle/>
+                    <a:p>
+                      <a:endParaRPr lang="en-US"/>
+                    </a:p>
+                  </a:txBody>
+                  <a:tcPr/>
+                </a:tc>
+                <a:tc vMerge="1">
+                  <a:txBody>
+                    <a:bodyPr/>
+                    <a:lstStyle/>
+                    <a:p>
+                      <a:endParaRPr lang="en-US"/>
+                    </a:p>
+                  </a:txBody>
+                  <a:tcPr/>
+                </a:tc>
+                <a:extLst>
+                  <a:ext uri="{0D108BD9-81ED-4DB2-BD59-A6C34878D82A}">
+                    <a16:rowId xmlns:a16="http://schemas.microsoft.com/office/drawing/2014/main" val="1949598042"/>
+                  </a:ext>
+                </a:extLst>
+              </a:tr>
+              <a:tr h="972457">
+                <a:tc>
+                  <a:txBody>
+                    <a:bodyPr/>
+                    <a:lstStyle/>
+                    <a:p>
+                      <a:pPr algn="ctr"/>
+                      <a:r>
+                        <a:rPr lang="en-CA" sz="2400" dirty="0"/>
+                        <a:t>Accuracy</a:t>
+                      </a:r>
+                      <a:endParaRPr lang="en-US" sz="2400" dirty="0"/>
+                    </a:p>
+                  </a:txBody>
+                  <a:tcPr anchor="ctr">
+                    <a:lnL w="12700" cap="flat" cmpd="sng" algn="ctr">
+                      <a:noFill/>
+                      <a:prstDash val="solid"/>
+                      <a:round/>
+                      <a:headEnd type="none" w="med" len="med"/>
+                      <a:tailEnd type="none" w="med" len="med"/>
+                    </a:lnL>
+                    <a:lnR w="28575" cap="flat" cmpd="sng" algn="ctr">
+                      <a:solidFill>
+                        <a:schemeClr val="tx1"/>
+                      </a:solidFill>
+                      <a:prstDash val="solid"/>
+                      <a:round/>
+                      <a:headEnd type="none" w="med" len="med"/>
+                      <a:tailEnd type="none" w="med" len="med"/>
+                    </a:lnR>
+                    <a:lnT w="28575" cap="flat" cmpd="sng" algn="ctr">
+                      <a:solidFill>
+                        <a:schemeClr val="tx1"/>
+                      </a:solidFill>
+                      <a:prstDash val="solid"/>
+                      <a:round/>
+                      <a:headEnd type="none" w="med" len="med"/>
+                      <a:tailEnd type="none" w="med" len="med"/>
+                    </a:lnT>
+                    <a:lnB w="12700" cap="flat" cmpd="sng" algn="ctr">
+                      <a:noFill/>
+                      <a:prstDash val="solid"/>
+                      <a:round/>
+                      <a:headEnd type="none" w="med" len="med"/>
+                      <a:tailEnd type="none" w="med" len="med"/>
+                    </a:lnB>
+                    <a:lnTlToBr w="12700" cmpd="sng">
+                      <a:noFill/>
+                      <a:prstDash val="solid"/>
+                    </a:lnTlToBr>
+                    <a:lnBlToTr w="12700" cmpd="sng">
+                      <a:noFill/>
+                      <a:prstDash val="solid"/>
+                    </a:lnBlToTr>
+                    <a:noFill/>
+                  </a:tcPr>
+                </a:tc>
+                <a:tc>
+                  <a:txBody>
+                    <a:bodyPr/>
+                    <a:lstStyle/>
+                    <a:p>
+                      <a:pPr algn="ctr"/>
+                      <a:r>
+                        <a:rPr lang="en-CA" sz="2400" dirty="0"/>
+                        <a:t>49.1%</a:t>
+                      </a:r>
+                      <a:endParaRPr lang="en-US" sz="2400" dirty="0"/>
+                    </a:p>
+                  </a:txBody>
+                  <a:tcPr anchor="ctr">
+                    <a:lnL w="28575" cap="flat" cmpd="sng" algn="ctr">
+                      <a:solidFill>
+                        <a:schemeClr val="tx1"/>
+                      </a:solidFill>
+                      <a:prstDash val="solid"/>
+                      <a:round/>
+                      <a:headEnd type="none" w="med" len="med"/>
+                      <a:tailEnd type="none" w="med" len="med"/>
+                    </a:lnL>
+                    <a:lnR w="12700" cap="flat" cmpd="sng" algn="ctr">
+                      <a:solidFill>
+                        <a:schemeClr val="tx1"/>
+                      </a:solidFill>
+                      <a:prstDash val="solid"/>
+                      <a:round/>
+                      <a:headEnd type="none" w="med" len="med"/>
+                      <a:tailEnd type="none" w="med" len="med"/>
+                    </a:lnR>
+                    <a:lnT w="28575" cap="flat" cmpd="sng" algn="ctr">
+                      <a:solidFill>
+                        <a:schemeClr val="tx1"/>
+                      </a:solidFill>
+                      <a:prstDash val="solid"/>
+                      <a:round/>
+                      <a:headEnd type="none" w="med" len="med"/>
+                      <a:tailEnd type="none" w="med" len="med"/>
+                    </a:lnT>
+                    <a:lnB w="12700" cap="flat" cmpd="sng" algn="ctr">
+                      <a:noFill/>
+                      <a:prstDash val="solid"/>
+                      <a:round/>
+                      <a:headEnd type="none" w="med" len="med"/>
+                      <a:tailEnd type="none" w="med" len="med"/>
+                    </a:lnB>
+                    <a:lnTlToBr w="12700" cmpd="sng">
+                      <a:noFill/>
+                      <a:prstDash val="solid"/>
+                    </a:lnTlToBr>
+                    <a:lnBlToTr w="12700" cmpd="sng">
+                      <a:noFill/>
+                      <a:prstDash val="solid"/>
+                    </a:lnBlToTr>
+                    <a:noFill/>
+                  </a:tcPr>
+                </a:tc>
+                <a:tc>
+                  <a:txBody>
+                    <a:bodyPr/>
+                    <a:lstStyle/>
+                    <a:p>
+                      <a:pPr algn="ctr"/>
+                      <a:r>
+                        <a:rPr lang="en-CA" sz="2400" b="0" dirty="0"/>
+                        <a:t>33.6%</a:t>
+                      </a:r>
+                      <a:endParaRPr lang="en-US" sz="2400" b="0" dirty="0"/>
+                    </a:p>
+                  </a:txBody>
+                  <a:tcPr anchor="ctr">
+                    <a:lnL w="12700" cap="flat" cmpd="sng" algn="ctr">
+                      <a:solidFill>
+                        <a:schemeClr val="tx1"/>
+                      </a:solidFill>
+                      <a:prstDash val="solid"/>
+                      <a:round/>
+                      <a:headEnd type="none" w="med" len="med"/>
+                      <a:tailEnd type="none" w="med" len="med"/>
+                    </a:lnL>
+                    <a:lnR w="12700" cap="flat" cmpd="sng" algn="ctr">
+                      <a:solidFill>
+                        <a:schemeClr val="tx1"/>
+                      </a:solidFill>
+                      <a:prstDash val="solid"/>
+                      <a:round/>
+                      <a:headEnd type="none" w="med" len="med"/>
+                      <a:tailEnd type="none" w="med" len="med"/>
+                    </a:lnR>
+                    <a:lnT w="28575" cap="flat" cmpd="sng" algn="ctr">
+                      <a:solidFill>
+                        <a:schemeClr val="tx1"/>
+                      </a:solidFill>
+                      <a:prstDash val="solid"/>
+                      <a:round/>
+                      <a:headEnd type="none" w="med" len="med"/>
+                      <a:tailEnd type="none" w="med" len="med"/>
+                    </a:lnT>
+                    <a:lnB w="12700" cap="flat" cmpd="sng" algn="ctr">
+                      <a:noFill/>
+                      <a:prstDash val="solid"/>
+                      <a:round/>
+                      <a:headEnd type="none" w="med" len="med"/>
+                      <a:tailEnd type="none" w="med" len="med"/>
+                    </a:lnB>
+                    <a:lnTlToBr w="12700" cmpd="sng">
+                      <a:noFill/>
+                      <a:prstDash val="solid"/>
+                    </a:lnTlToBr>
+                    <a:lnBlToTr w="12700" cmpd="sng">
+                      <a:noFill/>
+                      <a:prstDash val="solid"/>
+                    </a:lnBlToTr>
+                    <a:noFill/>
+                  </a:tcPr>
+                </a:tc>
+                <a:tc>
+                  <a:txBody>
+                    <a:bodyPr/>
+                    <a:lstStyle/>
+                    <a:p>
+                      <a:pPr algn="ctr"/>
+                      <a:r>
+                        <a:rPr lang="en-CA" sz="2400" b="0" dirty="0"/>
+                        <a:t>47.8%</a:t>
+                      </a:r>
+                      <a:endParaRPr lang="en-US" sz="2400" b="0" dirty="0"/>
+                    </a:p>
+                  </a:txBody>
+                  <a:tcPr anchor="ctr">
+                    <a:lnL w="12700" cap="flat" cmpd="sng" algn="ctr">
+                      <a:solidFill>
+                        <a:schemeClr val="tx1"/>
+                      </a:solidFill>
+                      <a:prstDash val="solid"/>
+                      <a:round/>
+                      <a:headEnd type="none" w="med" len="med"/>
+                      <a:tailEnd type="none" w="med" len="med"/>
+                    </a:lnL>
+                    <a:lnR w="12700" cap="flat" cmpd="sng" algn="ctr">
+                      <a:solidFill>
+                        <a:schemeClr val="tx1"/>
+                      </a:solidFill>
+                      <a:prstDash val="solid"/>
+                      <a:round/>
+                      <a:headEnd type="none" w="med" len="med"/>
+                      <a:tailEnd type="none" w="med" len="med"/>
+                    </a:lnR>
+                    <a:lnT w="28575" cap="flat" cmpd="sng" algn="ctr">
+                      <a:solidFill>
+                        <a:schemeClr val="tx1"/>
+                      </a:solidFill>
+                      <a:prstDash val="solid"/>
+                      <a:round/>
+                      <a:headEnd type="none" w="med" len="med"/>
+                      <a:tailEnd type="none" w="med" len="med"/>
+                    </a:lnT>
+                    <a:lnB w="12700" cap="flat" cmpd="sng" algn="ctr">
+                      <a:noFill/>
+                      <a:prstDash val="solid"/>
+                      <a:round/>
+                      <a:headEnd type="none" w="med" len="med"/>
+                      <a:tailEnd type="none" w="med" len="med"/>
+                    </a:lnB>
+                    <a:lnTlToBr w="12700" cmpd="sng">
+                      <a:noFill/>
+                      <a:prstDash val="solid"/>
+                    </a:lnTlToBr>
+                    <a:lnBlToTr w="12700" cmpd="sng">
+                      <a:noFill/>
+                      <a:prstDash val="solid"/>
+                    </a:lnBlToTr>
+                    <a:noFill/>
+                  </a:tcPr>
+                </a:tc>
+                <a:tc>
+                  <a:txBody>
+                    <a:bodyPr/>
+                    <a:lstStyle/>
+                    <a:p>
+                      <a:pPr algn="ctr"/>
+                      <a:r>
+                        <a:rPr lang="en-CA" sz="2400" b="1" dirty="0"/>
+                        <a:t>88.2%</a:t>
+                      </a:r>
+                      <a:endParaRPr lang="en-US" sz="2400" b="1" dirty="0"/>
+                    </a:p>
+                  </a:txBody>
+                  <a:tcPr anchor="ctr">
+                    <a:lnL w="12700" cap="flat" cmpd="sng" algn="ctr">
+                      <a:solidFill>
+                        <a:schemeClr val="tx1"/>
+                      </a:solidFill>
+                      <a:prstDash val="solid"/>
+                      <a:round/>
+                      <a:headEnd type="none" w="med" len="med"/>
+                      <a:tailEnd type="none" w="med" len="med"/>
+                    </a:lnL>
+                    <a:lnR w="28575" cap="flat" cmpd="sng" algn="ctr">
+                      <a:solidFill>
+                        <a:schemeClr val="tx1"/>
+                      </a:solidFill>
+                      <a:prstDash val="solid"/>
+                      <a:round/>
+                      <a:headEnd type="none" w="med" len="med"/>
+                      <a:tailEnd type="none" w="med" len="med"/>
+                    </a:lnR>
+                    <a:lnT w="28575" cap="flat" cmpd="sng" algn="ctr">
+                      <a:solidFill>
+                        <a:schemeClr val="tx1"/>
+                      </a:solidFill>
+                      <a:prstDash val="solid"/>
+                      <a:round/>
+                      <a:headEnd type="none" w="med" len="med"/>
+                      <a:tailEnd type="none" w="med" len="med"/>
+                    </a:lnT>
+                    <a:lnB w="12700" cap="flat" cmpd="sng" algn="ctr">
+                      <a:noFill/>
+                      <a:prstDash val="solid"/>
+                      <a:round/>
+                      <a:headEnd type="none" w="med" len="med"/>
+                      <a:tailEnd type="none" w="med" len="med"/>
+                    </a:lnB>
+                    <a:lnTlToBr w="12700" cmpd="sng">
+                      <a:noFill/>
+                      <a:prstDash val="solid"/>
+                    </a:lnTlToBr>
+                    <a:lnBlToTr w="12700" cmpd="sng">
+                      <a:noFill/>
+                      <a:prstDash val="solid"/>
+                    </a:lnBlToTr>
+                    <a:noFill/>
+                  </a:tcPr>
+                </a:tc>
+                <a:tc>
+                  <a:txBody>
+                    <a:bodyPr/>
+                    <a:lstStyle/>
+                    <a:p>
+                      <a:pPr algn="ctr"/>
+                      <a:r>
+                        <a:rPr lang="en-CA" sz="2400" dirty="0"/>
+                        <a:t>10.0%</a:t>
+                      </a:r>
+                      <a:endParaRPr lang="en-US" sz="2400" dirty="0"/>
+                    </a:p>
+                  </a:txBody>
+                  <a:tcPr anchor="ctr">
+                    <a:lnL w="28575" cap="flat" cmpd="sng" algn="ctr">
+                      <a:solidFill>
+                        <a:schemeClr val="tx1"/>
+                      </a:solidFill>
+                      <a:prstDash val="solid"/>
+                      <a:round/>
+                      <a:headEnd type="none" w="med" len="med"/>
+                      <a:tailEnd type="none" w="med" len="med"/>
+                    </a:lnL>
+                    <a:lnR w="12700" cap="flat" cmpd="sng" algn="ctr">
+                      <a:noFill/>
+                      <a:prstDash val="solid"/>
+                      <a:round/>
+                      <a:headEnd type="none" w="med" len="med"/>
+                      <a:tailEnd type="none" w="med" len="med"/>
+                    </a:lnR>
+                    <a:lnT w="28575" cap="flat" cmpd="sng" algn="ctr">
+                      <a:solidFill>
+                        <a:schemeClr val="tx1"/>
+                      </a:solidFill>
+                      <a:prstDash val="solid"/>
+                      <a:round/>
+                      <a:headEnd type="none" w="med" len="med"/>
+                      <a:tailEnd type="none" w="med" len="med"/>
+                    </a:lnT>
+                    <a:lnB w="12700" cap="flat" cmpd="sng" algn="ctr">
+                      <a:noFill/>
+                      <a:prstDash val="solid"/>
+                      <a:round/>
+                      <a:headEnd type="none" w="med" len="med"/>
+                      <a:tailEnd type="none" w="med" len="med"/>
+                    </a:lnB>
+                    <a:lnTlToBr w="12700" cmpd="sng">
+                      <a:noFill/>
+                      <a:prstDash val="solid"/>
+                    </a:lnTlToBr>
+                    <a:lnBlToTr w="12700" cmpd="sng">
+                      <a:noFill/>
+                      <a:prstDash val="solid"/>
+                    </a:lnBlToTr>
+                    <a:noFill/>
+                  </a:tcPr>
+                </a:tc>
+                <a:extLst>
+                  <a:ext uri="{0D108BD9-81ED-4DB2-BD59-A6C34878D82A}">
+                    <a16:rowId xmlns:a16="http://schemas.microsoft.com/office/drawing/2014/main" val="3076302515"/>
+                  </a:ext>
+                </a:extLst>
+              </a:tr>
+            </a:tbl>
+          </a:graphicData>
+        </a:graphic>
+      </p:graphicFrame>
+      <p:grpSp>
+        <p:nvGrpSpPr>
+          <p:cNvPr id="15" name="Group 14">
+            <a:extLst>
+              <a:ext uri="{FF2B5EF4-FFF2-40B4-BE49-F238E27FC236}">
+                <a16:creationId xmlns:a16="http://schemas.microsoft.com/office/drawing/2014/main" id="{40F9A32C-64D0-4DF9-9304-03692569F512}"/>
+              </a:ext>
+            </a:extLst>
+          </p:cNvPr>
+          <p:cNvGrpSpPr/>
+          <p:nvPr/>
+        </p:nvGrpSpPr>
+        <p:grpSpPr>
+          <a:xfrm>
+            <a:off x="24022035" y="10285881"/>
+            <a:ext cx="5726841" cy="5676542"/>
+            <a:chOff x="24022035" y="12191112"/>
+            <a:chExt cx="5726841" cy="5676542"/>
+          </a:xfrm>
+        </p:grpSpPr>
+        <p:sp>
+          <p:nvSpPr>
+            <p:cNvPr id="122" name="TextBox 121">
+              <a:extLst>
+                <a:ext uri="{FF2B5EF4-FFF2-40B4-BE49-F238E27FC236}">
+                  <a16:creationId xmlns:a16="http://schemas.microsoft.com/office/drawing/2014/main" id="{56C2A89D-3F6F-40DC-9004-85B05CDABF2E}"/>
+                </a:ext>
+              </a:extLst>
+            </p:cNvPr>
+            <p:cNvSpPr txBox="1"/>
+            <p:nvPr/>
+          </p:nvSpPr>
+          <p:spPr>
+            <a:xfrm>
+              <a:off x="24399875" y="12191112"/>
+              <a:ext cx="1057275" cy="400110"/>
+            </a:xfrm>
+            <a:prstGeom prst="rect">
+              <a:avLst/>
+            </a:prstGeom>
+            <a:noFill/>
+          </p:spPr>
+          <p:txBody>
+            <a:bodyPr wrap="square" rtlCol="0">
+              <a:spAutoFit/>
+            </a:bodyPr>
+            <a:lstStyle/>
+            <a:p>
+              <a:pPr algn="r"/>
+              <a:r>
+                <a:rPr lang="en-CA" sz="2000" dirty="0"/>
+                <a:t>Airplane</a:t>
+              </a:r>
+              <a:endParaRPr lang="en-US" sz="2000" dirty="0"/>
+            </a:p>
+          </p:txBody>
+        </p:sp>
+        <p:grpSp>
+          <p:nvGrpSpPr>
+            <p:cNvPr id="14" name="Group 13">
+              <a:extLst>
+                <a:ext uri="{FF2B5EF4-FFF2-40B4-BE49-F238E27FC236}">
+                  <a16:creationId xmlns:a16="http://schemas.microsoft.com/office/drawing/2014/main" id="{E3952A27-6367-48D0-9769-7F5F381724DC}"/>
+                </a:ext>
+              </a:extLst>
+            </p:cNvPr>
+            <p:cNvGrpSpPr/>
+            <p:nvPr/>
+          </p:nvGrpSpPr>
+          <p:grpSpPr>
+            <a:xfrm>
+              <a:off x="24022035" y="12626336"/>
+              <a:ext cx="5726841" cy="5241318"/>
+              <a:chOff x="24022035" y="12626336"/>
+              <a:chExt cx="5726841" cy="5241318"/>
+            </a:xfrm>
+          </p:grpSpPr>
+          <p:sp>
+            <p:nvSpPr>
+              <p:cNvPr id="112" name="TextBox 111">
+                <a:extLst>
+                  <a:ext uri="{FF2B5EF4-FFF2-40B4-BE49-F238E27FC236}">
+                    <a16:creationId xmlns:a16="http://schemas.microsoft.com/office/drawing/2014/main" id="{F287CB62-F62B-4086-B31A-BFE74342185D}"/>
+                  </a:ext>
+                </a:extLst>
+              </p:cNvPr>
+              <p:cNvSpPr txBox="1"/>
+              <p:nvPr/>
+            </p:nvSpPr>
+            <p:spPr>
+              <a:xfrm>
+                <a:off x="24022035" y="13477603"/>
+                <a:ext cx="646331" cy="1711597"/>
+              </a:xfrm>
+              <a:prstGeom prst="rect">
+                <a:avLst/>
+              </a:prstGeom>
+              <a:noFill/>
+            </p:spPr>
+            <p:txBody>
+              <a:bodyPr vert="vert270" wrap="square" rtlCol="0">
+                <a:spAutoFit/>
+              </a:bodyPr>
+              <a:lstStyle/>
+              <a:p>
+                <a:pPr algn="ctr"/>
+                <a:r>
+                  <a:rPr lang="en-CA" sz="3000" dirty="0"/>
+                  <a:t>True Label</a:t>
+                </a:r>
+                <a:endParaRPr lang="en-US" sz="3000" dirty="0"/>
+              </a:p>
+            </p:txBody>
+          </p:sp>
+          <p:sp>
+            <p:nvSpPr>
+              <p:cNvPr id="114" name="TextBox 113">
+                <a:extLst>
+                  <a:ext uri="{FF2B5EF4-FFF2-40B4-BE49-F238E27FC236}">
+                    <a16:creationId xmlns:a16="http://schemas.microsoft.com/office/drawing/2014/main" id="{19BB10DF-23F9-4F06-8AF2-65008F9B36C3}"/>
+                  </a:ext>
+                </a:extLst>
+              </p:cNvPr>
+              <p:cNvSpPr txBox="1"/>
+              <p:nvPr/>
+            </p:nvSpPr>
+            <p:spPr>
+              <a:xfrm>
+                <a:off x="26310644" y="17257529"/>
+                <a:ext cx="2649670" cy="553998"/>
+              </a:xfrm>
+              <a:prstGeom prst="rect">
+                <a:avLst/>
+              </a:prstGeom>
+              <a:noFill/>
+            </p:spPr>
+            <p:txBody>
+              <a:bodyPr wrap="square" rtlCol="0">
+                <a:spAutoFit/>
+              </a:bodyPr>
+              <a:lstStyle/>
+              <a:p>
+                <a:pPr algn="ctr"/>
+                <a:r>
+                  <a:rPr lang="en-CA" sz="3000" dirty="0"/>
+                  <a:t>Predicted Label</a:t>
+                </a:r>
+                <a:endParaRPr lang="en-US" sz="3000" dirty="0"/>
+              </a:p>
+            </p:txBody>
+          </p:sp>
+          <p:sp>
+            <p:nvSpPr>
+              <p:cNvPr id="123" name="TextBox 122">
+                <a:extLst>
+                  <a:ext uri="{FF2B5EF4-FFF2-40B4-BE49-F238E27FC236}">
+                    <a16:creationId xmlns:a16="http://schemas.microsoft.com/office/drawing/2014/main" id="{BFA34AF0-2E2F-4516-A1DD-D17F686B571C}"/>
+                  </a:ext>
+                </a:extLst>
+              </p:cNvPr>
+              <p:cNvSpPr txBox="1"/>
+              <p:nvPr/>
+            </p:nvSpPr>
+            <p:spPr>
+              <a:xfrm>
+                <a:off x="24047451" y="12626336"/>
+                <a:ext cx="1409700" cy="400110"/>
+              </a:xfrm>
+              <a:prstGeom prst="rect">
+                <a:avLst/>
+              </a:prstGeom>
+              <a:noFill/>
+            </p:spPr>
+            <p:txBody>
+              <a:bodyPr wrap="square" rtlCol="0">
+                <a:spAutoFit/>
+              </a:bodyPr>
+              <a:lstStyle/>
+              <a:p>
+                <a:pPr algn="r"/>
+                <a:r>
+                  <a:rPr lang="en-CA" sz="2000" dirty="0"/>
+                  <a:t>Automobile</a:t>
+                </a:r>
+                <a:endParaRPr lang="en-US" sz="2000" dirty="0"/>
+              </a:p>
+            </p:txBody>
+          </p:sp>
+          <p:sp>
+            <p:nvSpPr>
+              <p:cNvPr id="124" name="TextBox 123">
+                <a:extLst>
+                  <a:ext uri="{FF2B5EF4-FFF2-40B4-BE49-F238E27FC236}">
+                    <a16:creationId xmlns:a16="http://schemas.microsoft.com/office/drawing/2014/main" id="{EB1794A6-E660-4B14-8447-53242FAFC377}"/>
+                  </a:ext>
+                </a:extLst>
+              </p:cNvPr>
+              <p:cNvSpPr txBox="1"/>
+              <p:nvPr/>
+            </p:nvSpPr>
+            <p:spPr>
+              <a:xfrm>
+                <a:off x="24044276" y="13054853"/>
+                <a:ext cx="1409700" cy="400110"/>
+              </a:xfrm>
+              <a:prstGeom prst="rect">
+                <a:avLst/>
+              </a:prstGeom>
+              <a:noFill/>
+            </p:spPr>
+            <p:txBody>
+              <a:bodyPr wrap="square" rtlCol="0">
+                <a:spAutoFit/>
+              </a:bodyPr>
+              <a:lstStyle/>
+              <a:p>
+                <a:pPr algn="r"/>
+                <a:r>
+                  <a:rPr lang="en-CA" sz="2000" dirty="0"/>
+                  <a:t>Bird</a:t>
+                </a:r>
+                <a:endParaRPr lang="en-US" sz="2000" dirty="0"/>
+              </a:p>
+            </p:txBody>
+          </p:sp>
+          <p:sp>
+            <p:nvSpPr>
+              <p:cNvPr id="125" name="TextBox 124">
+                <a:extLst>
+                  <a:ext uri="{FF2B5EF4-FFF2-40B4-BE49-F238E27FC236}">
+                    <a16:creationId xmlns:a16="http://schemas.microsoft.com/office/drawing/2014/main" id="{B3B62217-783B-4EC3-9DFC-B987CC53D4FC}"/>
+                  </a:ext>
+                </a:extLst>
+              </p:cNvPr>
+              <p:cNvSpPr txBox="1"/>
+              <p:nvPr/>
+            </p:nvSpPr>
+            <p:spPr>
+              <a:xfrm>
+                <a:off x="24043337" y="13498608"/>
+                <a:ext cx="1409700" cy="400110"/>
+              </a:xfrm>
+              <a:prstGeom prst="rect">
+                <a:avLst/>
+              </a:prstGeom>
+              <a:noFill/>
+            </p:spPr>
+            <p:txBody>
+              <a:bodyPr wrap="square" rtlCol="0">
+                <a:spAutoFit/>
+              </a:bodyPr>
+              <a:lstStyle/>
+              <a:p>
+                <a:pPr algn="r"/>
+                <a:r>
+                  <a:rPr lang="en-CA" sz="2000" dirty="0"/>
+                  <a:t>Cat</a:t>
+                </a:r>
+                <a:endParaRPr lang="en-US" sz="2000" dirty="0"/>
+              </a:p>
+            </p:txBody>
+          </p:sp>
+          <p:sp>
+            <p:nvSpPr>
+              <p:cNvPr id="126" name="TextBox 125">
+                <a:extLst>
+                  <a:ext uri="{FF2B5EF4-FFF2-40B4-BE49-F238E27FC236}">
+                    <a16:creationId xmlns:a16="http://schemas.microsoft.com/office/drawing/2014/main" id="{284AA138-B989-44E2-97DA-4FA3C7BCB242}"/>
+                  </a:ext>
+                </a:extLst>
+              </p:cNvPr>
+              <p:cNvSpPr txBox="1"/>
+              <p:nvPr/>
+            </p:nvSpPr>
+            <p:spPr>
+              <a:xfrm>
+                <a:off x="24052863" y="13917105"/>
+                <a:ext cx="1409700" cy="400110"/>
+              </a:xfrm>
+              <a:prstGeom prst="rect">
+                <a:avLst/>
+              </a:prstGeom>
+              <a:noFill/>
+            </p:spPr>
+            <p:txBody>
+              <a:bodyPr wrap="square" rtlCol="0">
+                <a:spAutoFit/>
+              </a:bodyPr>
+              <a:lstStyle/>
+              <a:p>
+                <a:pPr algn="r"/>
+                <a:r>
+                  <a:rPr lang="en-CA" sz="2000" dirty="0"/>
+                  <a:t>Deer</a:t>
+                </a:r>
+                <a:endParaRPr lang="en-US" sz="2000" dirty="0"/>
+              </a:p>
+            </p:txBody>
+          </p:sp>
+          <p:sp>
+            <p:nvSpPr>
+              <p:cNvPr id="127" name="TextBox 126">
+                <a:extLst>
+                  <a:ext uri="{FF2B5EF4-FFF2-40B4-BE49-F238E27FC236}">
+                    <a16:creationId xmlns:a16="http://schemas.microsoft.com/office/drawing/2014/main" id="{34B6CD8D-C355-440E-9EB1-0529BD06449B}"/>
+                  </a:ext>
+                </a:extLst>
+              </p:cNvPr>
+              <p:cNvSpPr txBox="1"/>
+              <p:nvPr/>
+            </p:nvSpPr>
+            <p:spPr>
+              <a:xfrm>
+                <a:off x="24592165" y="14339687"/>
+                <a:ext cx="860871" cy="400110"/>
+              </a:xfrm>
+              <a:prstGeom prst="rect">
+                <a:avLst/>
+              </a:prstGeom>
+              <a:noFill/>
+            </p:spPr>
+            <p:txBody>
+              <a:bodyPr wrap="square" rtlCol="0">
+                <a:spAutoFit/>
+              </a:bodyPr>
+              <a:lstStyle/>
+              <a:p>
+                <a:pPr algn="r"/>
+                <a:r>
+                  <a:rPr lang="en-CA" sz="2000" dirty="0"/>
+                  <a:t>Dog</a:t>
+                </a:r>
+                <a:endParaRPr lang="en-US" sz="2000" dirty="0"/>
+              </a:p>
+            </p:txBody>
+          </p:sp>
+          <p:sp>
+            <p:nvSpPr>
+              <p:cNvPr id="128" name="TextBox 127">
+                <a:extLst>
+                  <a:ext uri="{FF2B5EF4-FFF2-40B4-BE49-F238E27FC236}">
+                    <a16:creationId xmlns:a16="http://schemas.microsoft.com/office/drawing/2014/main" id="{AC3431AB-6BF5-4BDB-A837-EF9B7A54F6A1}"/>
+                  </a:ext>
+                </a:extLst>
+              </p:cNvPr>
+              <p:cNvSpPr txBox="1"/>
+              <p:nvPr/>
+            </p:nvSpPr>
+            <p:spPr>
+              <a:xfrm>
+                <a:off x="24058275" y="14771327"/>
+                <a:ext cx="1409700" cy="400110"/>
+              </a:xfrm>
+              <a:prstGeom prst="rect">
+                <a:avLst/>
+              </a:prstGeom>
+              <a:noFill/>
+            </p:spPr>
+            <p:txBody>
+              <a:bodyPr wrap="square" rtlCol="0">
+                <a:spAutoFit/>
+              </a:bodyPr>
+              <a:lstStyle/>
+              <a:p>
+                <a:pPr algn="r"/>
+                <a:r>
+                  <a:rPr lang="en-CA" sz="2000" dirty="0"/>
+                  <a:t>Frog</a:t>
+                </a:r>
+                <a:endParaRPr lang="en-US" sz="2000" dirty="0"/>
+              </a:p>
+            </p:txBody>
+          </p:sp>
+          <p:sp>
+            <p:nvSpPr>
+              <p:cNvPr id="129" name="TextBox 128">
+                <a:extLst>
+                  <a:ext uri="{FF2B5EF4-FFF2-40B4-BE49-F238E27FC236}">
+                    <a16:creationId xmlns:a16="http://schemas.microsoft.com/office/drawing/2014/main" id="{6E180BAB-F521-4B32-AA0E-2A683AD179FA}"/>
+                  </a:ext>
+                </a:extLst>
+              </p:cNvPr>
+              <p:cNvSpPr txBox="1"/>
+              <p:nvPr/>
+            </p:nvSpPr>
+            <p:spPr>
+              <a:xfrm>
+                <a:off x="24046512" y="15205075"/>
+                <a:ext cx="1409700" cy="400110"/>
+              </a:xfrm>
+              <a:prstGeom prst="rect">
+                <a:avLst/>
+              </a:prstGeom>
+              <a:noFill/>
+            </p:spPr>
+            <p:txBody>
+              <a:bodyPr wrap="square" rtlCol="0">
+                <a:spAutoFit/>
+              </a:bodyPr>
+              <a:lstStyle/>
+              <a:p>
+                <a:pPr algn="r"/>
+                <a:r>
+                  <a:rPr lang="en-CA" sz="2000" dirty="0"/>
+                  <a:t>Horse</a:t>
+                </a:r>
+                <a:endParaRPr lang="en-US" sz="2000" dirty="0"/>
+              </a:p>
+            </p:txBody>
+          </p:sp>
+          <p:sp>
+            <p:nvSpPr>
+              <p:cNvPr id="130" name="TextBox 129">
+                <a:extLst>
+                  <a:ext uri="{FF2B5EF4-FFF2-40B4-BE49-F238E27FC236}">
+                    <a16:creationId xmlns:a16="http://schemas.microsoft.com/office/drawing/2014/main" id="{950D688C-52D6-487E-A982-2711730F3933}"/>
+                  </a:ext>
+                </a:extLst>
+              </p:cNvPr>
+              <p:cNvSpPr txBox="1"/>
+              <p:nvPr/>
+            </p:nvSpPr>
+            <p:spPr>
+              <a:xfrm>
+                <a:off x="24043337" y="15623132"/>
+                <a:ext cx="1409700" cy="400110"/>
+              </a:xfrm>
+              <a:prstGeom prst="rect">
+                <a:avLst/>
+              </a:prstGeom>
+              <a:noFill/>
+            </p:spPr>
+            <p:txBody>
+              <a:bodyPr wrap="square" rtlCol="0">
+                <a:spAutoFit/>
+              </a:bodyPr>
+              <a:lstStyle/>
+              <a:p>
+                <a:pPr algn="r"/>
+                <a:r>
+                  <a:rPr lang="en-CA" sz="2000" dirty="0"/>
+                  <a:t>Ship</a:t>
+                </a:r>
+                <a:endParaRPr lang="en-US" sz="2000" dirty="0"/>
+              </a:p>
+            </p:txBody>
+          </p:sp>
+          <p:sp>
+            <p:nvSpPr>
+              <p:cNvPr id="131" name="TextBox 130">
+                <a:extLst>
+                  <a:ext uri="{FF2B5EF4-FFF2-40B4-BE49-F238E27FC236}">
+                    <a16:creationId xmlns:a16="http://schemas.microsoft.com/office/drawing/2014/main" id="{6CF8EBF5-B7C7-49A7-B8F1-2FFB1CD6DB52}"/>
+                  </a:ext>
+                </a:extLst>
+              </p:cNvPr>
+              <p:cNvSpPr txBox="1"/>
+              <p:nvPr/>
+            </p:nvSpPr>
+            <p:spPr>
+              <a:xfrm>
+                <a:off x="24043337" y="16045598"/>
+                <a:ext cx="1409700" cy="400110"/>
+              </a:xfrm>
+              <a:prstGeom prst="rect">
+                <a:avLst/>
+              </a:prstGeom>
+              <a:noFill/>
+            </p:spPr>
+            <p:txBody>
+              <a:bodyPr wrap="square" rtlCol="0">
+                <a:spAutoFit/>
+              </a:bodyPr>
+              <a:lstStyle/>
+              <a:p>
+                <a:pPr algn="r"/>
+                <a:r>
+                  <a:rPr lang="en-CA" sz="2000" dirty="0"/>
+                  <a:t>Truck</a:t>
+                </a:r>
+                <a:endParaRPr lang="en-US" sz="2000" dirty="0"/>
+              </a:p>
+            </p:txBody>
+          </p:sp>
+          <p:sp>
+            <p:nvSpPr>
+              <p:cNvPr id="132" name="TextBox 131">
+                <a:extLst>
+                  <a:ext uri="{FF2B5EF4-FFF2-40B4-BE49-F238E27FC236}">
+                    <a16:creationId xmlns:a16="http://schemas.microsoft.com/office/drawing/2014/main" id="{4A0B86BC-A63E-4580-A590-04E35EEB401E}"/>
+                  </a:ext>
+                </a:extLst>
+              </p:cNvPr>
+              <p:cNvSpPr txBox="1"/>
+              <p:nvPr/>
+            </p:nvSpPr>
+            <p:spPr>
+              <a:xfrm>
+                <a:off x="25424369" y="16495794"/>
+                <a:ext cx="492443" cy="1286510"/>
+              </a:xfrm>
+              <a:prstGeom prst="rect">
+                <a:avLst/>
+              </a:prstGeom>
+              <a:noFill/>
+            </p:spPr>
+            <p:txBody>
+              <a:bodyPr vert="vert270" wrap="square" rtlCol="0" anchor="ctr" anchorCtr="0">
+                <a:spAutoFit/>
+              </a:bodyPr>
+              <a:lstStyle/>
+              <a:p>
+                <a:pPr algn="r"/>
+                <a:r>
+                  <a:rPr lang="en-CA" sz="2000" dirty="0"/>
+                  <a:t>Airplane</a:t>
+                </a:r>
+                <a:endParaRPr lang="en-US" sz="2000" dirty="0"/>
+              </a:p>
+            </p:txBody>
+          </p:sp>
+          <p:sp>
+            <p:nvSpPr>
+              <p:cNvPr id="133" name="TextBox 132">
+                <a:extLst>
+                  <a:ext uri="{FF2B5EF4-FFF2-40B4-BE49-F238E27FC236}">
+                    <a16:creationId xmlns:a16="http://schemas.microsoft.com/office/drawing/2014/main" id="{EBCC9091-40F9-46C8-9243-ACE2365A00CD}"/>
+                  </a:ext>
+                </a:extLst>
+              </p:cNvPr>
+              <p:cNvSpPr txBox="1"/>
+              <p:nvPr/>
+            </p:nvSpPr>
+            <p:spPr>
+              <a:xfrm>
+                <a:off x="25847050" y="16483273"/>
+                <a:ext cx="492443" cy="1384381"/>
+              </a:xfrm>
+              <a:prstGeom prst="rect">
+                <a:avLst/>
+              </a:prstGeom>
+              <a:noFill/>
+            </p:spPr>
+            <p:txBody>
+              <a:bodyPr vert="vert270" wrap="square" rtlCol="0" anchor="ctr" anchorCtr="0">
+                <a:spAutoFit/>
+              </a:bodyPr>
+              <a:lstStyle/>
+              <a:p>
+                <a:pPr algn="r"/>
+                <a:r>
+                  <a:rPr lang="en-CA" sz="2000" dirty="0"/>
+                  <a:t>Automobile</a:t>
+                </a:r>
+                <a:endParaRPr lang="en-US" sz="2000" dirty="0"/>
+              </a:p>
+            </p:txBody>
+          </p:sp>
+          <p:sp>
+            <p:nvSpPr>
+              <p:cNvPr id="134" name="TextBox 133">
+                <a:extLst>
+                  <a:ext uri="{FF2B5EF4-FFF2-40B4-BE49-F238E27FC236}">
+                    <a16:creationId xmlns:a16="http://schemas.microsoft.com/office/drawing/2014/main" id="{E2013136-E39A-4DCE-8A52-852409CBD7F7}"/>
+                  </a:ext>
+                </a:extLst>
+              </p:cNvPr>
+              <p:cNvSpPr txBox="1"/>
+              <p:nvPr/>
+            </p:nvSpPr>
+            <p:spPr>
+              <a:xfrm>
+                <a:off x="26295739" y="16492573"/>
+                <a:ext cx="492443" cy="1286510"/>
+              </a:xfrm>
+              <a:prstGeom prst="rect">
+                <a:avLst/>
+              </a:prstGeom>
+              <a:noFill/>
+            </p:spPr>
+            <p:txBody>
+              <a:bodyPr vert="vert270" wrap="square" rtlCol="0" anchor="ctr" anchorCtr="0">
+                <a:spAutoFit/>
+              </a:bodyPr>
+              <a:lstStyle/>
+              <a:p>
+                <a:pPr algn="r"/>
+                <a:r>
+                  <a:rPr lang="en-CA" sz="2000" dirty="0"/>
+                  <a:t>Bird</a:t>
+                </a:r>
+                <a:endParaRPr lang="en-US" sz="2000" dirty="0"/>
+              </a:p>
+            </p:txBody>
+          </p:sp>
+          <p:sp>
+            <p:nvSpPr>
+              <p:cNvPr id="135" name="TextBox 134">
+                <a:extLst>
+                  <a:ext uri="{FF2B5EF4-FFF2-40B4-BE49-F238E27FC236}">
+                    <a16:creationId xmlns:a16="http://schemas.microsoft.com/office/drawing/2014/main" id="{1E362BEE-6CA9-4FAC-95FA-B6555B2BAEEC}"/>
+                  </a:ext>
+                </a:extLst>
+              </p:cNvPr>
+              <p:cNvSpPr txBox="1"/>
+              <p:nvPr/>
+            </p:nvSpPr>
+            <p:spPr>
+              <a:xfrm>
+                <a:off x="26714347" y="16497552"/>
+                <a:ext cx="492443" cy="601728"/>
+              </a:xfrm>
+              <a:prstGeom prst="rect">
+                <a:avLst/>
+              </a:prstGeom>
+              <a:noFill/>
+            </p:spPr>
+            <p:txBody>
+              <a:bodyPr vert="vert270" wrap="square" rtlCol="0" anchor="ctr" anchorCtr="0">
+                <a:spAutoFit/>
+              </a:bodyPr>
+              <a:lstStyle/>
+              <a:p>
+                <a:pPr algn="r"/>
+                <a:r>
+                  <a:rPr lang="en-CA" sz="2000" dirty="0"/>
+                  <a:t>Cat</a:t>
+                </a:r>
+                <a:endParaRPr lang="en-US" sz="2000" dirty="0"/>
+              </a:p>
+            </p:txBody>
+          </p:sp>
+          <p:sp>
+            <p:nvSpPr>
+              <p:cNvPr id="136" name="TextBox 135">
+                <a:extLst>
+                  <a:ext uri="{FF2B5EF4-FFF2-40B4-BE49-F238E27FC236}">
+                    <a16:creationId xmlns:a16="http://schemas.microsoft.com/office/drawing/2014/main" id="{61C3CDBA-A41B-4DE2-A7E5-38BB255D6209}"/>
+                  </a:ext>
+                </a:extLst>
+              </p:cNvPr>
+              <p:cNvSpPr txBox="1"/>
+              <p:nvPr/>
+            </p:nvSpPr>
+            <p:spPr>
+              <a:xfrm>
+                <a:off x="27147796" y="16498398"/>
+                <a:ext cx="492443" cy="830871"/>
+              </a:xfrm>
+              <a:prstGeom prst="rect">
+                <a:avLst/>
+              </a:prstGeom>
+              <a:noFill/>
+            </p:spPr>
+            <p:txBody>
+              <a:bodyPr vert="vert270" wrap="square" rtlCol="0" anchor="ctr" anchorCtr="0">
+                <a:spAutoFit/>
+              </a:bodyPr>
+              <a:lstStyle/>
+              <a:p>
+                <a:pPr algn="r"/>
+                <a:r>
+                  <a:rPr lang="en-CA" sz="2000" dirty="0"/>
+                  <a:t>Deer</a:t>
+                </a:r>
+                <a:endParaRPr lang="en-US" sz="2000" dirty="0"/>
+              </a:p>
+            </p:txBody>
+          </p:sp>
+          <p:sp>
+            <p:nvSpPr>
+              <p:cNvPr id="137" name="TextBox 136">
+                <a:extLst>
+                  <a:ext uri="{FF2B5EF4-FFF2-40B4-BE49-F238E27FC236}">
+                    <a16:creationId xmlns:a16="http://schemas.microsoft.com/office/drawing/2014/main" id="{471B1771-6CFE-4E4F-B28A-991CBD9388B6}"/>
+                  </a:ext>
+                </a:extLst>
+              </p:cNvPr>
+              <p:cNvSpPr txBox="1"/>
+              <p:nvPr/>
+            </p:nvSpPr>
+            <p:spPr>
+              <a:xfrm>
+                <a:off x="27566404" y="16496844"/>
+                <a:ext cx="492443" cy="1286510"/>
+              </a:xfrm>
+              <a:prstGeom prst="rect">
+                <a:avLst/>
+              </a:prstGeom>
+              <a:noFill/>
+            </p:spPr>
+            <p:txBody>
+              <a:bodyPr vert="vert270" wrap="square" rtlCol="0" anchor="ctr" anchorCtr="0">
+                <a:spAutoFit/>
+              </a:bodyPr>
+              <a:lstStyle/>
+              <a:p>
+                <a:pPr algn="r"/>
+                <a:r>
+                  <a:rPr lang="en-CA" sz="2000" dirty="0"/>
+                  <a:t>Dog</a:t>
+                </a:r>
+                <a:endParaRPr lang="en-US" sz="2000" dirty="0"/>
+              </a:p>
+            </p:txBody>
+          </p:sp>
+          <p:sp>
+            <p:nvSpPr>
+              <p:cNvPr id="138" name="TextBox 137">
+                <a:extLst>
+                  <a:ext uri="{FF2B5EF4-FFF2-40B4-BE49-F238E27FC236}">
+                    <a16:creationId xmlns:a16="http://schemas.microsoft.com/office/drawing/2014/main" id="{51C13755-2EDF-4185-9327-D5BB24AE055F}"/>
+                  </a:ext>
+                </a:extLst>
+              </p:cNvPr>
+              <p:cNvSpPr txBox="1"/>
+              <p:nvPr/>
+            </p:nvSpPr>
+            <p:spPr>
+              <a:xfrm>
+                <a:off x="28000423" y="16499965"/>
+                <a:ext cx="492443" cy="1286510"/>
+              </a:xfrm>
+              <a:prstGeom prst="rect">
+                <a:avLst/>
+              </a:prstGeom>
+              <a:noFill/>
+            </p:spPr>
+            <p:txBody>
+              <a:bodyPr vert="vert270" wrap="square" rtlCol="0" anchor="ctr" anchorCtr="0">
+                <a:spAutoFit/>
+              </a:bodyPr>
+              <a:lstStyle/>
+              <a:p>
+                <a:pPr algn="r"/>
+                <a:r>
+                  <a:rPr lang="en-CA" sz="2000" dirty="0"/>
+                  <a:t>Frog</a:t>
+                </a:r>
+                <a:endParaRPr lang="en-US" sz="2000" dirty="0"/>
+              </a:p>
+            </p:txBody>
+          </p:sp>
+          <p:sp>
+            <p:nvSpPr>
+              <p:cNvPr id="139" name="TextBox 138">
+                <a:extLst>
+                  <a:ext uri="{FF2B5EF4-FFF2-40B4-BE49-F238E27FC236}">
+                    <a16:creationId xmlns:a16="http://schemas.microsoft.com/office/drawing/2014/main" id="{64CAA182-B62F-4218-83F9-995894E59849}"/>
+                  </a:ext>
+                </a:extLst>
+              </p:cNvPr>
+              <p:cNvSpPr txBox="1"/>
+              <p:nvPr/>
+            </p:nvSpPr>
+            <p:spPr>
+              <a:xfrm>
+                <a:off x="28424290" y="16500504"/>
+                <a:ext cx="492443" cy="1286510"/>
+              </a:xfrm>
+              <a:prstGeom prst="rect">
+                <a:avLst/>
+              </a:prstGeom>
+              <a:noFill/>
+            </p:spPr>
+            <p:txBody>
+              <a:bodyPr vert="vert270" wrap="square" rtlCol="0" anchor="ctr" anchorCtr="0">
+                <a:spAutoFit/>
+              </a:bodyPr>
+              <a:lstStyle/>
+              <a:p>
+                <a:pPr algn="r"/>
+                <a:r>
+                  <a:rPr lang="en-CA" sz="2000" dirty="0"/>
+                  <a:t>Horse</a:t>
+                </a:r>
+                <a:endParaRPr lang="en-US" sz="2000" dirty="0"/>
+              </a:p>
+            </p:txBody>
+          </p:sp>
+          <p:sp>
+            <p:nvSpPr>
+              <p:cNvPr id="140" name="TextBox 139">
+                <a:extLst>
+                  <a:ext uri="{FF2B5EF4-FFF2-40B4-BE49-F238E27FC236}">
+                    <a16:creationId xmlns:a16="http://schemas.microsoft.com/office/drawing/2014/main" id="{1DD937F3-604B-4E57-B3BC-700734C56F39}"/>
+                  </a:ext>
+                </a:extLst>
+              </p:cNvPr>
+              <p:cNvSpPr txBox="1"/>
+              <p:nvPr/>
+            </p:nvSpPr>
+            <p:spPr>
+              <a:xfrm>
+                <a:off x="28831745" y="16494981"/>
+                <a:ext cx="492443" cy="1286510"/>
+              </a:xfrm>
+              <a:prstGeom prst="rect">
+                <a:avLst/>
+              </a:prstGeom>
+              <a:noFill/>
+            </p:spPr>
+            <p:txBody>
+              <a:bodyPr vert="vert270" wrap="square" rtlCol="0" anchor="ctr" anchorCtr="0">
+                <a:spAutoFit/>
+              </a:bodyPr>
+              <a:lstStyle/>
+              <a:p>
+                <a:pPr algn="r"/>
+                <a:r>
+                  <a:rPr lang="en-CA" sz="2000" dirty="0"/>
+                  <a:t>Ship</a:t>
+                </a:r>
+                <a:endParaRPr lang="en-US" sz="2000" dirty="0"/>
+              </a:p>
+            </p:txBody>
+          </p:sp>
+          <p:sp>
+            <p:nvSpPr>
+              <p:cNvPr id="141" name="TextBox 140">
+                <a:extLst>
+                  <a:ext uri="{FF2B5EF4-FFF2-40B4-BE49-F238E27FC236}">
+                    <a16:creationId xmlns:a16="http://schemas.microsoft.com/office/drawing/2014/main" id="{C1F4D858-5CDE-4BB5-9C26-86EE98E6433F}"/>
+                  </a:ext>
+                </a:extLst>
+              </p:cNvPr>
+              <p:cNvSpPr txBox="1"/>
+              <p:nvPr/>
+            </p:nvSpPr>
+            <p:spPr>
+              <a:xfrm>
+                <a:off x="29256433" y="16493740"/>
+                <a:ext cx="492443" cy="1286510"/>
+              </a:xfrm>
+              <a:prstGeom prst="rect">
+                <a:avLst/>
+              </a:prstGeom>
+              <a:noFill/>
+            </p:spPr>
+            <p:txBody>
+              <a:bodyPr vert="vert270" wrap="square" rtlCol="0" anchor="ctr" anchorCtr="0">
+                <a:spAutoFit/>
+              </a:bodyPr>
+              <a:lstStyle/>
+              <a:p>
+                <a:pPr algn="r"/>
+                <a:r>
+                  <a:rPr lang="en-CA" sz="2000" dirty="0"/>
+                  <a:t>Truck</a:t>
+                </a:r>
+                <a:endParaRPr lang="en-US" sz="2000" dirty="0"/>
+              </a:p>
+            </p:txBody>
+          </p:sp>
+        </p:grpSp>
+      </p:grpSp>
+      <p:grpSp>
+        <p:nvGrpSpPr>
+          <p:cNvPr id="188" name="Group 187">
+            <a:extLst>
+              <a:ext uri="{FF2B5EF4-FFF2-40B4-BE49-F238E27FC236}">
+                <a16:creationId xmlns:a16="http://schemas.microsoft.com/office/drawing/2014/main" id="{60DFD0E3-64C5-4AA4-86C8-A137C1A0AC0B}"/>
+              </a:ext>
+            </a:extLst>
+          </p:cNvPr>
+          <p:cNvGrpSpPr/>
+          <p:nvPr/>
+        </p:nvGrpSpPr>
+        <p:grpSpPr>
+          <a:xfrm>
+            <a:off x="24077376" y="16440992"/>
+            <a:ext cx="5745283" cy="5675800"/>
+            <a:chOff x="24022035" y="12191112"/>
+            <a:chExt cx="5726841" cy="5676542"/>
+          </a:xfrm>
+        </p:grpSpPr>
+        <p:sp>
+          <p:nvSpPr>
+            <p:cNvPr id="189" name="TextBox 188">
+              <a:extLst>
+                <a:ext uri="{FF2B5EF4-FFF2-40B4-BE49-F238E27FC236}">
+                  <a16:creationId xmlns:a16="http://schemas.microsoft.com/office/drawing/2014/main" id="{D5145709-DD20-4660-B1E8-DF449B3502A4}"/>
+                </a:ext>
+              </a:extLst>
+            </p:cNvPr>
+            <p:cNvSpPr txBox="1"/>
+            <p:nvPr/>
+          </p:nvSpPr>
+          <p:spPr>
+            <a:xfrm>
+              <a:off x="24399875" y="12191112"/>
+              <a:ext cx="1057275" cy="400110"/>
+            </a:xfrm>
+            <a:prstGeom prst="rect">
+              <a:avLst/>
+            </a:prstGeom>
+            <a:noFill/>
+          </p:spPr>
+          <p:txBody>
+            <a:bodyPr wrap="square" rtlCol="0">
+              <a:spAutoFit/>
+            </a:bodyPr>
+            <a:lstStyle/>
+            <a:p>
+              <a:pPr algn="r"/>
+              <a:r>
+                <a:rPr lang="en-CA" sz="2000" dirty="0"/>
+                <a:t>Airplane</a:t>
+              </a:r>
+              <a:endParaRPr lang="en-US" sz="2000" dirty="0"/>
+            </a:p>
+          </p:txBody>
+        </p:sp>
+        <p:grpSp>
+          <p:nvGrpSpPr>
+            <p:cNvPr id="190" name="Group 189">
+              <a:extLst>
+                <a:ext uri="{FF2B5EF4-FFF2-40B4-BE49-F238E27FC236}">
+                  <a16:creationId xmlns:a16="http://schemas.microsoft.com/office/drawing/2014/main" id="{52B37384-69F3-4231-8B5D-964A4F38D001}"/>
+                </a:ext>
+              </a:extLst>
+            </p:cNvPr>
+            <p:cNvGrpSpPr/>
+            <p:nvPr/>
+          </p:nvGrpSpPr>
+          <p:grpSpPr>
+            <a:xfrm>
+              <a:off x="24022035" y="12626336"/>
+              <a:ext cx="5726841" cy="5241318"/>
+              <a:chOff x="24022035" y="12626336"/>
+              <a:chExt cx="5726841" cy="5241318"/>
+            </a:xfrm>
+          </p:grpSpPr>
+          <p:sp>
+            <p:nvSpPr>
+              <p:cNvPr id="191" name="TextBox 190">
+                <a:extLst>
+                  <a:ext uri="{FF2B5EF4-FFF2-40B4-BE49-F238E27FC236}">
+                    <a16:creationId xmlns:a16="http://schemas.microsoft.com/office/drawing/2014/main" id="{4BD17D7B-CD02-4FB5-9E2B-12AAA1BA00D9}"/>
+                  </a:ext>
+                </a:extLst>
+              </p:cNvPr>
+              <p:cNvSpPr txBox="1"/>
+              <p:nvPr/>
+            </p:nvSpPr>
+            <p:spPr>
+              <a:xfrm>
+                <a:off x="24022035" y="13477603"/>
+                <a:ext cx="646331" cy="1711597"/>
+              </a:xfrm>
+              <a:prstGeom prst="rect">
+                <a:avLst/>
+              </a:prstGeom>
+              <a:noFill/>
+            </p:spPr>
+            <p:txBody>
+              <a:bodyPr vert="vert270" wrap="square" rtlCol="0">
+                <a:spAutoFit/>
+              </a:bodyPr>
+              <a:lstStyle/>
+              <a:p>
+                <a:pPr algn="ctr"/>
+                <a:r>
+                  <a:rPr lang="en-CA" sz="3000" dirty="0"/>
+                  <a:t>True Label</a:t>
+                </a:r>
+                <a:endParaRPr lang="en-US" sz="3000" dirty="0"/>
+              </a:p>
+            </p:txBody>
+          </p:sp>
+          <p:sp>
+            <p:nvSpPr>
+              <p:cNvPr id="192" name="TextBox 191">
+                <a:extLst>
+                  <a:ext uri="{FF2B5EF4-FFF2-40B4-BE49-F238E27FC236}">
+                    <a16:creationId xmlns:a16="http://schemas.microsoft.com/office/drawing/2014/main" id="{789FCA36-9E10-4D9E-9062-D30846684881}"/>
+                  </a:ext>
+                </a:extLst>
+              </p:cNvPr>
+              <p:cNvSpPr txBox="1"/>
+              <p:nvPr/>
+            </p:nvSpPr>
+            <p:spPr>
+              <a:xfrm>
+                <a:off x="26310644" y="17257529"/>
+                <a:ext cx="2649670" cy="553998"/>
+              </a:xfrm>
+              <a:prstGeom prst="rect">
+                <a:avLst/>
+              </a:prstGeom>
+              <a:noFill/>
+            </p:spPr>
+            <p:txBody>
+              <a:bodyPr wrap="square" rtlCol="0">
+                <a:spAutoFit/>
+              </a:bodyPr>
+              <a:lstStyle/>
+              <a:p>
+                <a:pPr algn="ctr"/>
+                <a:r>
+                  <a:rPr lang="en-CA" sz="3000" dirty="0"/>
+                  <a:t>Predicted Label</a:t>
+                </a:r>
+                <a:endParaRPr lang="en-US" sz="3000" dirty="0"/>
+              </a:p>
+            </p:txBody>
+          </p:sp>
+          <p:sp>
+            <p:nvSpPr>
+              <p:cNvPr id="193" name="TextBox 192">
+                <a:extLst>
+                  <a:ext uri="{FF2B5EF4-FFF2-40B4-BE49-F238E27FC236}">
+                    <a16:creationId xmlns:a16="http://schemas.microsoft.com/office/drawing/2014/main" id="{2AA16EE2-35C1-4C45-B891-74490AE5A49E}"/>
+                  </a:ext>
+                </a:extLst>
+              </p:cNvPr>
+              <p:cNvSpPr txBox="1"/>
+              <p:nvPr/>
+            </p:nvSpPr>
+            <p:spPr>
+              <a:xfrm>
+                <a:off x="24047451" y="12626336"/>
+                <a:ext cx="1409700" cy="400110"/>
+              </a:xfrm>
+              <a:prstGeom prst="rect">
+                <a:avLst/>
+              </a:prstGeom>
+              <a:noFill/>
+            </p:spPr>
+            <p:txBody>
+              <a:bodyPr wrap="square" rtlCol="0">
+                <a:spAutoFit/>
+              </a:bodyPr>
+              <a:lstStyle/>
+              <a:p>
+                <a:pPr algn="r"/>
+                <a:r>
+                  <a:rPr lang="en-CA" sz="2000" dirty="0"/>
+                  <a:t>Automobile</a:t>
+                </a:r>
+                <a:endParaRPr lang="en-US" sz="2000" dirty="0"/>
+              </a:p>
+            </p:txBody>
+          </p:sp>
+          <p:sp>
+            <p:nvSpPr>
+              <p:cNvPr id="194" name="TextBox 193">
+                <a:extLst>
+                  <a:ext uri="{FF2B5EF4-FFF2-40B4-BE49-F238E27FC236}">
+                    <a16:creationId xmlns:a16="http://schemas.microsoft.com/office/drawing/2014/main" id="{B9EB5005-E6E2-48D3-A9DE-EB69980D78F8}"/>
+                  </a:ext>
+                </a:extLst>
+              </p:cNvPr>
+              <p:cNvSpPr txBox="1"/>
+              <p:nvPr/>
+            </p:nvSpPr>
+            <p:spPr>
+              <a:xfrm>
+                <a:off x="24044276" y="13054853"/>
+                <a:ext cx="1409700" cy="400110"/>
+              </a:xfrm>
+              <a:prstGeom prst="rect">
+                <a:avLst/>
+              </a:prstGeom>
+              <a:noFill/>
+            </p:spPr>
+            <p:txBody>
+              <a:bodyPr wrap="square" rtlCol="0">
+                <a:spAutoFit/>
+              </a:bodyPr>
+              <a:lstStyle/>
+              <a:p>
+                <a:pPr algn="r"/>
+                <a:r>
+                  <a:rPr lang="en-CA" sz="2000" dirty="0"/>
+                  <a:t>Bird</a:t>
+                </a:r>
+                <a:endParaRPr lang="en-US" sz="2000" dirty="0"/>
+              </a:p>
+            </p:txBody>
+          </p:sp>
+          <p:sp>
+            <p:nvSpPr>
+              <p:cNvPr id="195" name="TextBox 194">
+                <a:extLst>
+                  <a:ext uri="{FF2B5EF4-FFF2-40B4-BE49-F238E27FC236}">
+                    <a16:creationId xmlns:a16="http://schemas.microsoft.com/office/drawing/2014/main" id="{FE556464-FA57-4DE8-92F8-AF9F609D453E}"/>
+                  </a:ext>
+                </a:extLst>
+              </p:cNvPr>
+              <p:cNvSpPr txBox="1"/>
+              <p:nvPr/>
+            </p:nvSpPr>
+            <p:spPr>
+              <a:xfrm>
+                <a:off x="24043337" y="13498608"/>
+                <a:ext cx="1409700" cy="400110"/>
+              </a:xfrm>
+              <a:prstGeom prst="rect">
+                <a:avLst/>
+              </a:prstGeom>
+              <a:noFill/>
+            </p:spPr>
+            <p:txBody>
+              <a:bodyPr wrap="square" rtlCol="0">
+                <a:spAutoFit/>
+              </a:bodyPr>
+              <a:lstStyle/>
+              <a:p>
+                <a:pPr algn="r"/>
+                <a:r>
+                  <a:rPr lang="en-CA" sz="2000" dirty="0"/>
+                  <a:t>Cat</a:t>
+                </a:r>
+                <a:endParaRPr lang="en-US" sz="2000" dirty="0"/>
+              </a:p>
+            </p:txBody>
+          </p:sp>
+          <p:sp>
+            <p:nvSpPr>
+              <p:cNvPr id="196" name="TextBox 195">
+                <a:extLst>
+                  <a:ext uri="{FF2B5EF4-FFF2-40B4-BE49-F238E27FC236}">
+                    <a16:creationId xmlns:a16="http://schemas.microsoft.com/office/drawing/2014/main" id="{533E49BD-04AF-44CB-8C2F-E708716BA5A5}"/>
+                  </a:ext>
+                </a:extLst>
+              </p:cNvPr>
+              <p:cNvSpPr txBox="1"/>
+              <p:nvPr/>
+            </p:nvSpPr>
+            <p:spPr>
+              <a:xfrm>
+                <a:off x="24052863" y="13917105"/>
+                <a:ext cx="1409700" cy="400110"/>
+              </a:xfrm>
+              <a:prstGeom prst="rect">
+                <a:avLst/>
+              </a:prstGeom>
+              <a:noFill/>
+            </p:spPr>
+            <p:txBody>
+              <a:bodyPr wrap="square" rtlCol="0">
+                <a:spAutoFit/>
+              </a:bodyPr>
+              <a:lstStyle/>
+              <a:p>
+                <a:pPr algn="r"/>
+                <a:r>
+                  <a:rPr lang="en-CA" sz="2000" dirty="0"/>
+                  <a:t>Deer</a:t>
+                </a:r>
+                <a:endParaRPr lang="en-US" sz="2000" dirty="0"/>
+              </a:p>
+            </p:txBody>
+          </p:sp>
+          <p:sp>
+            <p:nvSpPr>
+              <p:cNvPr id="197" name="TextBox 196">
+                <a:extLst>
+                  <a:ext uri="{FF2B5EF4-FFF2-40B4-BE49-F238E27FC236}">
+                    <a16:creationId xmlns:a16="http://schemas.microsoft.com/office/drawing/2014/main" id="{37E677AC-D679-4013-ABAD-B90847DA32E2}"/>
+                  </a:ext>
+                </a:extLst>
+              </p:cNvPr>
+              <p:cNvSpPr txBox="1"/>
+              <p:nvPr/>
+            </p:nvSpPr>
+            <p:spPr>
+              <a:xfrm>
+                <a:off x="24592165" y="14339687"/>
+                <a:ext cx="860871" cy="400110"/>
+              </a:xfrm>
+              <a:prstGeom prst="rect">
+                <a:avLst/>
+              </a:prstGeom>
+              <a:noFill/>
+            </p:spPr>
+            <p:txBody>
+              <a:bodyPr wrap="square" rtlCol="0">
+                <a:spAutoFit/>
+              </a:bodyPr>
+              <a:lstStyle/>
+              <a:p>
+                <a:pPr algn="r"/>
+                <a:r>
+                  <a:rPr lang="en-CA" sz="2000" dirty="0"/>
+                  <a:t>Dog</a:t>
+                </a:r>
+                <a:endParaRPr lang="en-US" sz="2000" dirty="0"/>
+              </a:p>
+            </p:txBody>
+          </p:sp>
+          <p:sp>
+            <p:nvSpPr>
+              <p:cNvPr id="198" name="TextBox 197">
+                <a:extLst>
+                  <a:ext uri="{FF2B5EF4-FFF2-40B4-BE49-F238E27FC236}">
+                    <a16:creationId xmlns:a16="http://schemas.microsoft.com/office/drawing/2014/main" id="{D73EB7AC-23C9-4A7B-A103-A00FE523D890}"/>
+                  </a:ext>
+                </a:extLst>
+              </p:cNvPr>
+              <p:cNvSpPr txBox="1"/>
+              <p:nvPr/>
+            </p:nvSpPr>
+            <p:spPr>
+              <a:xfrm>
+                <a:off x="24058275" y="14771327"/>
+                <a:ext cx="1409700" cy="400110"/>
+              </a:xfrm>
+              <a:prstGeom prst="rect">
+                <a:avLst/>
+              </a:prstGeom>
+              <a:noFill/>
+            </p:spPr>
+            <p:txBody>
+              <a:bodyPr wrap="square" rtlCol="0">
+                <a:spAutoFit/>
+              </a:bodyPr>
+              <a:lstStyle/>
+              <a:p>
+                <a:pPr algn="r"/>
+                <a:r>
+                  <a:rPr lang="en-CA" sz="2000" dirty="0"/>
+                  <a:t>Frog</a:t>
+                </a:r>
+                <a:endParaRPr lang="en-US" sz="2000" dirty="0"/>
+              </a:p>
+            </p:txBody>
+          </p:sp>
+          <p:sp>
+            <p:nvSpPr>
+              <p:cNvPr id="199" name="TextBox 198">
+                <a:extLst>
+                  <a:ext uri="{FF2B5EF4-FFF2-40B4-BE49-F238E27FC236}">
+                    <a16:creationId xmlns:a16="http://schemas.microsoft.com/office/drawing/2014/main" id="{A778198C-08CE-4EEB-94C3-C20107BE2AC2}"/>
+                  </a:ext>
+                </a:extLst>
+              </p:cNvPr>
+              <p:cNvSpPr txBox="1"/>
+              <p:nvPr/>
+            </p:nvSpPr>
+            <p:spPr>
+              <a:xfrm>
+                <a:off x="24046512" y="15205075"/>
+                <a:ext cx="1409700" cy="400110"/>
+              </a:xfrm>
+              <a:prstGeom prst="rect">
+                <a:avLst/>
+              </a:prstGeom>
+              <a:noFill/>
+            </p:spPr>
+            <p:txBody>
+              <a:bodyPr wrap="square" rtlCol="0">
+                <a:spAutoFit/>
+              </a:bodyPr>
+              <a:lstStyle/>
+              <a:p>
+                <a:pPr algn="r"/>
+                <a:r>
+                  <a:rPr lang="en-CA" sz="2000" dirty="0"/>
+                  <a:t>Horse</a:t>
+                </a:r>
+                <a:endParaRPr lang="en-US" sz="2000" dirty="0"/>
+              </a:p>
+            </p:txBody>
+          </p:sp>
+          <p:sp>
+            <p:nvSpPr>
+              <p:cNvPr id="200" name="TextBox 199">
+                <a:extLst>
+                  <a:ext uri="{FF2B5EF4-FFF2-40B4-BE49-F238E27FC236}">
+                    <a16:creationId xmlns:a16="http://schemas.microsoft.com/office/drawing/2014/main" id="{D6D43E14-3A47-4E45-8E16-C4D2F3386650}"/>
+                  </a:ext>
+                </a:extLst>
+              </p:cNvPr>
+              <p:cNvSpPr txBox="1"/>
+              <p:nvPr/>
+            </p:nvSpPr>
+            <p:spPr>
+              <a:xfrm>
+                <a:off x="24043337" y="15623132"/>
+                <a:ext cx="1409700" cy="400110"/>
+              </a:xfrm>
+              <a:prstGeom prst="rect">
+                <a:avLst/>
+              </a:prstGeom>
+              <a:noFill/>
+            </p:spPr>
+            <p:txBody>
+              <a:bodyPr wrap="square" rtlCol="0">
+                <a:spAutoFit/>
+              </a:bodyPr>
+              <a:lstStyle/>
+              <a:p>
+                <a:pPr algn="r"/>
+                <a:r>
+                  <a:rPr lang="en-CA" sz="2000" dirty="0"/>
+                  <a:t>Ship</a:t>
+                </a:r>
+                <a:endParaRPr lang="en-US" sz="2000" dirty="0"/>
+              </a:p>
+            </p:txBody>
+          </p:sp>
+          <p:sp>
+            <p:nvSpPr>
+              <p:cNvPr id="201" name="TextBox 200">
+                <a:extLst>
+                  <a:ext uri="{FF2B5EF4-FFF2-40B4-BE49-F238E27FC236}">
+                    <a16:creationId xmlns:a16="http://schemas.microsoft.com/office/drawing/2014/main" id="{BA6387B0-C7C9-4AAC-A8C7-24B4943A5E15}"/>
+                  </a:ext>
+                </a:extLst>
+              </p:cNvPr>
+              <p:cNvSpPr txBox="1"/>
+              <p:nvPr/>
+            </p:nvSpPr>
+            <p:spPr>
+              <a:xfrm>
+                <a:off x="24043337" y="16045598"/>
+                <a:ext cx="1409700" cy="400110"/>
+              </a:xfrm>
+              <a:prstGeom prst="rect">
+                <a:avLst/>
+              </a:prstGeom>
+              <a:noFill/>
+            </p:spPr>
+            <p:txBody>
+              <a:bodyPr wrap="square" rtlCol="0">
+                <a:spAutoFit/>
+              </a:bodyPr>
+              <a:lstStyle/>
+              <a:p>
+                <a:pPr algn="r"/>
+                <a:r>
+                  <a:rPr lang="en-CA" sz="2000" dirty="0"/>
+                  <a:t>Truck</a:t>
+                </a:r>
+                <a:endParaRPr lang="en-US" sz="2000" dirty="0"/>
+              </a:p>
+            </p:txBody>
+          </p:sp>
+          <p:sp>
+            <p:nvSpPr>
+              <p:cNvPr id="202" name="TextBox 201">
+                <a:extLst>
+                  <a:ext uri="{FF2B5EF4-FFF2-40B4-BE49-F238E27FC236}">
+                    <a16:creationId xmlns:a16="http://schemas.microsoft.com/office/drawing/2014/main" id="{2390CFC2-735D-4374-99FF-B8BFA0C4E910}"/>
+                  </a:ext>
+                </a:extLst>
+              </p:cNvPr>
+              <p:cNvSpPr txBox="1"/>
+              <p:nvPr/>
+            </p:nvSpPr>
+            <p:spPr>
+              <a:xfrm>
+                <a:off x="25424369" y="16495794"/>
+                <a:ext cx="492443" cy="1286510"/>
+              </a:xfrm>
+              <a:prstGeom prst="rect">
+                <a:avLst/>
+              </a:prstGeom>
+              <a:noFill/>
+            </p:spPr>
+            <p:txBody>
+              <a:bodyPr vert="vert270" wrap="square" rtlCol="0" anchor="ctr" anchorCtr="0">
+                <a:spAutoFit/>
+              </a:bodyPr>
+              <a:lstStyle/>
+              <a:p>
+                <a:pPr algn="r"/>
+                <a:r>
+                  <a:rPr lang="en-CA" sz="2000" dirty="0"/>
+                  <a:t>Airplane</a:t>
+                </a:r>
+                <a:endParaRPr lang="en-US" sz="2000" dirty="0"/>
+              </a:p>
+            </p:txBody>
+          </p:sp>
+          <p:sp>
+            <p:nvSpPr>
+              <p:cNvPr id="203" name="TextBox 202">
+                <a:extLst>
+                  <a:ext uri="{FF2B5EF4-FFF2-40B4-BE49-F238E27FC236}">
+                    <a16:creationId xmlns:a16="http://schemas.microsoft.com/office/drawing/2014/main" id="{D0D419EE-1193-4467-BC42-F604BE2216AA}"/>
+                  </a:ext>
+                </a:extLst>
+              </p:cNvPr>
+              <p:cNvSpPr txBox="1"/>
+              <p:nvPr/>
+            </p:nvSpPr>
+            <p:spPr>
+              <a:xfrm>
+                <a:off x="25847050" y="16483273"/>
+                <a:ext cx="492443" cy="1384381"/>
+              </a:xfrm>
+              <a:prstGeom prst="rect">
+                <a:avLst/>
+              </a:prstGeom>
+              <a:noFill/>
+            </p:spPr>
+            <p:txBody>
+              <a:bodyPr vert="vert270" wrap="square" rtlCol="0" anchor="ctr" anchorCtr="0">
+                <a:spAutoFit/>
+              </a:bodyPr>
+              <a:lstStyle/>
+              <a:p>
+                <a:pPr algn="r"/>
+                <a:r>
+                  <a:rPr lang="en-CA" sz="2000" dirty="0"/>
+                  <a:t>Automobile</a:t>
+                </a:r>
+                <a:endParaRPr lang="en-US" sz="2000" dirty="0"/>
+              </a:p>
+            </p:txBody>
+          </p:sp>
+          <p:sp>
+            <p:nvSpPr>
+              <p:cNvPr id="204" name="TextBox 203">
+                <a:extLst>
+                  <a:ext uri="{FF2B5EF4-FFF2-40B4-BE49-F238E27FC236}">
+                    <a16:creationId xmlns:a16="http://schemas.microsoft.com/office/drawing/2014/main" id="{F499B6F5-DD60-47CB-A3EA-7E114C42247E}"/>
+                  </a:ext>
+                </a:extLst>
+              </p:cNvPr>
+              <p:cNvSpPr txBox="1"/>
+              <p:nvPr/>
+            </p:nvSpPr>
+            <p:spPr>
+              <a:xfrm>
+                <a:off x="26295739" y="16492573"/>
+                <a:ext cx="492443" cy="1286510"/>
+              </a:xfrm>
+              <a:prstGeom prst="rect">
+                <a:avLst/>
+              </a:prstGeom>
+              <a:noFill/>
+            </p:spPr>
+            <p:txBody>
+              <a:bodyPr vert="vert270" wrap="square" rtlCol="0" anchor="ctr" anchorCtr="0">
+                <a:spAutoFit/>
+              </a:bodyPr>
+              <a:lstStyle/>
+              <a:p>
+                <a:pPr algn="r"/>
+                <a:r>
+                  <a:rPr lang="en-CA" sz="2000" dirty="0"/>
+                  <a:t>Bird</a:t>
+                </a:r>
+                <a:endParaRPr lang="en-US" sz="2000" dirty="0"/>
+              </a:p>
+            </p:txBody>
+          </p:sp>
+          <p:sp>
+            <p:nvSpPr>
+              <p:cNvPr id="205" name="TextBox 204">
+                <a:extLst>
+                  <a:ext uri="{FF2B5EF4-FFF2-40B4-BE49-F238E27FC236}">
+                    <a16:creationId xmlns:a16="http://schemas.microsoft.com/office/drawing/2014/main" id="{08126F5A-5ECB-41D4-9FAB-66DFCB189018}"/>
+                  </a:ext>
+                </a:extLst>
+              </p:cNvPr>
+              <p:cNvSpPr txBox="1"/>
+              <p:nvPr/>
+            </p:nvSpPr>
+            <p:spPr>
+              <a:xfrm>
+                <a:off x="26714347" y="16497552"/>
+                <a:ext cx="492443" cy="601728"/>
+              </a:xfrm>
+              <a:prstGeom prst="rect">
+                <a:avLst/>
+              </a:prstGeom>
+              <a:noFill/>
+            </p:spPr>
+            <p:txBody>
+              <a:bodyPr vert="vert270" wrap="square" rtlCol="0" anchor="ctr" anchorCtr="0">
+                <a:spAutoFit/>
+              </a:bodyPr>
+              <a:lstStyle/>
+              <a:p>
+                <a:pPr algn="r"/>
+                <a:r>
+                  <a:rPr lang="en-CA" sz="2000" dirty="0"/>
+                  <a:t>Cat</a:t>
+                </a:r>
+                <a:endParaRPr lang="en-US" sz="2000" dirty="0"/>
+              </a:p>
+            </p:txBody>
+          </p:sp>
+          <p:sp>
+            <p:nvSpPr>
+              <p:cNvPr id="206" name="TextBox 205">
+                <a:extLst>
+                  <a:ext uri="{FF2B5EF4-FFF2-40B4-BE49-F238E27FC236}">
+                    <a16:creationId xmlns:a16="http://schemas.microsoft.com/office/drawing/2014/main" id="{FC070967-B042-4AA4-A26F-D580CD4B6AAD}"/>
+                  </a:ext>
+                </a:extLst>
+              </p:cNvPr>
+              <p:cNvSpPr txBox="1"/>
+              <p:nvPr/>
+            </p:nvSpPr>
+            <p:spPr>
+              <a:xfrm>
+                <a:off x="27147796" y="16498398"/>
+                <a:ext cx="492443" cy="830871"/>
+              </a:xfrm>
+              <a:prstGeom prst="rect">
+                <a:avLst/>
+              </a:prstGeom>
+              <a:noFill/>
+            </p:spPr>
+            <p:txBody>
+              <a:bodyPr vert="vert270" wrap="square" rtlCol="0" anchor="ctr" anchorCtr="0">
+                <a:spAutoFit/>
+              </a:bodyPr>
+              <a:lstStyle/>
+              <a:p>
+                <a:pPr algn="r"/>
+                <a:r>
+                  <a:rPr lang="en-CA" sz="2000" dirty="0"/>
+                  <a:t>Deer</a:t>
+                </a:r>
+                <a:endParaRPr lang="en-US" sz="2000" dirty="0"/>
+              </a:p>
+            </p:txBody>
+          </p:sp>
+          <p:sp>
+            <p:nvSpPr>
+              <p:cNvPr id="207" name="TextBox 206">
+                <a:extLst>
+                  <a:ext uri="{FF2B5EF4-FFF2-40B4-BE49-F238E27FC236}">
+                    <a16:creationId xmlns:a16="http://schemas.microsoft.com/office/drawing/2014/main" id="{FC3DCC8B-9B9E-40FC-A76C-985714045CDA}"/>
+                  </a:ext>
+                </a:extLst>
+              </p:cNvPr>
+              <p:cNvSpPr txBox="1"/>
+              <p:nvPr/>
+            </p:nvSpPr>
+            <p:spPr>
+              <a:xfrm>
+                <a:off x="27566404" y="16496844"/>
+                <a:ext cx="492443" cy="1286510"/>
+              </a:xfrm>
+              <a:prstGeom prst="rect">
+                <a:avLst/>
+              </a:prstGeom>
+              <a:noFill/>
+            </p:spPr>
+            <p:txBody>
+              <a:bodyPr vert="vert270" wrap="square" rtlCol="0" anchor="ctr" anchorCtr="0">
+                <a:spAutoFit/>
+              </a:bodyPr>
+              <a:lstStyle/>
+              <a:p>
+                <a:pPr algn="r"/>
+                <a:r>
+                  <a:rPr lang="en-CA" sz="2000" dirty="0"/>
+                  <a:t>Dog</a:t>
+                </a:r>
+                <a:endParaRPr lang="en-US" sz="2000" dirty="0"/>
+              </a:p>
+            </p:txBody>
+          </p:sp>
+          <p:sp>
+            <p:nvSpPr>
+              <p:cNvPr id="208" name="TextBox 207">
+                <a:extLst>
+                  <a:ext uri="{FF2B5EF4-FFF2-40B4-BE49-F238E27FC236}">
+                    <a16:creationId xmlns:a16="http://schemas.microsoft.com/office/drawing/2014/main" id="{CC876C5F-5592-4668-BA6D-77CADD320DFE}"/>
+                  </a:ext>
+                </a:extLst>
+              </p:cNvPr>
+              <p:cNvSpPr txBox="1"/>
+              <p:nvPr/>
+            </p:nvSpPr>
+            <p:spPr>
+              <a:xfrm>
+                <a:off x="28000423" y="16499965"/>
+                <a:ext cx="492443" cy="1286510"/>
+              </a:xfrm>
+              <a:prstGeom prst="rect">
+                <a:avLst/>
+              </a:prstGeom>
+              <a:noFill/>
+            </p:spPr>
+            <p:txBody>
+              <a:bodyPr vert="vert270" wrap="square" rtlCol="0" anchor="ctr" anchorCtr="0">
+                <a:spAutoFit/>
+              </a:bodyPr>
+              <a:lstStyle/>
+              <a:p>
+                <a:pPr algn="r"/>
+                <a:r>
+                  <a:rPr lang="en-CA" sz="2000" dirty="0"/>
+                  <a:t>Frog</a:t>
+                </a:r>
+                <a:endParaRPr lang="en-US" sz="2000" dirty="0"/>
+              </a:p>
+            </p:txBody>
+          </p:sp>
+          <p:sp>
+            <p:nvSpPr>
+              <p:cNvPr id="209" name="TextBox 208">
+                <a:extLst>
+                  <a:ext uri="{FF2B5EF4-FFF2-40B4-BE49-F238E27FC236}">
+                    <a16:creationId xmlns:a16="http://schemas.microsoft.com/office/drawing/2014/main" id="{243B57DB-C0E4-43EF-8583-25A34CB867BF}"/>
+                  </a:ext>
+                </a:extLst>
+              </p:cNvPr>
+              <p:cNvSpPr txBox="1"/>
+              <p:nvPr/>
+            </p:nvSpPr>
+            <p:spPr>
+              <a:xfrm>
+                <a:off x="28424290" y="16500504"/>
+                <a:ext cx="492443" cy="1286510"/>
+              </a:xfrm>
+              <a:prstGeom prst="rect">
+                <a:avLst/>
+              </a:prstGeom>
+              <a:noFill/>
+            </p:spPr>
+            <p:txBody>
+              <a:bodyPr vert="vert270" wrap="square" rtlCol="0" anchor="ctr" anchorCtr="0">
+                <a:spAutoFit/>
+              </a:bodyPr>
+              <a:lstStyle/>
+              <a:p>
+                <a:pPr algn="r"/>
+                <a:r>
+                  <a:rPr lang="en-CA" sz="2000" dirty="0"/>
+                  <a:t>Horse</a:t>
+                </a:r>
+                <a:endParaRPr lang="en-US" sz="2000" dirty="0"/>
+              </a:p>
+            </p:txBody>
+          </p:sp>
+          <p:sp>
+            <p:nvSpPr>
+              <p:cNvPr id="210" name="TextBox 209">
+                <a:extLst>
+                  <a:ext uri="{FF2B5EF4-FFF2-40B4-BE49-F238E27FC236}">
+                    <a16:creationId xmlns:a16="http://schemas.microsoft.com/office/drawing/2014/main" id="{AC9B9E10-19DF-4319-A946-9EE1B49E7B72}"/>
+                  </a:ext>
+                </a:extLst>
+              </p:cNvPr>
+              <p:cNvSpPr txBox="1"/>
+              <p:nvPr/>
+            </p:nvSpPr>
+            <p:spPr>
+              <a:xfrm>
+                <a:off x="28831745" y="16494981"/>
+                <a:ext cx="492443" cy="1286510"/>
+              </a:xfrm>
+              <a:prstGeom prst="rect">
+                <a:avLst/>
+              </a:prstGeom>
+              <a:noFill/>
+            </p:spPr>
+            <p:txBody>
+              <a:bodyPr vert="vert270" wrap="square" rtlCol="0" anchor="ctr" anchorCtr="0">
+                <a:spAutoFit/>
+              </a:bodyPr>
+              <a:lstStyle/>
+              <a:p>
+                <a:pPr algn="r"/>
+                <a:r>
+                  <a:rPr lang="en-CA" sz="2000" dirty="0"/>
+                  <a:t>Ship</a:t>
+                </a:r>
+                <a:endParaRPr lang="en-US" sz="2000" dirty="0"/>
+              </a:p>
+            </p:txBody>
+          </p:sp>
+          <p:sp>
+            <p:nvSpPr>
+              <p:cNvPr id="211" name="TextBox 210">
+                <a:extLst>
+                  <a:ext uri="{FF2B5EF4-FFF2-40B4-BE49-F238E27FC236}">
+                    <a16:creationId xmlns:a16="http://schemas.microsoft.com/office/drawing/2014/main" id="{107EC451-A69E-4EC7-B94F-3D271B2C04DE}"/>
+                  </a:ext>
+                </a:extLst>
+              </p:cNvPr>
+              <p:cNvSpPr txBox="1"/>
+              <p:nvPr/>
+            </p:nvSpPr>
+            <p:spPr>
+              <a:xfrm>
+                <a:off x="29256433" y="16493740"/>
+                <a:ext cx="492443" cy="1286510"/>
+              </a:xfrm>
+              <a:prstGeom prst="rect">
+                <a:avLst/>
+              </a:prstGeom>
+              <a:noFill/>
+            </p:spPr>
+            <p:txBody>
+              <a:bodyPr vert="vert270" wrap="square" rtlCol="0" anchor="ctr" anchorCtr="0">
+                <a:spAutoFit/>
+              </a:bodyPr>
+              <a:lstStyle/>
+              <a:p>
+                <a:pPr algn="r"/>
+                <a:r>
+                  <a:rPr lang="en-CA" sz="2000" dirty="0"/>
+                  <a:t>Truck</a:t>
+                </a:r>
+                <a:endParaRPr lang="en-US" sz="2000" dirty="0"/>
+              </a:p>
+            </p:txBody>
+          </p:sp>
+        </p:grpSp>
+      </p:grpSp>
+      <p:pic>
+        <p:nvPicPr>
+          <p:cNvPr id="87" name="Image 86">
+            <a:extLst>
+              <a:ext uri="{FF2B5EF4-FFF2-40B4-BE49-F238E27FC236}">
+                <a16:creationId xmlns:a16="http://schemas.microsoft.com/office/drawing/2014/main" id="{9255E406-C343-4C35-BAA0-F2843E975429}"/>
+              </a:ext>
+            </a:extLst>
+          </p:cNvPr>
+          <p:cNvPicPr>
+            <a:picLocks noChangeAspect="1"/>
+          </p:cNvPicPr>
+          <p:nvPr/>
+        </p:nvPicPr>
+        <p:blipFill rotWithShape="1">
+          <a:blip r:embed="rId8">
+            <a:extLst>
+              <a:ext uri="{28A0092B-C50C-407E-A947-70E740481C1C}">
+                <a14:useLocalDpi xmlns:a14="http://schemas.microsoft.com/office/drawing/2010/main" val="0"/>
+              </a:ext>
+            </a:extLst>
+          </a:blip>
+          <a:srcRect l="23269" t="7290" r="20037" b="16801"/>
+          <a:stretch/>
+        </p:blipFill>
+        <p:spPr>
+          <a:xfrm>
+            <a:off x="25500680" y="22661185"/>
+            <a:ext cx="4279116" cy="4279117"/>
+          </a:xfrm>
+          <a:prstGeom prst="rect">
+            <a:avLst/>
+          </a:prstGeom>
+        </p:spPr>
+      </p:pic>
+      <p:pic>
+        <p:nvPicPr>
+          <p:cNvPr id="105" name="Image 104">
+            <a:extLst>
+              <a:ext uri="{FF2B5EF4-FFF2-40B4-BE49-F238E27FC236}">
+                <a16:creationId xmlns:a16="http://schemas.microsoft.com/office/drawing/2014/main" id="{6C85B311-2293-4B2E-9934-25CDFA2F6219}"/>
+              </a:ext>
+            </a:extLst>
+          </p:cNvPr>
+          <p:cNvPicPr>
+            <a:picLocks noChangeAspect="1"/>
+          </p:cNvPicPr>
+          <p:nvPr/>
+        </p:nvPicPr>
+        <p:blipFill rotWithShape="1">
+          <a:blip r:embed="rId9">
+            <a:extLst>
+              <a:ext uri="{28A0092B-C50C-407E-A947-70E740481C1C}">
+                <a14:useLocalDpi xmlns:a14="http://schemas.microsoft.com/office/drawing/2010/main" val="0"/>
+              </a:ext>
+            </a:extLst>
+          </a:blip>
+          <a:srcRect l="23274" t="7284" r="20023" b="16724"/>
+          <a:stretch/>
+        </p:blipFill>
+        <p:spPr>
+          <a:xfrm>
+            <a:off x="25467975" y="29236465"/>
+            <a:ext cx="4279116" cy="4283225"/>
+          </a:xfrm>
+          <a:prstGeom prst="rect">
+            <a:avLst/>
+          </a:prstGeom>
+        </p:spPr>
+      </p:pic>
+      <p:grpSp>
+        <p:nvGrpSpPr>
+          <p:cNvPr id="25" name="Group 24">
+            <a:extLst>
+              <a:ext uri="{FF2B5EF4-FFF2-40B4-BE49-F238E27FC236}">
+                <a16:creationId xmlns:a16="http://schemas.microsoft.com/office/drawing/2014/main" id="{E42EC9FE-9CF1-4ED1-93D0-C6F4AD69E32B}"/>
+              </a:ext>
+            </a:extLst>
+          </p:cNvPr>
+          <p:cNvGrpSpPr/>
+          <p:nvPr/>
+        </p:nvGrpSpPr>
+        <p:grpSpPr>
+          <a:xfrm>
+            <a:off x="11433348" y="17853521"/>
+            <a:ext cx="10050462" cy="789508"/>
+            <a:chOff x="11433348" y="17853521"/>
+            <a:chExt cx="10050462" cy="789508"/>
+          </a:xfrm>
+        </p:grpSpPr>
+        <p:sp>
+          <p:nvSpPr>
+            <p:cNvPr id="85" name="Text Placeholder 3">
+              <a:extLst>
+                <a:ext uri="{FF2B5EF4-FFF2-40B4-BE49-F238E27FC236}">
+                  <a16:creationId xmlns:a16="http://schemas.microsoft.com/office/drawing/2014/main" id="{A7F42514-2EB2-45F5-808D-97D2B596AF40}"/>
+                </a:ext>
+              </a:extLst>
+            </p:cNvPr>
+            <p:cNvSpPr txBox="1">
+              <a:spLocks/>
+            </p:cNvSpPr>
+            <p:nvPr/>
+          </p:nvSpPr>
+          <p:spPr>
+            <a:xfrm>
+              <a:off x="11433348" y="17888984"/>
+              <a:ext cx="10050462" cy="754045"/>
+            </a:xfrm>
+            <a:prstGeom prst="rect">
+              <a:avLst/>
+            </a:prstGeom>
+            <a:noFill/>
+          </p:spPr>
+          <p:txBody>
+            <a:bodyPr wrap="square" lIns="91436" tIns="91436" rIns="91436" bIns="91436" anchor="ctr" anchorCtr="0">
+              <a:spAutoFit/>
+            </a:bodyPr>
+            <a:lstStyle>
+              <a:lvl1pPr marL="0" indent="0" algn="ctr" defTabSz="4388900" rtl="0" eaLnBrk="1" latinLnBrk="0" hangingPunct="1">
+                <a:spcBef>
+                  <a:spcPct val="20000"/>
+                </a:spcBef>
+                <a:buFont typeface="Arial" pitchFamily="34" charset="0"/>
+                <a:buNone/>
+                <a:defRPr sz="3700" b="1" u="sng" kern="1200" baseline="0">
+                  <a:solidFill>
+                    <a:schemeClr val="accent5">
+                      <a:lumMod val="50000"/>
+                    </a:schemeClr>
+                  </a:solidFill>
+                  <a:latin typeface="+mn-lt"/>
+                  <a:ea typeface="+mn-ea"/>
+                  <a:cs typeface="+mn-cs"/>
+                </a:defRPr>
+              </a:lvl1pPr>
+              <a:lvl2pPr marL="3565982" indent="-1371531" algn="l" defTabSz="4388900" rtl="0" eaLnBrk="1" latinLnBrk="0" hangingPunct="1">
+                <a:spcBef>
+                  <a:spcPct val="20000"/>
+                </a:spcBef>
+                <a:buFont typeface="Arial" pitchFamily="34" charset="0"/>
+                <a:buChar char="–"/>
+                <a:defRPr sz="13500" kern="1200">
+                  <a:solidFill>
+                    <a:schemeClr val="tx1"/>
+                  </a:solidFill>
+                  <a:latin typeface="+mn-lt"/>
+                  <a:ea typeface="+mn-ea"/>
+                  <a:cs typeface="+mn-cs"/>
+                </a:defRPr>
+              </a:lvl2pPr>
+              <a:lvl3pPr marL="5486126" indent="-1097226" algn="l" defTabSz="4388900" rtl="0" eaLnBrk="1" latinLnBrk="0" hangingPunct="1">
+                <a:spcBef>
+                  <a:spcPct val="20000"/>
+                </a:spcBef>
+                <a:buFont typeface="Arial" pitchFamily="34" charset="0"/>
+                <a:buChar char="•"/>
+                <a:defRPr sz="11600" kern="1200">
+                  <a:solidFill>
+                    <a:schemeClr val="tx1"/>
+                  </a:solidFill>
+                  <a:latin typeface="+mn-lt"/>
+                  <a:ea typeface="+mn-ea"/>
+                  <a:cs typeface="+mn-cs"/>
+                </a:defRPr>
+              </a:lvl3pPr>
+              <a:lvl4pPr marL="7680577" indent="-1097226" algn="l" defTabSz="4388900" rtl="0" eaLnBrk="1" latinLnBrk="0" hangingPunct="1">
+                <a:spcBef>
+                  <a:spcPct val="20000"/>
+                </a:spcBef>
+                <a:buFont typeface="Arial" pitchFamily="34" charset="0"/>
+                <a:buChar char="–"/>
+                <a:defRPr sz="9600" kern="1200">
+                  <a:solidFill>
+                    <a:schemeClr val="tx1"/>
+                  </a:solidFill>
+                  <a:latin typeface="+mn-lt"/>
+                  <a:ea typeface="+mn-ea"/>
+                  <a:cs typeface="+mn-cs"/>
+                </a:defRPr>
+              </a:lvl4pPr>
+              <a:lvl5pPr marL="9875026" indent="-1097226" algn="l" defTabSz="4388900" rtl="0" eaLnBrk="1" latinLnBrk="0" hangingPunct="1">
+                <a:spcBef>
+                  <a:spcPct val="20000"/>
+                </a:spcBef>
+                <a:buFont typeface="Arial" pitchFamily="34" charset="0"/>
+                <a:buChar char="»"/>
+                <a:defRPr sz="9600" kern="1200">
+                  <a:solidFill>
+                    <a:schemeClr val="tx1"/>
+                  </a:solidFill>
+                  <a:latin typeface="+mn-lt"/>
+                  <a:ea typeface="+mn-ea"/>
+                  <a:cs typeface="+mn-cs"/>
+                </a:defRPr>
+              </a:lvl5pPr>
+              <a:lvl6pPr marL="12069477" indent="-1097226" algn="l" defTabSz="4388900" rtl="0" eaLnBrk="1" latinLnBrk="0" hangingPunct="1">
+                <a:spcBef>
+                  <a:spcPct val="20000"/>
+                </a:spcBef>
+                <a:buFont typeface="Arial" pitchFamily="34" charset="0"/>
+                <a:buChar char="•"/>
+                <a:defRPr sz="9600" kern="1200">
+                  <a:solidFill>
+                    <a:schemeClr val="tx1"/>
+                  </a:solidFill>
+                  <a:latin typeface="+mn-lt"/>
+                  <a:ea typeface="+mn-ea"/>
+                  <a:cs typeface="+mn-cs"/>
+                </a:defRPr>
+              </a:lvl6pPr>
+              <a:lvl7pPr marL="14263926" indent="-1097226" algn="l" defTabSz="4388900" rtl="0" eaLnBrk="1" latinLnBrk="0" hangingPunct="1">
+                <a:spcBef>
+                  <a:spcPct val="20000"/>
+                </a:spcBef>
+                <a:buFont typeface="Arial" pitchFamily="34" charset="0"/>
+                <a:buChar char="•"/>
+                <a:defRPr sz="9600" kern="1200">
+                  <a:solidFill>
+                    <a:schemeClr val="tx1"/>
+                  </a:solidFill>
+                  <a:latin typeface="+mn-lt"/>
+                  <a:ea typeface="+mn-ea"/>
+                  <a:cs typeface="+mn-cs"/>
+                </a:defRPr>
+              </a:lvl7pPr>
+              <a:lvl8pPr marL="16458377" indent="-1097226" algn="l" defTabSz="4388900" rtl="0" eaLnBrk="1" latinLnBrk="0" hangingPunct="1">
+                <a:spcBef>
+                  <a:spcPct val="20000"/>
+                </a:spcBef>
+                <a:buFont typeface="Arial" pitchFamily="34" charset="0"/>
+                <a:buChar char="•"/>
+                <a:defRPr sz="9600" kern="1200">
+                  <a:solidFill>
+                    <a:schemeClr val="tx1"/>
+                  </a:solidFill>
+                  <a:latin typeface="+mn-lt"/>
+                  <a:ea typeface="+mn-ea"/>
+                  <a:cs typeface="+mn-cs"/>
+                </a:defRPr>
+              </a:lvl8pPr>
+              <a:lvl9pPr marL="18652827" indent="-1097226" algn="l" defTabSz="4388900" rtl="0" eaLnBrk="1" latinLnBrk="0" hangingPunct="1">
+                <a:spcBef>
+                  <a:spcPct val="20000"/>
+                </a:spcBef>
+                <a:buFont typeface="Arial" pitchFamily="34" charset="0"/>
+                <a:buChar char="•"/>
+                <a:defRPr sz="9600" kern="1200">
+                  <a:solidFill>
+                    <a:schemeClr val="tx1"/>
+                  </a:solidFill>
+                  <a:latin typeface="+mn-lt"/>
+                  <a:ea typeface="+mn-ea"/>
+                  <a:cs typeface="+mn-cs"/>
+                </a:defRPr>
+              </a:lvl9pPr>
+            </a:lstStyle>
+            <a:p>
+              <a:pPr algn="l"/>
+              <a:r>
+                <a:rPr lang="en-US" u="none" dirty="0"/>
+                <a:t>CNN</a:t>
+              </a:r>
+            </a:p>
+          </p:txBody>
+        </p:sp>
+        <p:cxnSp>
+          <p:nvCxnSpPr>
+            <p:cNvPr id="21" name="Straight Connector 20">
+              <a:extLst>
+                <a:ext uri="{FF2B5EF4-FFF2-40B4-BE49-F238E27FC236}">
+                  <a16:creationId xmlns:a16="http://schemas.microsoft.com/office/drawing/2014/main" id="{9D6D9DC2-79CF-4442-9F07-9B644F57AB54}"/>
+                </a:ext>
+              </a:extLst>
+            </p:cNvPr>
+            <p:cNvCxnSpPr>
+              <a:cxnSpLocks/>
+            </p:cNvCxnSpPr>
+            <p:nvPr/>
+          </p:nvCxnSpPr>
+          <p:spPr>
+            <a:xfrm flipV="1">
+              <a:off x="11442945" y="17853521"/>
+              <a:ext cx="10031268" cy="14075"/>
+            </a:xfrm>
+            <a:prstGeom prst="line">
+              <a:avLst/>
+            </a:prstGeom>
+            <a:ln>
+              <a:solidFill>
+                <a:srgbClr val="CDD2DE"/>
+              </a:solidFill>
+            </a:ln>
+          </p:spPr>
+          <p:style>
+            <a:lnRef idx="1">
+              <a:schemeClr val="dk1"/>
+            </a:lnRef>
+            <a:fillRef idx="0">
+              <a:schemeClr val="dk1"/>
+            </a:fillRef>
+            <a:effectRef idx="0">
+              <a:schemeClr val="dk1"/>
+            </a:effectRef>
+            <a:fontRef idx="minor">
+              <a:schemeClr val="tx1"/>
+            </a:fontRef>
+          </p:style>
+        </p:cxnSp>
+      </p:grpSp>
+      <p:grpSp>
+        <p:nvGrpSpPr>
+          <p:cNvPr id="24" name="Group 23">
+            <a:extLst>
+              <a:ext uri="{FF2B5EF4-FFF2-40B4-BE49-F238E27FC236}">
+                <a16:creationId xmlns:a16="http://schemas.microsoft.com/office/drawing/2014/main" id="{6FA4FBEF-0D92-428F-BFDD-1072B8AC7228}"/>
+              </a:ext>
+            </a:extLst>
+          </p:cNvPr>
+          <p:cNvGrpSpPr/>
+          <p:nvPr/>
+        </p:nvGrpSpPr>
+        <p:grpSpPr>
+          <a:xfrm>
+            <a:off x="11454096" y="24752262"/>
+            <a:ext cx="10054941" cy="770644"/>
+            <a:chOff x="11454096" y="24752262"/>
+            <a:chExt cx="10054941" cy="770644"/>
+          </a:xfrm>
+        </p:grpSpPr>
+        <p:sp>
+          <p:nvSpPr>
+            <p:cNvPr id="88" name="Text Placeholder 3">
+              <a:extLst>
+                <a:ext uri="{FF2B5EF4-FFF2-40B4-BE49-F238E27FC236}">
+                  <a16:creationId xmlns:a16="http://schemas.microsoft.com/office/drawing/2014/main" id="{605A2455-E2C4-4B6F-A59B-9275B9FCD658}"/>
+                </a:ext>
+              </a:extLst>
+            </p:cNvPr>
+            <p:cNvSpPr txBox="1">
+              <a:spLocks/>
+            </p:cNvSpPr>
+            <p:nvPr/>
+          </p:nvSpPr>
+          <p:spPr>
+            <a:xfrm>
+              <a:off x="11458575" y="24768861"/>
+              <a:ext cx="10050462" cy="754045"/>
+            </a:xfrm>
+            <a:prstGeom prst="rect">
+              <a:avLst/>
+            </a:prstGeom>
+            <a:noFill/>
+          </p:spPr>
+          <p:txBody>
+            <a:bodyPr wrap="square" lIns="91436" tIns="91436" rIns="91436" bIns="91436" anchor="ctr" anchorCtr="0">
+              <a:spAutoFit/>
+            </a:bodyPr>
+            <a:lstStyle>
+              <a:lvl1pPr marL="0" indent="0" algn="ctr" defTabSz="4388900" rtl="0" eaLnBrk="1" latinLnBrk="0" hangingPunct="1">
+                <a:spcBef>
+                  <a:spcPct val="20000"/>
+                </a:spcBef>
+                <a:buFont typeface="Arial" pitchFamily="34" charset="0"/>
+                <a:buNone/>
+                <a:defRPr sz="3700" b="1" u="sng" kern="1200" baseline="0">
+                  <a:solidFill>
+                    <a:schemeClr val="accent5">
+                      <a:lumMod val="50000"/>
+                    </a:schemeClr>
+                  </a:solidFill>
+                  <a:latin typeface="+mn-lt"/>
+                  <a:ea typeface="+mn-ea"/>
+                  <a:cs typeface="+mn-cs"/>
+                </a:defRPr>
+              </a:lvl1pPr>
+              <a:lvl2pPr marL="3565982" indent="-1371531" algn="l" defTabSz="4388900" rtl="0" eaLnBrk="1" latinLnBrk="0" hangingPunct="1">
+                <a:spcBef>
+                  <a:spcPct val="20000"/>
+                </a:spcBef>
+                <a:buFont typeface="Arial" pitchFamily="34" charset="0"/>
+                <a:buChar char="–"/>
+                <a:defRPr sz="13500" kern="1200">
+                  <a:solidFill>
+                    <a:schemeClr val="tx1"/>
+                  </a:solidFill>
+                  <a:latin typeface="+mn-lt"/>
+                  <a:ea typeface="+mn-ea"/>
+                  <a:cs typeface="+mn-cs"/>
+                </a:defRPr>
+              </a:lvl2pPr>
+              <a:lvl3pPr marL="5486126" indent="-1097226" algn="l" defTabSz="4388900" rtl="0" eaLnBrk="1" latinLnBrk="0" hangingPunct="1">
+                <a:spcBef>
+                  <a:spcPct val="20000"/>
+                </a:spcBef>
+                <a:buFont typeface="Arial" pitchFamily="34" charset="0"/>
+                <a:buChar char="•"/>
+                <a:defRPr sz="11600" kern="1200">
+                  <a:solidFill>
+                    <a:schemeClr val="tx1"/>
+                  </a:solidFill>
+                  <a:latin typeface="+mn-lt"/>
+                  <a:ea typeface="+mn-ea"/>
+                  <a:cs typeface="+mn-cs"/>
+                </a:defRPr>
+              </a:lvl3pPr>
+              <a:lvl4pPr marL="7680577" indent="-1097226" algn="l" defTabSz="4388900" rtl="0" eaLnBrk="1" latinLnBrk="0" hangingPunct="1">
+                <a:spcBef>
+                  <a:spcPct val="20000"/>
+                </a:spcBef>
+                <a:buFont typeface="Arial" pitchFamily="34" charset="0"/>
+                <a:buChar char="–"/>
+                <a:defRPr sz="9600" kern="1200">
+                  <a:solidFill>
+                    <a:schemeClr val="tx1"/>
+                  </a:solidFill>
+                  <a:latin typeface="+mn-lt"/>
+                  <a:ea typeface="+mn-ea"/>
+                  <a:cs typeface="+mn-cs"/>
+                </a:defRPr>
+              </a:lvl4pPr>
+              <a:lvl5pPr marL="9875026" indent="-1097226" algn="l" defTabSz="4388900" rtl="0" eaLnBrk="1" latinLnBrk="0" hangingPunct="1">
+                <a:spcBef>
+                  <a:spcPct val="20000"/>
+                </a:spcBef>
+                <a:buFont typeface="Arial" pitchFamily="34" charset="0"/>
+                <a:buChar char="»"/>
+                <a:defRPr sz="9600" kern="1200">
+                  <a:solidFill>
+                    <a:schemeClr val="tx1"/>
+                  </a:solidFill>
+                  <a:latin typeface="+mn-lt"/>
+                  <a:ea typeface="+mn-ea"/>
+                  <a:cs typeface="+mn-cs"/>
+                </a:defRPr>
+              </a:lvl5pPr>
+              <a:lvl6pPr marL="12069477" indent="-1097226" algn="l" defTabSz="4388900" rtl="0" eaLnBrk="1" latinLnBrk="0" hangingPunct="1">
+                <a:spcBef>
+                  <a:spcPct val="20000"/>
+                </a:spcBef>
+                <a:buFont typeface="Arial" pitchFamily="34" charset="0"/>
+                <a:buChar char="•"/>
+                <a:defRPr sz="9600" kern="1200">
+                  <a:solidFill>
+                    <a:schemeClr val="tx1"/>
+                  </a:solidFill>
+                  <a:latin typeface="+mn-lt"/>
+                  <a:ea typeface="+mn-ea"/>
+                  <a:cs typeface="+mn-cs"/>
+                </a:defRPr>
+              </a:lvl6pPr>
+              <a:lvl7pPr marL="14263926" indent="-1097226" algn="l" defTabSz="4388900" rtl="0" eaLnBrk="1" latinLnBrk="0" hangingPunct="1">
+                <a:spcBef>
+                  <a:spcPct val="20000"/>
+                </a:spcBef>
+                <a:buFont typeface="Arial" pitchFamily="34" charset="0"/>
+                <a:buChar char="•"/>
+                <a:defRPr sz="9600" kern="1200">
+                  <a:solidFill>
+                    <a:schemeClr val="tx1"/>
+                  </a:solidFill>
+                  <a:latin typeface="+mn-lt"/>
+                  <a:ea typeface="+mn-ea"/>
+                  <a:cs typeface="+mn-cs"/>
+                </a:defRPr>
+              </a:lvl7pPr>
+              <a:lvl8pPr marL="16458377" indent="-1097226" algn="l" defTabSz="4388900" rtl="0" eaLnBrk="1" latinLnBrk="0" hangingPunct="1">
+                <a:spcBef>
+                  <a:spcPct val="20000"/>
+                </a:spcBef>
+                <a:buFont typeface="Arial" pitchFamily="34" charset="0"/>
+                <a:buChar char="•"/>
+                <a:defRPr sz="9600" kern="1200">
+                  <a:solidFill>
+                    <a:schemeClr val="tx1"/>
+                  </a:solidFill>
+                  <a:latin typeface="+mn-lt"/>
+                  <a:ea typeface="+mn-ea"/>
+                  <a:cs typeface="+mn-cs"/>
+                </a:defRPr>
+              </a:lvl8pPr>
+              <a:lvl9pPr marL="18652827" indent="-1097226" algn="l" defTabSz="4388900" rtl="0" eaLnBrk="1" latinLnBrk="0" hangingPunct="1">
+                <a:spcBef>
+                  <a:spcPct val="20000"/>
+                </a:spcBef>
+                <a:buFont typeface="Arial" pitchFamily="34" charset="0"/>
+                <a:buChar char="•"/>
+                <a:defRPr sz="9600" kern="1200">
+                  <a:solidFill>
+                    <a:schemeClr val="tx1"/>
+                  </a:solidFill>
+                  <a:latin typeface="+mn-lt"/>
+                  <a:ea typeface="+mn-ea"/>
+                  <a:cs typeface="+mn-cs"/>
+                </a:defRPr>
+              </a:lvl9pPr>
+            </a:lstStyle>
+            <a:p>
+              <a:pPr algn="l"/>
+              <a:r>
+                <a:rPr lang="en-US" u="none" dirty="0"/>
+                <a:t>SVM</a:t>
+              </a:r>
+            </a:p>
+          </p:txBody>
+        </p:sp>
+        <p:cxnSp>
+          <p:nvCxnSpPr>
+            <p:cNvPr id="213" name="Straight Connector 212">
+              <a:extLst>
+                <a:ext uri="{FF2B5EF4-FFF2-40B4-BE49-F238E27FC236}">
+                  <a16:creationId xmlns:a16="http://schemas.microsoft.com/office/drawing/2014/main" id="{CE5A94A0-6FC6-42D8-94CA-D31C1034B000}"/>
+                </a:ext>
+              </a:extLst>
+            </p:cNvPr>
+            <p:cNvCxnSpPr>
+              <a:cxnSpLocks/>
+            </p:cNvCxnSpPr>
+            <p:nvPr/>
+          </p:nvCxnSpPr>
+          <p:spPr>
+            <a:xfrm flipV="1">
+              <a:off x="11454096" y="24752262"/>
+              <a:ext cx="10031268" cy="14075"/>
+            </a:xfrm>
+            <a:prstGeom prst="line">
+              <a:avLst/>
+            </a:prstGeom>
+            <a:ln>
+              <a:solidFill>
+                <a:srgbClr val="CDD2DE"/>
+              </a:solidFill>
+            </a:ln>
+          </p:spPr>
+          <p:style>
+            <a:lnRef idx="1">
+              <a:schemeClr val="dk1"/>
+            </a:lnRef>
+            <a:fillRef idx="0">
+              <a:schemeClr val="dk1"/>
+            </a:fillRef>
+            <a:effectRef idx="0">
+              <a:schemeClr val="dk1"/>
+            </a:effectRef>
+            <a:fontRef idx="minor">
+              <a:schemeClr val="tx1"/>
+            </a:fontRef>
+          </p:style>
+        </p:cxnSp>
+      </p:grpSp>
+      <p:cxnSp>
+        <p:nvCxnSpPr>
+          <p:cNvPr id="214" name="Straight Connector 213">
+            <a:extLst>
+              <a:ext uri="{FF2B5EF4-FFF2-40B4-BE49-F238E27FC236}">
+                <a16:creationId xmlns:a16="http://schemas.microsoft.com/office/drawing/2014/main" id="{9450316A-22E6-40B3-9337-C5E3A5154C78}"/>
+              </a:ext>
+            </a:extLst>
+          </p:cNvPr>
+          <p:cNvCxnSpPr>
+            <a:cxnSpLocks/>
+          </p:cNvCxnSpPr>
+          <p:nvPr/>
+        </p:nvCxnSpPr>
+        <p:spPr>
+          <a:xfrm flipV="1">
+            <a:off x="22419776" y="15903335"/>
+            <a:ext cx="10031268" cy="14075"/>
+          </a:xfrm>
+          <a:prstGeom prst="line">
+            <a:avLst/>
+          </a:prstGeom>
+          <a:ln>
+            <a:solidFill>
+              <a:srgbClr val="CDD2DE"/>
+            </a:solidFill>
+          </a:ln>
+        </p:spPr>
+        <p:style>
+          <a:lnRef idx="1">
+            <a:schemeClr val="dk1"/>
+          </a:lnRef>
+          <a:fillRef idx="0">
+            <a:schemeClr val="dk1"/>
+          </a:fillRef>
+          <a:effectRef idx="0">
+            <a:schemeClr val="dk1"/>
+          </a:effectRef>
+          <a:fontRef idx="minor">
+            <a:schemeClr val="tx1"/>
+          </a:fontRef>
+        </p:style>
+      </p:cxnSp>
+      <p:grpSp>
+        <p:nvGrpSpPr>
+          <p:cNvPr id="29" name="Group 28">
+            <a:extLst>
+              <a:ext uri="{FF2B5EF4-FFF2-40B4-BE49-F238E27FC236}">
+                <a16:creationId xmlns:a16="http://schemas.microsoft.com/office/drawing/2014/main" id="{EF513889-05C1-4431-AD9E-CF0BD1A15714}"/>
+              </a:ext>
+            </a:extLst>
+          </p:cNvPr>
+          <p:cNvGrpSpPr/>
+          <p:nvPr/>
+        </p:nvGrpSpPr>
+        <p:grpSpPr>
+          <a:xfrm>
+            <a:off x="22407392" y="22047846"/>
+            <a:ext cx="10050462" cy="754045"/>
+            <a:chOff x="22407392" y="22599387"/>
+            <a:chExt cx="10050462" cy="754045"/>
+          </a:xfrm>
+        </p:grpSpPr>
+        <p:sp>
+          <p:nvSpPr>
+            <p:cNvPr id="102" name="Text Placeholder 3">
+              <a:extLst>
+                <a:ext uri="{FF2B5EF4-FFF2-40B4-BE49-F238E27FC236}">
+                  <a16:creationId xmlns:a16="http://schemas.microsoft.com/office/drawing/2014/main" id="{00ACB103-914C-456D-83F7-54429F134C9D}"/>
+                </a:ext>
+              </a:extLst>
+            </p:cNvPr>
+            <p:cNvSpPr txBox="1">
+              <a:spLocks/>
+            </p:cNvSpPr>
+            <p:nvPr/>
+          </p:nvSpPr>
+          <p:spPr>
+            <a:xfrm>
+              <a:off x="22407392" y="22599387"/>
+              <a:ext cx="10050462" cy="754045"/>
+            </a:xfrm>
+            <a:prstGeom prst="rect">
+              <a:avLst/>
+            </a:prstGeom>
+            <a:noFill/>
+          </p:spPr>
+          <p:txBody>
+            <a:bodyPr wrap="square" lIns="91436" tIns="91436" rIns="91436" bIns="91436" anchor="ctr" anchorCtr="0">
+              <a:spAutoFit/>
+            </a:bodyPr>
+            <a:lstStyle>
+              <a:lvl1pPr marL="0" indent="0" algn="ctr" defTabSz="4388900" rtl="0" eaLnBrk="1" latinLnBrk="0" hangingPunct="1">
+                <a:spcBef>
+                  <a:spcPct val="20000"/>
+                </a:spcBef>
+                <a:buFont typeface="Arial" pitchFamily="34" charset="0"/>
+                <a:buNone/>
+                <a:defRPr sz="3700" b="1" u="sng" kern="1200" baseline="0">
+                  <a:solidFill>
+                    <a:schemeClr val="accent5">
+                      <a:lumMod val="50000"/>
+                    </a:schemeClr>
+                  </a:solidFill>
+                  <a:latin typeface="+mn-lt"/>
+                  <a:ea typeface="+mn-ea"/>
+                  <a:cs typeface="+mn-cs"/>
+                </a:defRPr>
+              </a:lvl1pPr>
+              <a:lvl2pPr marL="3565982" indent="-1371531" algn="l" defTabSz="4388900" rtl="0" eaLnBrk="1" latinLnBrk="0" hangingPunct="1">
+                <a:spcBef>
+                  <a:spcPct val="20000"/>
+                </a:spcBef>
+                <a:buFont typeface="Arial" pitchFamily="34" charset="0"/>
+                <a:buChar char="–"/>
+                <a:defRPr sz="13500" kern="1200">
+                  <a:solidFill>
+                    <a:schemeClr val="tx1"/>
+                  </a:solidFill>
+                  <a:latin typeface="+mn-lt"/>
+                  <a:ea typeface="+mn-ea"/>
+                  <a:cs typeface="+mn-cs"/>
+                </a:defRPr>
+              </a:lvl2pPr>
+              <a:lvl3pPr marL="5486126" indent="-1097226" algn="l" defTabSz="4388900" rtl="0" eaLnBrk="1" latinLnBrk="0" hangingPunct="1">
+                <a:spcBef>
+                  <a:spcPct val="20000"/>
+                </a:spcBef>
+                <a:buFont typeface="Arial" pitchFamily="34" charset="0"/>
+                <a:buChar char="•"/>
+                <a:defRPr sz="11600" kern="1200">
+                  <a:solidFill>
+                    <a:schemeClr val="tx1"/>
+                  </a:solidFill>
+                  <a:latin typeface="+mn-lt"/>
+                  <a:ea typeface="+mn-ea"/>
+                  <a:cs typeface="+mn-cs"/>
+                </a:defRPr>
+              </a:lvl3pPr>
+              <a:lvl4pPr marL="7680577" indent="-1097226" algn="l" defTabSz="4388900" rtl="0" eaLnBrk="1" latinLnBrk="0" hangingPunct="1">
+                <a:spcBef>
+                  <a:spcPct val="20000"/>
+                </a:spcBef>
+                <a:buFont typeface="Arial" pitchFamily="34" charset="0"/>
+                <a:buChar char="–"/>
+                <a:defRPr sz="9600" kern="1200">
+                  <a:solidFill>
+                    <a:schemeClr val="tx1"/>
+                  </a:solidFill>
+                  <a:latin typeface="+mn-lt"/>
+                  <a:ea typeface="+mn-ea"/>
+                  <a:cs typeface="+mn-cs"/>
+                </a:defRPr>
+              </a:lvl4pPr>
+              <a:lvl5pPr marL="9875026" indent="-1097226" algn="l" defTabSz="4388900" rtl="0" eaLnBrk="1" latinLnBrk="0" hangingPunct="1">
+                <a:spcBef>
+                  <a:spcPct val="20000"/>
+                </a:spcBef>
+                <a:buFont typeface="Arial" pitchFamily="34" charset="0"/>
+                <a:buChar char="»"/>
+                <a:defRPr sz="9600" kern="1200">
+                  <a:solidFill>
+                    <a:schemeClr val="tx1"/>
+                  </a:solidFill>
+                  <a:latin typeface="+mn-lt"/>
+                  <a:ea typeface="+mn-ea"/>
+                  <a:cs typeface="+mn-cs"/>
+                </a:defRPr>
+              </a:lvl5pPr>
+              <a:lvl6pPr marL="12069477" indent="-1097226" algn="l" defTabSz="4388900" rtl="0" eaLnBrk="1" latinLnBrk="0" hangingPunct="1">
+                <a:spcBef>
+                  <a:spcPct val="20000"/>
+                </a:spcBef>
+                <a:buFont typeface="Arial" pitchFamily="34" charset="0"/>
+                <a:buChar char="•"/>
+                <a:defRPr sz="9600" kern="1200">
+                  <a:solidFill>
+                    <a:schemeClr val="tx1"/>
+                  </a:solidFill>
+                  <a:latin typeface="+mn-lt"/>
+                  <a:ea typeface="+mn-ea"/>
+                  <a:cs typeface="+mn-cs"/>
+                </a:defRPr>
+              </a:lvl6pPr>
+              <a:lvl7pPr marL="14263926" indent="-1097226" algn="l" defTabSz="4388900" rtl="0" eaLnBrk="1" latinLnBrk="0" hangingPunct="1">
+                <a:spcBef>
+                  <a:spcPct val="20000"/>
+                </a:spcBef>
+                <a:buFont typeface="Arial" pitchFamily="34" charset="0"/>
+                <a:buChar char="•"/>
+                <a:defRPr sz="9600" kern="1200">
+                  <a:solidFill>
+                    <a:schemeClr val="tx1"/>
+                  </a:solidFill>
+                  <a:latin typeface="+mn-lt"/>
+                  <a:ea typeface="+mn-ea"/>
+                  <a:cs typeface="+mn-cs"/>
+                </a:defRPr>
+              </a:lvl7pPr>
+              <a:lvl8pPr marL="16458377" indent="-1097226" algn="l" defTabSz="4388900" rtl="0" eaLnBrk="1" latinLnBrk="0" hangingPunct="1">
+                <a:spcBef>
+                  <a:spcPct val="20000"/>
+                </a:spcBef>
+                <a:buFont typeface="Arial" pitchFamily="34" charset="0"/>
+                <a:buChar char="•"/>
+                <a:defRPr sz="9600" kern="1200">
+                  <a:solidFill>
+                    <a:schemeClr val="tx1"/>
+                  </a:solidFill>
+                  <a:latin typeface="+mn-lt"/>
+                  <a:ea typeface="+mn-ea"/>
+                  <a:cs typeface="+mn-cs"/>
+                </a:defRPr>
+              </a:lvl8pPr>
+              <a:lvl9pPr marL="18652827" indent="-1097226" algn="l" defTabSz="4388900" rtl="0" eaLnBrk="1" latinLnBrk="0" hangingPunct="1">
+                <a:spcBef>
+                  <a:spcPct val="20000"/>
+                </a:spcBef>
+                <a:buFont typeface="Arial" pitchFamily="34" charset="0"/>
+                <a:buChar char="•"/>
+                <a:defRPr sz="9600" kern="1200">
+                  <a:solidFill>
+                    <a:schemeClr val="tx1"/>
+                  </a:solidFill>
+                  <a:latin typeface="+mn-lt"/>
+                  <a:ea typeface="+mn-ea"/>
+                  <a:cs typeface="+mn-cs"/>
+                </a:defRPr>
+              </a:lvl9pPr>
+            </a:lstStyle>
+            <a:p>
+              <a:pPr algn="l"/>
+              <a:r>
+                <a:rPr lang="en-US" u="none" dirty="0"/>
+                <a:t>SVM 1 vs 1</a:t>
+              </a:r>
+            </a:p>
+          </p:txBody>
+        </p:sp>
+        <p:cxnSp>
+          <p:nvCxnSpPr>
+            <p:cNvPr id="215" name="Straight Connector 214">
+              <a:extLst>
+                <a:ext uri="{FF2B5EF4-FFF2-40B4-BE49-F238E27FC236}">
+                  <a16:creationId xmlns:a16="http://schemas.microsoft.com/office/drawing/2014/main" id="{B8715BF9-F3F5-495E-A2A5-29131BE03EF8}"/>
+                </a:ext>
+              </a:extLst>
+            </p:cNvPr>
+            <p:cNvCxnSpPr>
+              <a:cxnSpLocks/>
+            </p:cNvCxnSpPr>
+            <p:nvPr/>
+          </p:nvCxnSpPr>
+          <p:spPr>
+            <a:xfrm flipV="1">
+              <a:off x="22407392" y="22612057"/>
+              <a:ext cx="10031268" cy="14075"/>
+            </a:xfrm>
+            <a:prstGeom prst="line">
+              <a:avLst/>
+            </a:prstGeom>
+            <a:ln>
+              <a:solidFill>
+                <a:srgbClr val="CDD2DE"/>
+              </a:solidFill>
+            </a:ln>
+          </p:spPr>
+          <p:style>
+            <a:lnRef idx="1">
+              <a:schemeClr val="dk1"/>
+            </a:lnRef>
+            <a:fillRef idx="0">
+              <a:schemeClr val="dk1"/>
+            </a:fillRef>
+            <a:effectRef idx="0">
+              <a:schemeClr val="dk1"/>
+            </a:effectRef>
+            <a:fontRef idx="minor">
+              <a:schemeClr val="tx1"/>
+            </a:fontRef>
+          </p:style>
+        </p:cxnSp>
+      </p:grpSp>
+      <p:grpSp>
+        <p:nvGrpSpPr>
+          <p:cNvPr id="31" name="Group 30">
+            <a:extLst>
+              <a:ext uri="{FF2B5EF4-FFF2-40B4-BE49-F238E27FC236}">
+                <a16:creationId xmlns:a16="http://schemas.microsoft.com/office/drawing/2014/main" id="{B2A74C38-9D93-4980-96A8-7E52430C6D54}"/>
+              </a:ext>
+            </a:extLst>
+          </p:cNvPr>
+          <p:cNvGrpSpPr/>
+          <p:nvPr/>
+        </p:nvGrpSpPr>
+        <p:grpSpPr>
+          <a:xfrm>
+            <a:off x="22414393" y="28240729"/>
+            <a:ext cx="10062367" cy="754045"/>
+            <a:chOff x="22414393" y="27584835"/>
+            <a:chExt cx="10062367" cy="754045"/>
+          </a:xfrm>
+        </p:grpSpPr>
+        <p:sp>
+          <p:nvSpPr>
+            <p:cNvPr id="219" name="Text Placeholder 3">
+              <a:extLst>
+                <a:ext uri="{FF2B5EF4-FFF2-40B4-BE49-F238E27FC236}">
+                  <a16:creationId xmlns:a16="http://schemas.microsoft.com/office/drawing/2014/main" id="{49009812-9ADB-4CEC-BE86-1701516A35A6}"/>
+                </a:ext>
+              </a:extLst>
+            </p:cNvPr>
+            <p:cNvSpPr txBox="1">
+              <a:spLocks/>
+            </p:cNvSpPr>
+            <p:nvPr/>
+          </p:nvSpPr>
+          <p:spPr>
+            <a:xfrm>
+              <a:off x="22426298" y="27584835"/>
+              <a:ext cx="10050462" cy="754045"/>
+            </a:xfrm>
+            <a:prstGeom prst="rect">
+              <a:avLst/>
+            </a:prstGeom>
+            <a:noFill/>
+          </p:spPr>
+          <p:txBody>
+            <a:bodyPr wrap="square" lIns="91436" tIns="91436" rIns="91436" bIns="91436" anchor="ctr" anchorCtr="0">
+              <a:spAutoFit/>
+            </a:bodyPr>
+            <a:lstStyle>
+              <a:lvl1pPr marL="0" indent="0" algn="ctr" defTabSz="4388900" rtl="0" eaLnBrk="1" latinLnBrk="0" hangingPunct="1">
+                <a:spcBef>
+                  <a:spcPct val="20000"/>
+                </a:spcBef>
+                <a:buFont typeface="Arial" pitchFamily="34" charset="0"/>
+                <a:buNone/>
+                <a:defRPr sz="3700" b="1" u="sng" kern="1200" baseline="0">
+                  <a:solidFill>
+                    <a:schemeClr val="accent5">
+                      <a:lumMod val="50000"/>
+                    </a:schemeClr>
+                  </a:solidFill>
+                  <a:latin typeface="+mn-lt"/>
+                  <a:ea typeface="+mn-ea"/>
+                  <a:cs typeface="+mn-cs"/>
+                </a:defRPr>
+              </a:lvl1pPr>
+              <a:lvl2pPr marL="3565982" indent="-1371531" algn="l" defTabSz="4388900" rtl="0" eaLnBrk="1" latinLnBrk="0" hangingPunct="1">
+                <a:spcBef>
+                  <a:spcPct val="20000"/>
+                </a:spcBef>
+                <a:buFont typeface="Arial" pitchFamily="34" charset="0"/>
+                <a:buChar char="–"/>
+                <a:defRPr sz="13500" kern="1200">
+                  <a:solidFill>
+                    <a:schemeClr val="tx1"/>
+                  </a:solidFill>
+                  <a:latin typeface="+mn-lt"/>
+                  <a:ea typeface="+mn-ea"/>
+                  <a:cs typeface="+mn-cs"/>
+                </a:defRPr>
+              </a:lvl2pPr>
+              <a:lvl3pPr marL="5486126" indent="-1097226" algn="l" defTabSz="4388900" rtl="0" eaLnBrk="1" latinLnBrk="0" hangingPunct="1">
+                <a:spcBef>
+                  <a:spcPct val="20000"/>
+                </a:spcBef>
+                <a:buFont typeface="Arial" pitchFamily="34" charset="0"/>
+                <a:buChar char="•"/>
+                <a:defRPr sz="11600" kern="1200">
+                  <a:solidFill>
+                    <a:schemeClr val="tx1"/>
+                  </a:solidFill>
+                  <a:latin typeface="+mn-lt"/>
+                  <a:ea typeface="+mn-ea"/>
+                  <a:cs typeface="+mn-cs"/>
+                </a:defRPr>
+              </a:lvl3pPr>
+              <a:lvl4pPr marL="7680577" indent="-1097226" algn="l" defTabSz="4388900" rtl="0" eaLnBrk="1" latinLnBrk="0" hangingPunct="1">
+                <a:spcBef>
+                  <a:spcPct val="20000"/>
+                </a:spcBef>
+                <a:buFont typeface="Arial" pitchFamily="34" charset="0"/>
+                <a:buChar char="–"/>
+                <a:defRPr sz="9600" kern="1200">
+                  <a:solidFill>
+                    <a:schemeClr val="tx1"/>
+                  </a:solidFill>
+                  <a:latin typeface="+mn-lt"/>
+                  <a:ea typeface="+mn-ea"/>
+                  <a:cs typeface="+mn-cs"/>
+                </a:defRPr>
+              </a:lvl4pPr>
+              <a:lvl5pPr marL="9875026" indent="-1097226" algn="l" defTabSz="4388900" rtl="0" eaLnBrk="1" latinLnBrk="0" hangingPunct="1">
+                <a:spcBef>
+                  <a:spcPct val="20000"/>
+                </a:spcBef>
+                <a:buFont typeface="Arial" pitchFamily="34" charset="0"/>
+                <a:buChar char="»"/>
+                <a:defRPr sz="9600" kern="1200">
+                  <a:solidFill>
+                    <a:schemeClr val="tx1"/>
+                  </a:solidFill>
+                  <a:latin typeface="+mn-lt"/>
+                  <a:ea typeface="+mn-ea"/>
+                  <a:cs typeface="+mn-cs"/>
+                </a:defRPr>
+              </a:lvl5pPr>
+              <a:lvl6pPr marL="12069477" indent="-1097226" algn="l" defTabSz="4388900" rtl="0" eaLnBrk="1" latinLnBrk="0" hangingPunct="1">
+                <a:spcBef>
+                  <a:spcPct val="20000"/>
+                </a:spcBef>
+                <a:buFont typeface="Arial" pitchFamily="34" charset="0"/>
+                <a:buChar char="•"/>
+                <a:defRPr sz="9600" kern="1200">
+                  <a:solidFill>
+                    <a:schemeClr val="tx1"/>
+                  </a:solidFill>
+                  <a:latin typeface="+mn-lt"/>
+                  <a:ea typeface="+mn-ea"/>
+                  <a:cs typeface="+mn-cs"/>
+                </a:defRPr>
+              </a:lvl6pPr>
+              <a:lvl7pPr marL="14263926" indent="-1097226" algn="l" defTabSz="4388900" rtl="0" eaLnBrk="1" latinLnBrk="0" hangingPunct="1">
+                <a:spcBef>
+                  <a:spcPct val="20000"/>
+                </a:spcBef>
+                <a:buFont typeface="Arial" pitchFamily="34" charset="0"/>
+                <a:buChar char="•"/>
+                <a:defRPr sz="9600" kern="1200">
+                  <a:solidFill>
+                    <a:schemeClr val="tx1"/>
+                  </a:solidFill>
+                  <a:latin typeface="+mn-lt"/>
+                  <a:ea typeface="+mn-ea"/>
+                  <a:cs typeface="+mn-cs"/>
+                </a:defRPr>
+              </a:lvl7pPr>
+              <a:lvl8pPr marL="16458377" indent="-1097226" algn="l" defTabSz="4388900" rtl="0" eaLnBrk="1" latinLnBrk="0" hangingPunct="1">
+                <a:spcBef>
+                  <a:spcPct val="20000"/>
+                </a:spcBef>
+                <a:buFont typeface="Arial" pitchFamily="34" charset="0"/>
+                <a:buChar char="•"/>
+                <a:defRPr sz="9600" kern="1200">
+                  <a:solidFill>
+                    <a:schemeClr val="tx1"/>
+                  </a:solidFill>
+                  <a:latin typeface="+mn-lt"/>
+                  <a:ea typeface="+mn-ea"/>
+                  <a:cs typeface="+mn-cs"/>
+                </a:defRPr>
+              </a:lvl8pPr>
+              <a:lvl9pPr marL="18652827" indent="-1097226" algn="l" defTabSz="4388900" rtl="0" eaLnBrk="1" latinLnBrk="0" hangingPunct="1">
+                <a:spcBef>
+                  <a:spcPct val="20000"/>
+                </a:spcBef>
+                <a:buFont typeface="Arial" pitchFamily="34" charset="0"/>
+                <a:buChar char="•"/>
+                <a:defRPr sz="9600" kern="1200">
+                  <a:solidFill>
+                    <a:schemeClr val="tx1"/>
+                  </a:solidFill>
+                  <a:latin typeface="+mn-lt"/>
+                  <a:ea typeface="+mn-ea"/>
+                  <a:cs typeface="+mn-cs"/>
+                </a:defRPr>
+              </a:lvl9pPr>
+            </a:lstStyle>
+            <a:p>
+              <a:pPr algn="l"/>
+              <a:r>
+                <a:rPr lang="en-US" u="none" dirty="0"/>
+                <a:t>SVM 1v1</a:t>
+              </a:r>
+            </a:p>
+          </p:txBody>
+        </p:sp>
+        <p:cxnSp>
+          <p:nvCxnSpPr>
+            <p:cNvPr id="220" name="Straight Connector 219">
+              <a:extLst>
+                <a:ext uri="{FF2B5EF4-FFF2-40B4-BE49-F238E27FC236}">
+                  <a16:creationId xmlns:a16="http://schemas.microsoft.com/office/drawing/2014/main" id="{223B2A9F-4E17-4CE2-8A5A-0CDC3DCF1928}"/>
+                </a:ext>
+              </a:extLst>
+            </p:cNvPr>
+            <p:cNvCxnSpPr>
+              <a:cxnSpLocks/>
+            </p:cNvCxnSpPr>
+            <p:nvPr/>
+          </p:nvCxnSpPr>
+          <p:spPr>
+            <a:xfrm flipV="1">
+              <a:off x="22414393" y="27599124"/>
+              <a:ext cx="10031268" cy="14075"/>
+            </a:xfrm>
+            <a:prstGeom prst="line">
+              <a:avLst/>
+            </a:prstGeom>
+            <a:ln>
+              <a:solidFill>
+                <a:srgbClr val="CDD2DE"/>
+              </a:solidFill>
+            </a:ln>
+          </p:spPr>
+          <p:style>
+            <a:lnRef idx="1">
+              <a:schemeClr val="dk1"/>
+            </a:lnRef>
+            <a:fillRef idx="0">
+              <a:schemeClr val="dk1"/>
+            </a:fillRef>
+            <a:effectRef idx="0">
+              <a:schemeClr val="dk1"/>
+            </a:effectRef>
+            <a:fontRef idx="minor">
+              <a:schemeClr val="tx1"/>
+            </a:fontRef>
+          </p:style>
+        </p:cxnSp>
+      </p:grpSp>
+      <p:grpSp>
+        <p:nvGrpSpPr>
+          <p:cNvPr id="221" name="Group 220">
+            <a:extLst>
+              <a:ext uri="{FF2B5EF4-FFF2-40B4-BE49-F238E27FC236}">
+                <a16:creationId xmlns:a16="http://schemas.microsoft.com/office/drawing/2014/main" id="{069F7612-F1F0-4CA4-A1B1-DCB164D7D2D8}"/>
+              </a:ext>
+            </a:extLst>
+          </p:cNvPr>
+          <p:cNvGrpSpPr/>
+          <p:nvPr/>
+        </p:nvGrpSpPr>
+        <p:grpSpPr>
+          <a:xfrm>
+            <a:off x="24051976" y="22627843"/>
+            <a:ext cx="5745283" cy="5675800"/>
+            <a:chOff x="24022035" y="12191112"/>
+            <a:chExt cx="5726841" cy="5676542"/>
+          </a:xfrm>
+        </p:grpSpPr>
+        <p:sp>
+          <p:nvSpPr>
+            <p:cNvPr id="222" name="TextBox 221">
+              <a:extLst>
+                <a:ext uri="{FF2B5EF4-FFF2-40B4-BE49-F238E27FC236}">
+                  <a16:creationId xmlns:a16="http://schemas.microsoft.com/office/drawing/2014/main" id="{45D41907-D8AE-433C-B9F5-49426FA8E652}"/>
+                </a:ext>
+              </a:extLst>
+            </p:cNvPr>
+            <p:cNvSpPr txBox="1"/>
+            <p:nvPr/>
+          </p:nvSpPr>
+          <p:spPr>
+            <a:xfrm>
+              <a:off x="24399875" y="12191112"/>
+              <a:ext cx="1057275" cy="400110"/>
+            </a:xfrm>
+            <a:prstGeom prst="rect">
+              <a:avLst/>
+            </a:prstGeom>
+            <a:noFill/>
+          </p:spPr>
+          <p:txBody>
+            <a:bodyPr wrap="square" rtlCol="0">
+              <a:spAutoFit/>
+            </a:bodyPr>
+            <a:lstStyle/>
+            <a:p>
+              <a:pPr algn="r"/>
+              <a:r>
+                <a:rPr lang="en-CA" sz="2000" dirty="0"/>
+                <a:t>Airplane</a:t>
+              </a:r>
+              <a:endParaRPr lang="en-US" sz="2000" dirty="0"/>
+            </a:p>
+          </p:txBody>
+        </p:sp>
+        <p:grpSp>
+          <p:nvGrpSpPr>
+            <p:cNvPr id="223" name="Group 222">
+              <a:extLst>
+                <a:ext uri="{FF2B5EF4-FFF2-40B4-BE49-F238E27FC236}">
+                  <a16:creationId xmlns:a16="http://schemas.microsoft.com/office/drawing/2014/main" id="{322FC63D-C335-48B9-A4DD-485D19E50254}"/>
+                </a:ext>
+              </a:extLst>
+            </p:cNvPr>
+            <p:cNvGrpSpPr/>
+            <p:nvPr/>
+          </p:nvGrpSpPr>
+          <p:grpSpPr>
+            <a:xfrm>
+              <a:off x="24022035" y="12626336"/>
+              <a:ext cx="5726841" cy="5241318"/>
+              <a:chOff x="24022035" y="12626336"/>
+              <a:chExt cx="5726841" cy="5241318"/>
+            </a:xfrm>
+          </p:grpSpPr>
+          <p:sp>
+            <p:nvSpPr>
+              <p:cNvPr id="224" name="TextBox 223">
+                <a:extLst>
+                  <a:ext uri="{FF2B5EF4-FFF2-40B4-BE49-F238E27FC236}">
+                    <a16:creationId xmlns:a16="http://schemas.microsoft.com/office/drawing/2014/main" id="{00D5023D-21FE-4F50-9362-E6CE624D5D25}"/>
+                  </a:ext>
+                </a:extLst>
+              </p:cNvPr>
+              <p:cNvSpPr txBox="1"/>
+              <p:nvPr/>
+            </p:nvSpPr>
+            <p:spPr>
+              <a:xfrm>
+                <a:off x="24022035" y="13477603"/>
+                <a:ext cx="646331" cy="1711597"/>
+              </a:xfrm>
+              <a:prstGeom prst="rect">
+                <a:avLst/>
+              </a:prstGeom>
+              <a:noFill/>
+            </p:spPr>
+            <p:txBody>
+              <a:bodyPr vert="vert270" wrap="square" rtlCol="0">
+                <a:spAutoFit/>
+              </a:bodyPr>
+              <a:lstStyle/>
+              <a:p>
+                <a:pPr algn="ctr"/>
+                <a:r>
+                  <a:rPr lang="en-CA" sz="3000" dirty="0"/>
+                  <a:t>True Label</a:t>
+                </a:r>
+                <a:endParaRPr lang="en-US" sz="3000" dirty="0"/>
+              </a:p>
+            </p:txBody>
+          </p:sp>
+          <p:sp>
+            <p:nvSpPr>
+              <p:cNvPr id="225" name="TextBox 224">
+                <a:extLst>
+                  <a:ext uri="{FF2B5EF4-FFF2-40B4-BE49-F238E27FC236}">
+                    <a16:creationId xmlns:a16="http://schemas.microsoft.com/office/drawing/2014/main" id="{0D2563AE-A864-4289-978E-2C83C7E6ED50}"/>
+                  </a:ext>
+                </a:extLst>
+              </p:cNvPr>
+              <p:cNvSpPr txBox="1"/>
+              <p:nvPr/>
+            </p:nvSpPr>
+            <p:spPr>
+              <a:xfrm>
+                <a:off x="26310644" y="17257529"/>
+                <a:ext cx="2649670" cy="553998"/>
+              </a:xfrm>
+              <a:prstGeom prst="rect">
+                <a:avLst/>
+              </a:prstGeom>
+              <a:noFill/>
+            </p:spPr>
+            <p:txBody>
+              <a:bodyPr wrap="square" rtlCol="0">
+                <a:spAutoFit/>
+              </a:bodyPr>
+              <a:lstStyle/>
+              <a:p>
+                <a:pPr algn="ctr"/>
+                <a:r>
+                  <a:rPr lang="en-CA" sz="3000" dirty="0"/>
+                  <a:t>Predicted Label</a:t>
+                </a:r>
+                <a:endParaRPr lang="en-US" sz="3000" dirty="0"/>
+              </a:p>
+            </p:txBody>
+          </p:sp>
+          <p:sp>
+            <p:nvSpPr>
+              <p:cNvPr id="226" name="TextBox 225">
+                <a:extLst>
+                  <a:ext uri="{FF2B5EF4-FFF2-40B4-BE49-F238E27FC236}">
+                    <a16:creationId xmlns:a16="http://schemas.microsoft.com/office/drawing/2014/main" id="{C681B163-B710-417B-A7F3-61A9BAD40CD0}"/>
+                  </a:ext>
+                </a:extLst>
+              </p:cNvPr>
+              <p:cNvSpPr txBox="1"/>
+              <p:nvPr/>
+            </p:nvSpPr>
+            <p:spPr>
+              <a:xfrm>
+                <a:off x="24047451" y="12626336"/>
+                <a:ext cx="1409700" cy="400110"/>
+              </a:xfrm>
+              <a:prstGeom prst="rect">
+                <a:avLst/>
+              </a:prstGeom>
+              <a:noFill/>
+            </p:spPr>
+            <p:txBody>
+              <a:bodyPr wrap="square" rtlCol="0">
+                <a:spAutoFit/>
+              </a:bodyPr>
+              <a:lstStyle/>
+              <a:p>
+                <a:pPr algn="r"/>
+                <a:r>
+                  <a:rPr lang="en-CA" sz="2000" dirty="0"/>
+                  <a:t>Automobile</a:t>
+                </a:r>
+                <a:endParaRPr lang="en-US" sz="2000" dirty="0"/>
+              </a:p>
+            </p:txBody>
+          </p:sp>
+          <p:sp>
+            <p:nvSpPr>
+              <p:cNvPr id="227" name="TextBox 226">
+                <a:extLst>
+                  <a:ext uri="{FF2B5EF4-FFF2-40B4-BE49-F238E27FC236}">
+                    <a16:creationId xmlns:a16="http://schemas.microsoft.com/office/drawing/2014/main" id="{4C5CB321-E9EE-4FCC-A8D5-D9FCC37861EC}"/>
+                  </a:ext>
+                </a:extLst>
+              </p:cNvPr>
+              <p:cNvSpPr txBox="1"/>
+              <p:nvPr/>
+            </p:nvSpPr>
+            <p:spPr>
+              <a:xfrm>
+                <a:off x="24044276" y="13054853"/>
+                <a:ext cx="1409700" cy="400110"/>
+              </a:xfrm>
+              <a:prstGeom prst="rect">
+                <a:avLst/>
+              </a:prstGeom>
+              <a:noFill/>
+            </p:spPr>
+            <p:txBody>
+              <a:bodyPr wrap="square" rtlCol="0">
+                <a:spAutoFit/>
+              </a:bodyPr>
+              <a:lstStyle/>
+              <a:p>
+                <a:pPr algn="r"/>
+                <a:r>
+                  <a:rPr lang="en-CA" sz="2000" dirty="0"/>
+                  <a:t>Bird</a:t>
+                </a:r>
+                <a:endParaRPr lang="en-US" sz="2000" dirty="0"/>
+              </a:p>
+            </p:txBody>
+          </p:sp>
+          <p:sp>
+            <p:nvSpPr>
+              <p:cNvPr id="228" name="TextBox 227">
+                <a:extLst>
+                  <a:ext uri="{FF2B5EF4-FFF2-40B4-BE49-F238E27FC236}">
+                    <a16:creationId xmlns:a16="http://schemas.microsoft.com/office/drawing/2014/main" id="{EC479D8B-AC7F-4CFC-9C8E-23D5705E9CF6}"/>
+                  </a:ext>
+                </a:extLst>
+              </p:cNvPr>
+              <p:cNvSpPr txBox="1"/>
+              <p:nvPr/>
+            </p:nvSpPr>
+            <p:spPr>
+              <a:xfrm>
+                <a:off x="24043337" y="13498608"/>
+                <a:ext cx="1409700" cy="400110"/>
+              </a:xfrm>
+              <a:prstGeom prst="rect">
+                <a:avLst/>
+              </a:prstGeom>
+              <a:noFill/>
+            </p:spPr>
+            <p:txBody>
+              <a:bodyPr wrap="square" rtlCol="0">
+                <a:spAutoFit/>
+              </a:bodyPr>
+              <a:lstStyle/>
+              <a:p>
+                <a:pPr algn="r"/>
+                <a:r>
+                  <a:rPr lang="en-CA" sz="2000" dirty="0"/>
+                  <a:t>Cat</a:t>
+                </a:r>
+                <a:endParaRPr lang="en-US" sz="2000" dirty="0"/>
+              </a:p>
+            </p:txBody>
+          </p:sp>
+          <p:sp>
+            <p:nvSpPr>
+              <p:cNvPr id="229" name="TextBox 228">
+                <a:extLst>
+                  <a:ext uri="{FF2B5EF4-FFF2-40B4-BE49-F238E27FC236}">
+                    <a16:creationId xmlns:a16="http://schemas.microsoft.com/office/drawing/2014/main" id="{22CDAC5C-EC23-4A3C-9E09-805C22A9503F}"/>
+                  </a:ext>
+                </a:extLst>
+              </p:cNvPr>
+              <p:cNvSpPr txBox="1"/>
+              <p:nvPr/>
+            </p:nvSpPr>
+            <p:spPr>
+              <a:xfrm>
+                <a:off x="24052863" y="13917105"/>
+                <a:ext cx="1409700" cy="400110"/>
+              </a:xfrm>
+              <a:prstGeom prst="rect">
+                <a:avLst/>
+              </a:prstGeom>
+              <a:noFill/>
+            </p:spPr>
+            <p:txBody>
+              <a:bodyPr wrap="square" rtlCol="0">
+                <a:spAutoFit/>
+              </a:bodyPr>
+              <a:lstStyle/>
+              <a:p>
+                <a:pPr algn="r"/>
+                <a:r>
+                  <a:rPr lang="en-CA" sz="2000" dirty="0"/>
+                  <a:t>Deer</a:t>
+                </a:r>
+                <a:endParaRPr lang="en-US" sz="2000" dirty="0"/>
+              </a:p>
+            </p:txBody>
+          </p:sp>
+          <p:sp>
+            <p:nvSpPr>
+              <p:cNvPr id="230" name="TextBox 229">
+                <a:extLst>
+                  <a:ext uri="{FF2B5EF4-FFF2-40B4-BE49-F238E27FC236}">
+                    <a16:creationId xmlns:a16="http://schemas.microsoft.com/office/drawing/2014/main" id="{B69A257A-6466-447F-87C2-5D0966F820E6}"/>
+                  </a:ext>
+                </a:extLst>
+              </p:cNvPr>
+              <p:cNvSpPr txBox="1"/>
+              <p:nvPr/>
+            </p:nvSpPr>
+            <p:spPr>
+              <a:xfrm>
+                <a:off x="24592165" y="14339687"/>
+                <a:ext cx="860871" cy="400110"/>
+              </a:xfrm>
+              <a:prstGeom prst="rect">
+                <a:avLst/>
+              </a:prstGeom>
+              <a:noFill/>
+            </p:spPr>
+            <p:txBody>
+              <a:bodyPr wrap="square" rtlCol="0">
+                <a:spAutoFit/>
+              </a:bodyPr>
+              <a:lstStyle/>
+              <a:p>
+                <a:pPr algn="r"/>
+                <a:r>
+                  <a:rPr lang="en-CA" sz="2000" dirty="0"/>
+                  <a:t>Dog</a:t>
+                </a:r>
+                <a:endParaRPr lang="en-US" sz="2000" dirty="0"/>
+              </a:p>
+            </p:txBody>
+          </p:sp>
+          <p:sp>
+            <p:nvSpPr>
+              <p:cNvPr id="231" name="TextBox 230">
+                <a:extLst>
+                  <a:ext uri="{FF2B5EF4-FFF2-40B4-BE49-F238E27FC236}">
+                    <a16:creationId xmlns:a16="http://schemas.microsoft.com/office/drawing/2014/main" id="{3476E7DB-16CA-4496-B35A-E8398D4FF13D}"/>
+                  </a:ext>
+                </a:extLst>
+              </p:cNvPr>
+              <p:cNvSpPr txBox="1"/>
+              <p:nvPr/>
+            </p:nvSpPr>
+            <p:spPr>
+              <a:xfrm>
+                <a:off x="24058275" y="14771327"/>
+                <a:ext cx="1409700" cy="400110"/>
+              </a:xfrm>
+              <a:prstGeom prst="rect">
+                <a:avLst/>
+              </a:prstGeom>
+              <a:noFill/>
+            </p:spPr>
+            <p:txBody>
+              <a:bodyPr wrap="square" rtlCol="0">
+                <a:spAutoFit/>
+              </a:bodyPr>
+              <a:lstStyle/>
+              <a:p>
+                <a:pPr algn="r"/>
+                <a:r>
+                  <a:rPr lang="en-CA" sz="2000" dirty="0"/>
+                  <a:t>Frog</a:t>
+                </a:r>
+                <a:endParaRPr lang="en-US" sz="2000" dirty="0"/>
+              </a:p>
+            </p:txBody>
+          </p:sp>
+          <p:sp>
+            <p:nvSpPr>
+              <p:cNvPr id="232" name="TextBox 231">
+                <a:extLst>
+                  <a:ext uri="{FF2B5EF4-FFF2-40B4-BE49-F238E27FC236}">
+                    <a16:creationId xmlns:a16="http://schemas.microsoft.com/office/drawing/2014/main" id="{3D11A008-17ED-4AE6-BE58-8C9D988D6DAA}"/>
+                  </a:ext>
+                </a:extLst>
+              </p:cNvPr>
+              <p:cNvSpPr txBox="1"/>
+              <p:nvPr/>
+            </p:nvSpPr>
+            <p:spPr>
+              <a:xfrm>
+                <a:off x="24046512" y="15205075"/>
+                <a:ext cx="1409700" cy="400110"/>
+              </a:xfrm>
+              <a:prstGeom prst="rect">
+                <a:avLst/>
+              </a:prstGeom>
+              <a:noFill/>
+            </p:spPr>
+            <p:txBody>
+              <a:bodyPr wrap="square" rtlCol="0">
+                <a:spAutoFit/>
+              </a:bodyPr>
+              <a:lstStyle/>
+              <a:p>
+                <a:pPr algn="r"/>
+                <a:r>
+                  <a:rPr lang="en-CA" sz="2000" dirty="0"/>
+                  <a:t>Horse</a:t>
+                </a:r>
+                <a:endParaRPr lang="en-US" sz="2000" dirty="0"/>
+              </a:p>
+            </p:txBody>
+          </p:sp>
+          <p:sp>
+            <p:nvSpPr>
+              <p:cNvPr id="233" name="TextBox 232">
+                <a:extLst>
+                  <a:ext uri="{FF2B5EF4-FFF2-40B4-BE49-F238E27FC236}">
+                    <a16:creationId xmlns:a16="http://schemas.microsoft.com/office/drawing/2014/main" id="{EAFD4C59-07E1-4D63-A149-E39F8975B549}"/>
+                  </a:ext>
+                </a:extLst>
+              </p:cNvPr>
+              <p:cNvSpPr txBox="1"/>
+              <p:nvPr/>
+            </p:nvSpPr>
+            <p:spPr>
+              <a:xfrm>
+                <a:off x="24043337" y="15623132"/>
+                <a:ext cx="1409700" cy="400110"/>
+              </a:xfrm>
+              <a:prstGeom prst="rect">
+                <a:avLst/>
+              </a:prstGeom>
+              <a:noFill/>
+            </p:spPr>
+            <p:txBody>
+              <a:bodyPr wrap="square" rtlCol="0">
+                <a:spAutoFit/>
+              </a:bodyPr>
+              <a:lstStyle/>
+              <a:p>
+                <a:pPr algn="r"/>
+                <a:r>
+                  <a:rPr lang="en-CA" sz="2000" dirty="0"/>
+                  <a:t>Ship</a:t>
+                </a:r>
+                <a:endParaRPr lang="en-US" sz="2000" dirty="0"/>
+              </a:p>
+            </p:txBody>
+          </p:sp>
+          <p:sp>
+            <p:nvSpPr>
+              <p:cNvPr id="234" name="TextBox 233">
+                <a:extLst>
+                  <a:ext uri="{FF2B5EF4-FFF2-40B4-BE49-F238E27FC236}">
+                    <a16:creationId xmlns:a16="http://schemas.microsoft.com/office/drawing/2014/main" id="{89C62A9D-9492-414F-B6F3-38C32C29D654}"/>
+                  </a:ext>
+                </a:extLst>
+              </p:cNvPr>
+              <p:cNvSpPr txBox="1"/>
+              <p:nvPr/>
+            </p:nvSpPr>
+            <p:spPr>
+              <a:xfrm>
+                <a:off x="24043337" y="16045598"/>
+                <a:ext cx="1409700" cy="400110"/>
+              </a:xfrm>
+              <a:prstGeom prst="rect">
+                <a:avLst/>
+              </a:prstGeom>
+              <a:noFill/>
+            </p:spPr>
+            <p:txBody>
+              <a:bodyPr wrap="square" rtlCol="0">
+                <a:spAutoFit/>
+              </a:bodyPr>
+              <a:lstStyle/>
+              <a:p>
+                <a:pPr algn="r"/>
+                <a:r>
+                  <a:rPr lang="en-CA" sz="2000" dirty="0"/>
+                  <a:t>Truck</a:t>
+                </a:r>
+                <a:endParaRPr lang="en-US" sz="2000" dirty="0"/>
+              </a:p>
+            </p:txBody>
+          </p:sp>
+          <p:sp>
+            <p:nvSpPr>
+              <p:cNvPr id="235" name="TextBox 234">
+                <a:extLst>
+                  <a:ext uri="{FF2B5EF4-FFF2-40B4-BE49-F238E27FC236}">
+                    <a16:creationId xmlns:a16="http://schemas.microsoft.com/office/drawing/2014/main" id="{ABD8ED8C-6C2F-49BF-A72C-70B885041902}"/>
+                  </a:ext>
+                </a:extLst>
+              </p:cNvPr>
+              <p:cNvSpPr txBox="1"/>
+              <p:nvPr/>
+            </p:nvSpPr>
+            <p:spPr>
+              <a:xfrm>
+                <a:off x="25424369" y="16495794"/>
+                <a:ext cx="492443" cy="1286510"/>
+              </a:xfrm>
+              <a:prstGeom prst="rect">
+                <a:avLst/>
+              </a:prstGeom>
+              <a:noFill/>
+            </p:spPr>
+            <p:txBody>
+              <a:bodyPr vert="vert270" wrap="square" rtlCol="0" anchor="ctr" anchorCtr="0">
+                <a:spAutoFit/>
+              </a:bodyPr>
+              <a:lstStyle/>
+              <a:p>
+                <a:pPr algn="r"/>
+                <a:r>
+                  <a:rPr lang="en-CA" sz="2000" dirty="0"/>
+                  <a:t>Airplane</a:t>
+                </a:r>
+                <a:endParaRPr lang="en-US" sz="2000" dirty="0"/>
+              </a:p>
+            </p:txBody>
+          </p:sp>
+          <p:sp>
+            <p:nvSpPr>
+              <p:cNvPr id="236" name="TextBox 235">
+                <a:extLst>
+                  <a:ext uri="{FF2B5EF4-FFF2-40B4-BE49-F238E27FC236}">
+                    <a16:creationId xmlns:a16="http://schemas.microsoft.com/office/drawing/2014/main" id="{C64A5247-4215-4046-8D34-7092C6D4C930}"/>
+                  </a:ext>
+                </a:extLst>
+              </p:cNvPr>
+              <p:cNvSpPr txBox="1"/>
+              <p:nvPr/>
+            </p:nvSpPr>
+            <p:spPr>
+              <a:xfrm>
+                <a:off x="25847050" y="16483273"/>
+                <a:ext cx="492443" cy="1384381"/>
+              </a:xfrm>
+              <a:prstGeom prst="rect">
+                <a:avLst/>
+              </a:prstGeom>
+              <a:noFill/>
+            </p:spPr>
+            <p:txBody>
+              <a:bodyPr vert="vert270" wrap="square" rtlCol="0" anchor="ctr" anchorCtr="0">
+                <a:spAutoFit/>
+              </a:bodyPr>
+              <a:lstStyle/>
+              <a:p>
+                <a:pPr algn="r"/>
+                <a:r>
+                  <a:rPr lang="en-CA" sz="2000" dirty="0"/>
+                  <a:t>Automobile</a:t>
+                </a:r>
+                <a:endParaRPr lang="en-US" sz="2000" dirty="0"/>
+              </a:p>
+            </p:txBody>
+          </p:sp>
+          <p:sp>
+            <p:nvSpPr>
+              <p:cNvPr id="237" name="TextBox 236">
+                <a:extLst>
+                  <a:ext uri="{FF2B5EF4-FFF2-40B4-BE49-F238E27FC236}">
+                    <a16:creationId xmlns:a16="http://schemas.microsoft.com/office/drawing/2014/main" id="{65AA2C10-5362-4E09-9942-8FB481ED8DB8}"/>
+                  </a:ext>
+                </a:extLst>
+              </p:cNvPr>
+              <p:cNvSpPr txBox="1"/>
+              <p:nvPr/>
+            </p:nvSpPr>
+            <p:spPr>
+              <a:xfrm>
+                <a:off x="26295739" y="16492573"/>
+                <a:ext cx="492443" cy="1286510"/>
+              </a:xfrm>
+              <a:prstGeom prst="rect">
+                <a:avLst/>
+              </a:prstGeom>
+              <a:noFill/>
+            </p:spPr>
+            <p:txBody>
+              <a:bodyPr vert="vert270" wrap="square" rtlCol="0" anchor="ctr" anchorCtr="0">
+                <a:spAutoFit/>
+              </a:bodyPr>
+              <a:lstStyle/>
+              <a:p>
+                <a:pPr algn="r"/>
+                <a:r>
+                  <a:rPr lang="en-CA" sz="2000" dirty="0"/>
+                  <a:t>Bird</a:t>
+                </a:r>
+                <a:endParaRPr lang="en-US" sz="2000" dirty="0"/>
+              </a:p>
+            </p:txBody>
+          </p:sp>
+          <p:sp>
+            <p:nvSpPr>
+              <p:cNvPr id="238" name="TextBox 237">
+                <a:extLst>
+                  <a:ext uri="{FF2B5EF4-FFF2-40B4-BE49-F238E27FC236}">
+                    <a16:creationId xmlns:a16="http://schemas.microsoft.com/office/drawing/2014/main" id="{D99B5A98-5A6C-4BC1-82FD-6281BE005E42}"/>
+                  </a:ext>
+                </a:extLst>
+              </p:cNvPr>
+              <p:cNvSpPr txBox="1"/>
+              <p:nvPr/>
+            </p:nvSpPr>
+            <p:spPr>
+              <a:xfrm>
+                <a:off x="26714347" y="16497552"/>
+                <a:ext cx="492443" cy="601728"/>
+              </a:xfrm>
+              <a:prstGeom prst="rect">
+                <a:avLst/>
+              </a:prstGeom>
+              <a:noFill/>
+            </p:spPr>
+            <p:txBody>
+              <a:bodyPr vert="vert270" wrap="square" rtlCol="0" anchor="ctr" anchorCtr="0">
+                <a:spAutoFit/>
+              </a:bodyPr>
+              <a:lstStyle/>
+              <a:p>
+                <a:pPr algn="r"/>
+                <a:r>
+                  <a:rPr lang="en-CA" sz="2000" dirty="0"/>
+                  <a:t>Cat</a:t>
+                </a:r>
+                <a:endParaRPr lang="en-US" sz="2000" dirty="0"/>
+              </a:p>
+            </p:txBody>
+          </p:sp>
+          <p:sp>
+            <p:nvSpPr>
+              <p:cNvPr id="239" name="TextBox 238">
+                <a:extLst>
+                  <a:ext uri="{FF2B5EF4-FFF2-40B4-BE49-F238E27FC236}">
+                    <a16:creationId xmlns:a16="http://schemas.microsoft.com/office/drawing/2014/main" id="{8145E3E7-857F-4A22-BD48-2285E63F32B3}"/>
+                  </a:ext>
+                </a:extLst>
+              </p:cNvPr>
+              <p:cNvSpPr txBox="1"/>
+              <p:nvPr/>
+            </p:nvSpPr>
+            <p:spPr>
+              <a:xfrm>
+                <a:off x="27147796" y="16498398"/>
+                <a:ext cx="492443" cy="830871"/>
+              </a:xfrm>
+              <a:prstGeom prst="rect">
+                <a:avLst/>
+              </a:prstGeom>
+              <a:noFill/>
+            </p:spPr>
+            <p:txBody>
+              <a:bodyPr vert="vert270" wrap="square" rtlCol="0" anchor="ctr" anchorCtr="0">
+                <a:spAutoFit/>
+              </a:bodyPr>
+              <a:lstStyle/>
+              <a:p>
+                <a:pPr algn="r"/>
+                <a:r>
+                  <a:rPr lang="en-CA" sz="2000" dirty="0"/>
+                  <a:t>Deer</a:t>
+                </a:r>
+                <a:endParaRPr lang="en-US" sz="2000" dirty="0"/>
+              </a:p>
+            </p:txBody>
+          </p:sp>
+          <p:sp>
+            <p:nvSpPr>
+              <p:cNvPr id="240" name="TextBox 239">
+                <a:extLst>
+                  <a:ext uri="{FF2B5EF4-FFF2-40B4-BE49-F238E27FC236}">
+                    <a16:creationId xmlns:a16="http://schemas.microsoft.com/office/drawing/2014/main" id="{8CA895DB-D9C6-455A-90E4-264D2041E899}"/>
+                  </a:ext>
+                </a:extLst>
+              </p:cNvPr>
+              <p:cNvSpPr txBox="1"/>
+              <p:nvPr/>
+            </p:nvSpPr>
+            <p:spPr>
+              <a:xfrm>
+                <a:off x="27566404" y="16496844"/>
+                <a:ext cx="492443" cy="1286510"/>
+              </a:xfrm>
+              <a:prstGeom prst="rect">
+                <a:avLst/>
+              </a:prstGeom>
+              <a:noFill/>
+            </p:spPr>
+            <p:txBody>
+              <a:bodyPr vert="vert270" wrap="square" rtlCol="0" anchor="ctr" anchorCtr="0">
+                <a:spAutoFit/>
+              </a:bodyPr>
+              <a:lstStyle/>
+              <a:p>
+                <a:pPr algn="r"/>
+                <a:r>
+                  <a:rPr lang="en-CA" sz="2000" dirty="0"/>
+                  <a:t>Dog</a:t>
+                </a:r>
+                <a:endParaRPr lang="en-US" sz="2000" dirty="0"/>
+              </a:p>
+            </p:txBody>
+          </p:sp>
+          <p:sp>
+            <p:nvSpPr>
+              <p:cNvPr id="241" name="TextBox 240">
+                <a:extLst>
+                  <a:ext uri="{FF2B5EF4-FFF2-40B4-BE49-F238E27FC236}">
+                    <a16:creationId xmlns:a16="http://schemas.microsoft.com/office/drawing/2014/main" id="{210388B7-A09B-460F-8939-FE40CCBFB8AB}"/>
+                  </a:ext>
+                </a:extLst>
+              </p:cNvPr>
+              <p:cNvSpPr txBox="1"/>
+              <p:nvPr/>
+            </p:nvSpPr>
+            <p:spPr>
+              <a:xfrm>
+                <a:off x="28000423" y="16499965"/>
+                <a:ext cx="492443" cy="1286510"/>
+              </a:xfrm>
+              <a:prstGeom prst="rect">
+                <a:avLst/>
+              </a:prstGeom>
+              <a:noFill/>
+            </p:spPr>
+            <p:txBody>
+              <a:bodyPr vert="vert270" wrap="square" rtlCol="0" anchor="ctr" anchorCtr="0">
+                <a:spAutoFit/>
+              </a:bodyPr>
+              <a:lstStyle/>
+              <a:p>
+                <a:pPr algn="r"/>
+                <a:r>
+                  <a:rPr lang="en-CA" sz="2000" dirty="0"/>
+                  <a:t>Frog</a:t>
+                </a:r>
+                <a:endParaRPr lang="en-US" sz="2000" dirty="0"/>
+              </a:p>
+            </p:txBody>
+          </p:sp>
+          <p:sp>
+            <p:nvSpPr>
+              <p:cNvPr id="242" name="TextBox 241">
+                <a:extLst>
+                  <a:ext uri="{FF2B5EF4-FFF2-40B4-BE49-F238E27FC236}">
+                    <a16:creationId xmlns:a16="http://schemas.microsoft.com/office/drawing/2014/main" id="{BCA4797E-9174-45BC-B04B-2ECF41A69399}"/>
+                  </a:ext>
+                </a:extLst>
+              </p:cNvPr>
+              <p:cNvSpPr txBox="1"/>
+              <p:nvPr/>
+            </p:nvSpPr>
+            <p:spPr>
+              <a:xfrm>
+                <a:off x="28424290" y="16500504"/>
+                <a:ext cx="492443" cy="1286510"/>
+              </a:xfrm>
+              <a:prstGeom prst="rect">
+                <a:avLst/>
+              </a:prstGeom>
+              <a:noFill/>
+            </p:spPr>
+            <p:txBody>
+              <a:bodyPr vert="vert270" wrap="square" rtlCol="0" anchor="ctr" anchorCtr="0">
+                <a:spAutoFit/>
+              </a:bodyPr>
+              <a:lstStyle/>
+              <a:p>
+                <a:pPr algn="r"/>
+                <a:r>
+                  <a:rPr lang="en-CA" sz="2000" dirty="0"/>
+                  <a:t>Horse</a:t>
+                </a:r>
+                <a:endParaRPr lang="en-US" sz="2000" dirty="0"/>
+              </a:p>
+            </p:txBody>
+          </p:sp>
+          <p:sp>
+            <p:nvSpPr>
+              <p:cNvPr id="243" name="TextBox 242">
+                <a:extLst>
+                  <a:ext uri="{FF2B5EF4-FFF2-40B4-BE49-F238E27FC236}">
+                    <a16:creationId xmlns:a16="http://schemas.microsoft.com/office/drawing/2014/main" id="{72063120-22B1-4652-BA83-6AFBB1CA5AFB}"/>
+                  </a:ext>
+                </a:extLst>
+              </p:cNvPr>
+              <p:cNvSpPr txBox="1"/>
+              <p:nvPr/>
+            </p:nvSpPr>
+            <p:spPr>
+              <a:xfrm>
+                <a:off x="28831745" y="16494981"/>
+                <a:ext cx="492443" cy="1286510"/>
+              </a:xfrm>
+              <a:prstGeom prst="rect">
+                <a:avLst/>
+              </a:prstGeom>
+              <a:noFill/>
+            </p:spPr>
+            <p:txBody>
+              <a:bodyPr vert="vert270" wrap="square" rtlCol="0" anchor="ctr" anchorCtr="0">
+                <a:spAutoFit/>
+              </a:bodyPr>
+              <a:lstStyle/>
+              <a:p>
+                <a:pPr algn="r"/>
+                <a:r>
+                  <a:rPr lang="en-CA" sz="2000" dirty="0"/>
+                  <a:t>Ship</a:t>
+                </a:r>
+                <a:endParaRPr lang="en-US" sz="2000" dirty="0"/>
+              </a:p>
+            </p:txBody>
+          </p:sp>
+          <p:sp>
+            <p:nvSpPr>
+              <p:cNvPr id="244" name="TextBox 243">
+                <a:extLst>
+                  <a:ext uri="{FF2B5EF4-FFF2-40B4-BE49-F238E27FC236}">
+                    <a16:creationId xmlns:a16="http://schemas.microsoft.com/office/drawing/2014/main" id="{BC490769-3C56-452C-8FC7-F7E1E6DB78F0}"/>
+                  </a:ext>
+                </a:extLst>
+              </p:cNvPr>
+              <p:cNvSpPr txBox="1"/>
+              <p:nvPr/>
+            </p:nvSpPr>
+            <p:spPr>
+              <a:xfrm>
+                <a:off x="29256433" y="16493740"/>
+                <a:ext cx="492443" cy="1286510"/>
+              </a:xfrm>
+              <a:prstGeom prst="rect">
+                <a:avLst/>
+              </a:prstGeom>
+              <a:noFill/>
+            </p:spPr>
+            <p:txBody>
+              <a:bodyPr vert="vert270" wrap="square" rtlCol="0" anchor="ctr" anchorCtr="0">
+                <a:spAutoFit/>
+              </a:bodyPr>
+              <a:lstStyle/>
+              <a:p>
+                <a:pPr algn="r"/>
+                <a:r>
+                  <a:rPr lang="en-CA" sz="2000" dirty="0"/>
+                  <a:t>Truck</a:t>
+                </a:r>
+                <a:endParaRPr lang="en-US" sz="2000" dirty="0"/>
+              </a:p>
+            </p:txBody>
+          </p:sp>
+        </p:grpSp>
+      </p:grpSp>
+      <p:cxnSp>
+        <p:nvCxnSpPr>
+          <p:cNvPr id="245" name="Straight Connector 244">
+            <a:extLst>
+              <a:ext uri="{FF2B5EF4-FFF2-40B4-BE49-F238E27FC236}">
+                <a16:creationId xmlns:a16="http://schemas.microsoft.com/office/drawing/2014/main" id="{B6905DFD-C2E0-425A-8EFE-DDCE826629A0}"/>
+              </a:ext>
+            </a:extLst>
+          </p:cNvPr>
+          <p:cNvCxnSpPr>
+            <a:cxnSpLocks/>
+          </p:cNvCxnSpPr>
+          <p:nvPr/>
+        </p:nvCxnSpPr>
+        <p:spPr>
+          <a:xfrm flipV="1">
+            <a:off x="22406432" y="9161536"/>
+            <a:ext cx="10031268" cy="14075"/>
+          </a:xfrm>
+          <a:prstGeom prst="line">
+            <a:avLst/>
+          </a:prstGeom>
+          <a:ln>
+            <a:solidFill>
+              <a:srgbClr val="CDD2DE"/>
+            </a:solidFill>
+          </a:ln>
+        </p:spPr>
+        <p:style>
+          <a:lnRef idx="1">
+            <a:schemeClr val="dk1"/>
+          </a:lnRef>
+          <a:fillRef idx="0">
+            <a:schemeClr val="dk1"/>
+          </a:fillRef>
+          <a:effectRef idx="0">
+            <a:schemeClr val="dk1"/>
+          </a:effectRef>
+          <a:fontRef idx="minor">
+            <a:schemeClr val="tx1"/>
+          </a:fontRef>
+        </p:style>
+      </p:cxnSp>
+      <p:cxnSp>
+        <p:nvCxnSpPr>
+          <p:cNvPr id="246" name="Straight Connector 245">
+            <a:extLst>
+              <a:ext uri="{FF2B5EF4-FFF2-40B4-BE49-F238E27FC236}">
+                <a16:creationId xmlns:a16="http://schemas.microsoft.com/office/drawing/2014/main" id="{87260A6E-193C-4227-95A9-F5B75B9C9FF7}"/>
+              </a:ext>
+            </a:extLst>
+          </p:cNvPr>
+          <p:cNvCxnSpPr>
+            <a:cxnSpLocks/>
+          </p:cNvCxnSpPr>
+          <p:nvPr/>
+        </p:nvCxnSpPr>
+        <p:spPr>
+          <a:xfrm flipV="1">
+            <a:off x="11441670" y="10810422"/>
+            <a:ext cx="10031268" cy="14075"/>
+          </a:xfrm>
+          <a:prstGeom prst="line">
+            <a:avLst/>
+          </a:prstGeom>
+          <a:ln>
+            <a:solidFill>
+              <a:srgbClr val="CDD2DE"/>
+            </a:solidFill>
+          </a:ln>
+        </p:spPr>
+        <p:style>
+          <a:lnRef idx="1">
+            <a:schemeClr val="dk1"/>
+          </a:lnRef>
+          <a:fillRef idx="0">
+            <a:schemeClr val="dk1"/>
+          </a:fillRef>
+          <a:effectRef idx="0">
+            <a:schemeClr val="dk1"/>
+          </a:effectRef>
+          <a:fontRef idx="minor">
+            <a:schemeClr val="tx1"/>
+          </a:fontRef>
+        </p:style>
+      </p:cxnSp>
     </p:spTree>
     <p:extLst>
       <p:ext uri="{BB962C8B-B14F-4D97-AF65-F5344CB8AC3E}">
